--- a/report_ppt/融合.pptx
+++ b/report_ppt/融合.pptx
@@ -6746,8 +6746,8 @@
         </p:nvSpPr>
         <p:spPr>
           <a:xfrm>
-            <a:off x="914400" y="2286000"/>
-            <a:ext cx="10360152" cy="914400"/>
+            <a:off x="914400" y="2743200"/>
+            <a:ext cx="10360152" cy="1097280"/>
           </a:xfrm>
           <a:prstGeom prst="rect">
             <a:avLst/>
@@ -6761,7 +6761,7 @@
           <a:lstStyle/>
           <a:p>
             <a:pPr algn="ctr">
-              <a:defRPr sz="4800" b="1">
+              <a:defRPr sz="5400" b="1">
                 <a:solidFill>
                   <a:srgbClr val="0046A0"/>
                 </a:solidFill>
@@ -6785,7 +6785,7 @@
         </p:nvSpPr>
         <p:spPr>
           <a:xfrm>
-            <a:off x="914400" y="3474720"/>
+            <a:off x="914400" y="4114800"/>
             <a:ext cx="10360152" cy="731520"/>
           </a:xfrm>
           <a:prstGeom prst="rect">
@@ -6800,7 +6800,7 @@
           <a:lstStyle/>
           <a:p>
             <a:pPr algn="ctr">
-              <a:defRPr sz="2800">
+              <a:defRPr sz="3200">
                 <a:solidFill>
                   <a:srgbClr val="595959"/>
                 </a:solidFill>
@@ -6842,8 +6842,8 @@
         </p:nvSpPr>
         <p:spPr>
           <a:xfrm>
-            <a:off x="457200" y="274320"/>
-            <a:ext cx="11274552" cy="640080"/>
+            <a:off x="457200" y="731520"/>
+            <a:ext cx="11274552" cy="548640"/>
           </a:xfrm>
           <a:prstGeom prst="rect">
             <a:avLst/>
@@ -6881,8 +6881,8 @@
         </p:nvSpPr>
         <p:spPr>
           <a:xfrm>
-            <a:off x="457200" y="1097280"/>
-            <a:ext cx="11274552" cy="5303520"/>
+            <a:off x="457200" y="1463040"/>
+            <a:ext cx="11274552" cy="4937760"/>
           </a:xfrm>
           <a:prstGeom prst="rect">
             <a:avLst/>
@@ -6897,9 +6897,38 @@
           <a:p>
             <a:pPr>
               <a:spcAft>
-                <a:spcPts val="400"/>
-              </a:spcAft>
-              <a:defRPr sz="1600" b="1">
+                <a:spcPts val="300"/>
+              </a:spcAft>
+              <a:defRPr sz="1500" b="1">
+                <a:solidFill>
+                  <a:srgbClr val="FF8C00"/>
+                </a:solidFill>
+                <a:latin typeface="WenQuanYi Zen Hei"/>
+              </a:defRPr>
+            </a:pPr>
+            <a:r>
+              <a:rPr>
+                <a:latin typeface="WenQuanYi Zen Hei"/>
+              </a:rPr>
+              <a:t>4. 数据分析报告</a:t>
+            </a:r>
+          </a:p>
+          <a:p>
+            <a:pPr>
+              <a:spcAft>
+                <a:spcPts val="300"/>
+              </a:spcAft>
+              <a:defRPr sz="1300">
+                <a:latin typeface="WenQuanYi Zen Hei"/>
+              </a:defRPr>
+            </a:pPr>
+          </a:p>
+          <a:p>
+            <a:pPr>
+              <a:spcAft>
+                <a:spcPts val="300"/>
+              </a:spcAft>
+              <a:defRPr sz="1500" b="1">
                 <a:solidFill>
                   <a:srgbClr val="0046A0"/>
                 </a:solidFill>
@@ -6910,41 +6939,15 @@
               <a:rPr>
                 <a:latin typeface="WenQuanYi Zen Hei"/>
               </a:rPr>
-              <a:t>4. 数据分析报告</a:t>
-            </a:r>
-          </a:p>
-          <a:p>
-            <a:pPr>
-              <a:spcAft>
-                <a:spcPts val="400"/>
-              </a:spcAft>
-              <a:defRPr sz="1400">
-                <a:latin typeface="WenQuanYi Zen Hei"/>
-              </a:defRPr>
-            </a:pPr>
-          </a:p>
-          <a:p>
-            <a:pPr>
-              <a:spcAft>
-                <a:spcPts val="400"/>
-              </a:spcAft>
-              <a:defRPr sz="1400">
-                <a:latin typeface="WenQuanYi Zen Hei"/>
-              </a:defRPr>
-            </a:pPr>
-            <a:r>
-              <a:rPr>
-                <a:latin typeface="WenQuanYi Zen Hei"/>
-              </a:rPr>
               <a:t>系统性能分析：</a:t>
             </a:r>
           </a:p>
           <a:p>
             <a:pPr>
               <a:spcAft>
-                <a:spcPts val="400"/>
-              </a:spcAft>
-              <a:defRPr sz="1400">
+                <a:spcPts val="300"/>
+              </a:spcAft>
+              <a:defRPr sz="1300">
                 <a:latin typeface="WenQuanYi Zen Hei"/>
               </a:defRPr>
             </a:pPr>
@@ -6958,9 +6961,9 @@
           <a:p>
             <a:pPr>
               <a:spcAft>
-                <a:spcPts val="400"/>
-              </a:spcAft>
-              <a:defRPr sz="1400">
+                <a:spcPts val="300"/>
+              </a:spcAft>
+              <a:defRPr sz="1300">
                 <a:latin typeface="WenQuanYi Zen Hei"/>
               </a:defRPr>
             </a:pPr>
@@ -6974,9 +6977,9 @@
           <a:p>
             <a:pPr>
               <a:spcAft>
-                <a:spcPts val="400"/>
-              </a:spcAft>
-              <a:defRPr sz="1400">
+                <a:spcPts val="300"/>
+              </a:spcAft>
+              <a:defRPr sz="1300">
                 <a:latin typeface="WenQuanYi Zen Hei"/>
               </a:defRPr>
             </a:pPr>
@@ -6990,9 +6993,9 @@
           <a:p>
             <a:pPr>
               <a:spcAft>
-                <a:spcPts val="400"/>
-              </a:spcAft>
-              <a:defRPr sz="1400">
+                <a:spcPts val="300"/>
+              </a:spcAft>
+              <a:defRPr sz="1300">
                 <a:latin typeface="WenQuanYi Zen Hei"/>
               </a:defRPr>
             </a:pPr>
@@ -7006,19 +7009,22 @@
           <a:p>
             <a:pPr>
               <a:spcAft>
-                <a:spcPts val="400"/>
-              </a:spcAft>
-              <a:defRPr sz="1400">
-                <a:latin typeface="WenQuanYi Zen Hei"/>
-              </a:defRPr>
-            </a:pPr>
-          </a:p>
-          <a:p>
-            <a:pPr>
-              <a:spcAft>
-                <a:spcPts val="400"/>
-              </a:spcAft>
-              <a:defRPr sz="1400">
+                <a:spcPts val="300"/>
+              </a:spcAft>
+              <a:defRPr sz="1300">
+                <a:latin typeface="WenQuanYi Zen Hei"/>
+              </a:defRPr>
+            </a:pPr>
+          </a:p>
+          <a:p>
+            <a:pPr>
+              <a:spcAft>
+                <a:spcPts val="300"/>
+              </a:spcAft>
+              <a:defRPr sz="1500" b="1">
+                <a:solidFill>
+                  <a:srgbClr val="0046A0"/>
+                </a:solidFill>
                 <a:latin typeface="WenQuanYi Zen Hei"/>
               </a:defRPr>
             </a:pPr>
@@ -7032,9 +7038,9 @@
           <a:p>
             <a:pPr>
               <a:spcAft>
-                <a:spcPts val="400"/>
-              </a:spcAft>
-              <a:defRPr sz="1400">
+                <a:spcPts val="300"/>
+              </a:spcAft>
+              <a:defRPr sz="1300">
                 <a:latin typeface="WenQuanYi Zen Hei"/>
               </a:defRPr>
             </a:pPr>
@@ -7048,9 +7054,9 @@
           <a:p>
             <a:pPr>
               <a:spcAft>
-                <a:spcPts val="400"/>
-              </a:spcAft>
-              <a:defRPr sz="1400">
+                <a:spcPts val="300"/>
+              </a:spcAft>
+              <a:defRPr sz="1300">
                 <a:latin typeface="WenQuanYi Zen Hei"/>
               </a:defRPr>
             </a:pPr>
@@ -7064,9 +7070,9 @@
           <a:p>
             <a:pPr>
               <a:spcAft>
-                <a:spcPts val="400"/>
-              </a:spcAft>
-              <a:defRPr sz="1400">
+                <a:spcPts val="300"/>
+              </a:spcAft>
+              <a:defRPr sz="1300">
                 <a:latin typeface="WenQuanYi Zen Hei"/>
               </a:defRPr>
             </a:pPr>
@@ -7080,9 +7086,9 @@
           <a:p>
             <a:pPr>
               <a:spcAft>
-                <a:spcPts val="400"/>
-              </a:spcAft>
-              <a:defRPr sz="1400">
+                <a:spcPts val="300"/>
+              </a:spcAft>
+              <a:defRPr sz="1300">
                 <a:latin typeface="WenQuanYi Zen Hei"/>
               </a:defRPr>
             </a:pPr>
@@ -7096,19 +7102,22 @@
           <a:p>
             <a:pPr>
               <a:spcAft>
-                <a:spcPts val="400"/>
-              </a:spcAft>
-              <a:defRPr sz="1400">
-                <a:latin typeface="WenQuanYi Zen Hei"/>
-              </a:defRPr>
-            </a:pPr>
-          </a:p>
-          <a:p>
-            <a:pPr>
-              <a:spcAft>
-                <a:spcPts val="400"/>
-              </a:spcAft>
-              <a:defRPr sz="1400">
+                <a:spcPts val="300"/>
+              </a:spcAft>
+              <a:defRPr sz="1300">
+                <a:latin typeface="WenQuanYi Zen Hei"/>
+              </a:defRPr>
+            </a:pPr>
+          </a:p>
+          <a:p>
+            <a:pPr>
+              <a:spcAft>
+                <a:spcPts val="300"/>
+              </a:spcAft>
+              <a:defRPr sz="1500" b="1">
+                <a:solidFill>
+                  <a:srgbClr val="0046A0"/>
+                </a:solidFill>
                 <a:latin typeface="WenQuanYi Zen Hei"/>
               </a:defRPr>
             </a:pPr>
@@ -7122,9 +7131,9 @@
           <a:p>
             <a:pPr>
               <a:spcAft>
-                <a:spcPts val="400"/>
-              </a:spcAft>
-              <a:defRPr sz="1400">
+                <a:spcPts val="300"/>
+              </a:spcAft>
+              <a:defRPr sz="1300">
                 <a:latin typeface="WenQuanYi Zen Hei"/>
               </a:defRPr>
             </a:pPr>
@@ -7138,9 +7147,9 @@
           <a:p>
             <a:pPr>
               <a:spcAft>
-                <a:spcPts val="400"/>
-              </a:spcAft>
-              <a:defRPr sz="1400">
+                <a:spcPts val="300"/>
+              </a:spcAft>
+              <a:defRPr sz="1300">
                 <a:latin typeface="WenQuanYi Zen Hei"/>
               </a:defRPr>
             </a:pPr>
@@ -7154,9 +7163,9 @@
           <a:p>
             <a:pPr>
               <a:spcAft>
-                <a:spcPts val="400"/>
-              </a:spcAft>
-              <a:defRPr sz="1400">
+                <a:spcPts val="300"/>
+              </a:spcAft>
+              <a:defRPr sz="1300">
                 <a:latin typeface="WenQuanYi Zen Hei"/>
               </a:defRPr>
             </a:pPr>
@@ -7170,19 +7179,22 @@
           <a:p>
             <a:pPr>
               <a:spcAft>
-                <a:spcPts val="400"/>
-              </a:spcAft>
-              <a:defRPr sz="1400">
-                <a:latin typeface="WenQuanYi Zen Hei"/>
-              </a:defRPr>
-            </a:pPr>
-          </a:p>
-          <a:p>
-            <a:pPr>
-              <a:spcAft>
-                <a:spcPts val="400"/>
-              </a:spcAft>
-              <a:defRPr sz="1400">
+                <a:spcPts val="300"/>
+              </a:spcAft>
+              <a:defRPr sz="1300">
+                <a:latin typeface="WenQuanYi Zen Hei"/>
+              </a:defRPr>
+            </a:pPr>
+          </a:p>
+          <a:p>
+            <a:pPr>
+              <a:spcAft>
+                <a:spcPts val="300"/>
+              </a:spcAft>
+              <a:defRPr sz="1500" b="1">
+                <a:solidFill>
+                  <a:srgbClr val="0046A0"/>
+                </a:solidFill>
                 <a:latin typeface="WenQuanYi Zen Hei"/>
               </a:defRPr>
             </a:pPr>
@@ -7196,9 +7208,9 @@
           <a:p>
             <a:pPr>
               <a:spcAft>
-                <a:spcPts val="400"/>
-              </a:spcAft>
-              <a:defRPr sz="1400">
+                <a:spcPts val="300"/>
+              </a:spcAft>
+              <a:defRPr sz="1300">
                 <a:latin typeface="WenQuanYi Zen Hei"/>
               </a:defRPr>
             </a:pPr>
@@ -7212,9 +7224,9 @@
           <a:p>
             <a:pPr>
               <a:spcAft>
-                <a:spcPts val="400"/>
-              </a:spcAft>
-              <a:defRPr sz="1400">
+                <a:spcPts val="300"/>
+              </a:spcAft>
+              <a:defRPr sz="1300">
                 <a:latin typeface="WenQuanYi Zen Hei"/>
               </a:defRPr>
             </a:pPr>
@@ -7228,9 +7240,9 @@
           <a:p>
             <a:pPr>
               <a:spcAft>
-                <a:spcPts val="400"/>
-              </a:spcAft>
-              <a:defRPr sz="1400">
+                <a:spcPts val="300"/>
+              </a:spcAft>
+              <a:defRPr sz="1300">
                 <a:latin typeface="WenQuanYi Zen Hei"/>
               </a:defRPr>
             </a:pPr>
@@ -7269,8 +7281,8 @@
         </p:nvSpPr>
         <p:spPr>
           <a:xfrm>
-            <a:off x="457200" y="274320"/>
-            <a:ext cx="11274552" cy="640080"/>
+            <a:off x="457200" y="731520"/>
+            <a:ext cx="11274552" cy="548640"/>
           </a:xfrm>
           <a:prstGeom prst="rect">
             <a:avLst/>
@@ -7308,8 +7320,8 @@
         </p:nvSpPr>
         <p:spPr>
           <a:xfrm>
-            <a:off x="457200" y="1097280"/>
-            <a:ext cx="11274552" cy="5303520"/>
+            <a:off x="457200" y="1463040"/>
+            <a:ext cx="11274552" cy="4937760"/>
           </a:xfrm>
           <a:prstGeom prst="rect">
             <a:avLst/>
@@ -7324,9 +7336,12 @@
           <a:p>
             <a:pPr>
               <a:spcAft>
-                <a:spcPts val="400"/>
-              </a:spcAft>
-              <a:defRPr sz="1400">
+                <a:spcPts val="300"/>
+              </a:spcAft>
+              <a:defRPr sz="1500" b="1">
+                <a:solidFill>
+                  <a:srgbClr val="0046A0"/>
+                </a:solidFill>
                 <a:latin typeface="WenQuanYi Zen Hei"/>
               </a:defRPr>
             </a:pPr>
@@ -7340,19 +7355,19 @@
           <a:p>
             <a:pPr>
               <a:spcAft>
-                <a:spcPts val="400"/>
-              </a:spcAft>
-              <a:defRPr sz="1400">
-                <a:latin typeface="WenQuanYi Zen Hei"/>
-              </a:defRPr>
-            </a:pPr>
-          </a:p>
-          <a:p>
-            <a:pPr>
-              <a:spcAft>
-                <a:spcPts val="400"/>
-              </a:spcAft>
-              <a:defRPr sz="1600" b="1">
+                <a:spcPts val="300"/>
+              </a:spcAft>
+              <a:defRPr sz="1300">
+                <a:latin typeface="WenQuanYi Zen Hei"/>
+              </a:defRPr>
+            </a:pPr>
+          </a:p>
+          <a:p>
+            <a:pPr>
+              <a:spcAft>
+                <a:spcPts val="300"/>
+              </a:spcAft>
+              <a:defRPr sz="1500" b="1">
                 <a:solidFill>
                   <a:srgbClr val="0046A0"/>
                 </a:solidFill>
@@ -7369,115 +7384,133 @@
           <a:p>
             <a:pPr>
               <a:spcAft>
-                <a:spcPts val="400"/>
-              </a:spcAft>
-              <a:defRPr sz="1400">
-                <a:latin typeface="WenQuanYi Zen Hei"/>
-              </a:defRPr>
-            </a:pPr>
-            <a:r>
-              <a:rPr>
-                <a:latin typeface="WenQuanYi Zen Hei"/>
-              </a:rPr>
-              <a:t>• 项目验收申请报告</a:t>
-            </a:r>
-          </a:p>
-          <a:p>
-            <a:pPr>
-              <a:spcAft>
-                <a:spcPts val="400"/>
-              </a:spcAft>
-              <a:defRPr sz="1400">
-                <a:latin typeface="WenQuanYi Zen Hei"/>
-              </a:defRPr>
-            </a:pPr>
-            <a:r>
-              <a:rPr>
-                <a:latin typeface="WenQuanYi Zen Hei"/>
-              </a:rPr>
-              <a:t>• 项目总结报告</a:t>
-            </a:r>
-          </a:p>
-          <a:p>
-            <a:pPr>
-              <a:spcAft>
-                <a:spcPts val="400"/>
-              </a:spcAft>
-              <a:defRPr sz="1400">
-                <a:latin typeface="WenQuanYi Zen Hei"/>
-              </a:defRPr>
-            </a:pPr>
-            <a:r>
-              <a:rPr>
-                <a:latin typeface="WenQuanYi Zen Hei"/>
-              </a:rPr>
-              <a:t>• 系统测试报告汇总</a:t>
-            </a:r>
-          </a:p>
-          <a:p>
-            <a:pPr>
-              <a:spcAft>
-                <a:spcPts val="400"/>
-              </a:spcAft>
-              <a:defRPr sz="1400">
-                <a:latin typeface="WenQuanYi Zen Hei"/>
-              </a:defRPr>
-            </a:pPr>
-            <a:r>
-              <a:rPr>
-                <a:latin typeface="WenQuanYi Zen Hei"/>
-              </a:rPr>
-              <a:t>• 用户验收测试（UAT）报告</a:t>
-            </a:r>
-          </a:p>
-          <a:p>
-            <a:pPr>
-              <a:spcAft>
-                <a:spcPts val="400"/>
-              </a:spcAft>
-              <a:defRPr sz="1400">
-                <a:latin typeface="WenQuanYi Zen Hei"/>
-              </a:defRPr>
-            </a:pPr>
-            <a:r>
-              <a:rPr>
-                <a:latin typeface="WenQuanYi Zen Hei"/>
-              </a:rPr>
-              <a:t>• 项目变更记录清单</a:t>
-            </a:r>
-          </a:p>
-          <a:p>
-            <a:pPr>
-              <a:spcAft>
-                <a:spcPts val="400"/>
-              </a:spcAft>
-              <a:defRPr sz="1400">
-                <a:latin typeface="WenQuanYi Zen Hei"/>
-              </a:defRPr>
-            </a:pPr>
-            <a:r>
-              <a:rPr>
-                <a:latin typeface="WenQuanYi Zen Hei"/>
-              </a:rPr>
-              <a:t>• 问题跟踪与解决记录</a:t>
-            </a:r>
-          </a:p>
-          <a:p>
-            <a:pPr>
-              <a:spcAft>
-                <a:spcPts val="400"/>
-              </a:spcAft>
-              <a:defRPr sz="1400">
-                <a:latin typeface="WenQuanYi Zen Hei"/>
-              </a:defRPr>
-            </a:pPr>
-          </a:p>
-          <a:p>
-            <a:pPr>
-              <a:spcAft>
-                <a:spcPts val="400"/>
-              </a:spcAft>
-              <a:defRPr sz="1600" b="1">
+                <a:spcPts val="300"/>
+              </a:spcAft>
+              <a:defRPr sz="1300">
+                <a:solidFill>
+                  <a:srgbClr val="008000"/>
+                </a:solidFill>
+                <a:latin typeface="WenQuanYi Zen Hei"/>
+              </a:defRPr>
+            </a:pPr>
+            <a:r>
+              <a:rPr>
+                <a:latin typeface="WenQuanYi Zen Hei"/>
+              </a:rPr>
+              <a:t>✓ 项目验收申请报告</a:t>
+            </a:r>
+          </a:p>
+          <a:p>
+            <a:pPr>
+              <a:spcAft>
+                <a:spcPts val="300"/>
+              </a:spcAft>
+              <a:defRPr sz="1300">
+                <a:solidFill>
+                  <a:srgbClr val="008000"/>
+                </a:solidFill>
+                <a:latin typeface="WenQuanYi Zen Hei"/>
+              </a:defRPr>
+            </a:pPr>
+            <a:r>
+              <a:rPr>
+                <a:latin typeface="WenQuanYi Zen Hei"/>
+              </a:rPr>
+              <a:t>✓ 项目总结报告</a:t>
+            </a:r>
+          </a:p>
+          <a:p>
+            <a:pPr>
+              <a:spcAft>
+                <a:spcPts val="300"/>
+              </a:spcAft>
+              <a:defRPr sz="1300">
+                <a:solidFill>
+                  <a:srgbClr val="008000"/>
+                </a:solidFill>
+                <a:latin typeface="WenQuanYi Zen Hei"/>
+              </a:defRPr>
+            </a:pPr>
+            <a:r>
+              <a:rPr>
+                <a:latin typeface="WenQuanYi Zen Hei"/>
+              </a:rPr>
+              <a:t>✓ 系统测试报告汇总</a:t>
+            </a:r>
+          </a:p>
+          <a:p>
+            <a:pPr>
+              <a:spcAft>
+                <a:spcPts val="300"/>
+              </a:spcAft>
+              <a:defRPr sz="1300">
+                <a:solidFill>
+                  <a:srgbClr val="008000"/>
+                </a:solidFill>
+                <a:latin typeface="WenQuanYi Zen Hei"/>
+              </a:defRPr>
+            </a:pPr>
+            <a:r>
+              <a:rPr>
+                <a:latin typeface="WenQuanYi Zen Hei"/>
+              </a:rPr>
+              <a:t>✓ 用户验收测试（UAT）报告</a:t>
+            </a:r>
+          </a:p>
+          <a:p>
+            <a:pPr>
+              <a:spcAft>
+                <a:spcPts val="300"/>
+              </a:spcAft>
+              <a:defRPr sz="1300">
+                <a:solidFill>
+                  <a:srgbClr val="008000"/>
+                </a:solidFill>
+                <a:latin typeface="WenQuanYi Zen Hei"/>
+              </a:defRPr>
+            </a:pPr>
+            <a:r>
+              <a:rPr>
+                <a:latin typeface="WenQuanYi Zen Hei"/>
+              </a:rPr>
+              <a:t>✓ 项目变更记录清单</a:t>
+            </a:r>
+          </a:p>
+          <a:p>
+            <a:pPr>
+              <a:spcAft>
+                <a:spcPts val="300"/>
+              </a:spcAft>
+              <a:defRPr sz="1300">
+                <a:solidFill>
+                  <a:srgbClr val="008000"/>
+                </a:solidFill>
+                <a:latin typeface="WenQuanYi Zen Hei"/>
+              </a:defRPr>
+            </a:pPr>
+            <a:r>
+              <a:rPr>
+                <a:latin typeface="WenQuanYi Zen Hei"/>
+              </a:rPr>
+              <a:t>✓ 问题跟踪与解决记录</a:t>
+            </a:r>
+          </a:p>
+          <a:p>
+            <a:pPr>
+              <a:spcAft>
+                <a:spcPts val="300"/>
+              </a:spcAft>
+              <a:defRPr sz="1300">
+                <a:latin typeface="WenQuanYi Zen Hei"/>
+              </a:defRPr>
+            </a:pPr>
+          </a:p>
+          <a:p>
+            <a:pPr>
+              <a:spcAft>
+                <a:spcPts val="300"/>
+              </a:spcAft>
+              <a:defRPr sz="1500" b="1">
                 <a:solidFill>
                   <a:srgbClr val="0046A0"/>
                 </a:solidFill>
@@ -7494,83 +7527,95 @@
           <a:p>
             <a:pPr>
               <a:spcAft>
-                <a:spcPts val="400"/>
-              </a:spcAft>
-              <a:defRPr sz="1400">
-                <a:latin typeface="WenQuanYi Zen Hei"/>
-              </a:defRPr>
-            </a:pPr>
-            <a:r>
-              <a:rPr>
-                <a:latin typeface="WenQuanYi Zen Hei"/>
-              </a:rPr>
-              <a:t>• 验收测试环境搭建完成</a:t>
-            </a:r>
-          </a:p>
-          <a:p>
-            <a:pPr>
-              <a:spcAft>
-                <a:spcPts val="400"/>
-              </a:spcAft>
-              <a:defRPr sz="1400">
-                <a:latin typeface="WenQuanYi Zen Hei"/>
-              </a:defRPr>
-            </a:pPr>
-            <a:r>
-              <a:rPr>
-                <a:latin typeface="WenQuanYi Zen Hei"/>
-              </a:rPr>
-              <a:t>• 验收数据准备与脱敏</a:t>
-            </a:r>
-          </a:p>
-          <a:p>
-            <a:pPr>
-              <a:spcAft>
-                <a:spcPts val="400"/>
-              </a:spcAft>
-              <a:defRPr sz="1400">
-                <a:latin typeface="WenQuanYi Zen Hei"/>
-              </a:defRPr>
-            </a:pPr>
-            <a:r>
-              <a:rPr>
-                <a:latin typeface="WenQuanYi Zen Hei"/>
-              </a:rPr>
-              <a:t>• 验收演示脚本编写</a:t>
-            </a:r>
-          </a:p>
-          <a:p>
-            <a:pPr>
-              <a:spcAft>
-                <a:spcPts val="400"/>
-              </a:spcAft>
-              <a:defRPr sz="1400">
-                <a:latin typeface="WenQuanYi Zen Hei"/>
-              </a:defRPr>
-            </a:pPr>
-            <a:r>
-              <a:rPr>
-                <a:latin typeface="WenQuanYi Zen Hei"/>
-              </a:rPr>
-              <a:t>• 验收团队人员组织</a:t>
-            </a:r>
-          </a:p>
-          <a:p>
-            <a:pPr>
-              <a:spcAft>
-                <a:spcPts val="400"/>
-              </a:spcAft>
-              <a:defRPr sz="1400">
-                <a:latin typeface="WenQuanYi Zen Hei"/>
-              </a:defRPr>
-            </a:pPr>
-          </a:p>
-          <a:p>
-            <a:pPr>
-              <a:spcAft>
-                <a:spcPts val="400"/>
-              </a:spcAft>
-              <a:defRPr sz="1600" b="1">
+                <a:spcPts val="300"/>
+              </a:spcAft>
+              <a:defRPr sz="1300">
+                <a:solidFill>
+                  <a:srgbClr val="008000"/>
+                </a:solidFill>
+                <a:latin typeface="WenQuanYi Zen Hei"/>
+              </a:defRPr>
+            </a:pPr>
+            <a:r>
+              <a:rPr>
+                <a:latin typeface="WenQuanYi Zen Hei"/>
+              </a:rPr>
+              <a:t>✓ 验收测试环境搭建完成</a:t>
+            </a:r>
+          </a:p>
+          <a:p>
+            <a:pPr>
+              <a:spcAft>
+                <a:spcPts val="300"/>
+              </a:spcAft>
+              <a:defRPr sz="1300">
+                <a:solidFill>
+                  <a:srgbClr val="008000"/>
+                </a:solidFill>
+                <a:latin typeface="WenQuanYi Zen Hei"/>
+              </a:defRPr>
+            </a:pPr>
+            <a:r>
+              <a:rPr>
+                <a:latin typeface="WenQuanYi Zen Hei"/>
+              </a:rPr>
+              <a:t>✓ 验收数据准备与脱敏</a:t>
+            </a:r>
+          </a:p>
+          <a:p>
+            <a:pPr>
+              <a:spcAft>
+                <a:spcPts val="300"/>
+              </a:spcAft>
+              <a:defRPr sz="1300">
+                <a:solidFill>
+                  <a:srgbClr val="008000"/>
+                </a:solidFill>
+                <a:latin typeface="WenQuanYi Zen Hei"/>
+              </a:defRPr>
+            </a:pPr>
+            <a:r>
+              <a:rPr>
+                <a:latin typeface="WenQuanYi Zen Hei"/>
+              </a:rPr>
+              <a:t>✓ 验收演示脚本编写</a:t>
+            </a:r>
+          </a:p>
+          <a:p>
+            <a:pPr>
+              <a:spcAft>
+                <a:spcPts val="300"/>
+              </a:spcAft>
+              <a:defRPr sz="1300">
+                <a:solidFill>
+                  <a:srgbClr val="008000"/>
+                </a:solidFill>
+                <a:latin typeface="WenQuanYi Zen Hei"/>
+              </a:defRPr>
+            </a:pPr>
+            <a:r>
+              <a:rPr>
+                <a:latin typeface="WenQuanYi Zen Hei"/>
+              </a:rPr>
+              <a:t>✓ 验收团队人员组织</a:t>
+            </a:r>
+          </a:p>
+          <a:p>
+            <a:pPr>
+              <a:spcAft>
+                <a:spcPts val="300"/>
+              </a:spcAft>
+              <a:defRPr sz="1300">
+                <a:latin typeface="WenQuanYi Zen Hei"/>
+              </a:defRPr>
+            </a:pPr>
+          </a:p>
+          <a:p>
+            <a:pPr>
+              <a:spcAft>
+                <a:spcPts val="300"/>
+              </a:spcAft>
+              <a:defRPr sz="1500" b="1">
                 <a:solidFill>
                   <a:srgbClr val="0046A0"/>
                 </a:solidFill>
@@ -7587,65 +7632,77 @@
           <a:p>
             <a:pPr>
               <a:spcAft>
-                <a:spcPts val="400"/>
-              </a:spcAft>
-              <a:defRPr sz="1400">
-                <a:latin typeface="WenQuanYi Zen Hei"/>
-              </a:defRPr>
-            </a:pPr>
-            <a:r>
-              <a:rPr>
-                <a:latin typeface="WenQuanYi Zen Hei"/>
-              </a:rPr>
-              <a:t>• 功能完整性达标（100%）</a:t>
-            </a:r>
-          </a:p>
-          <a:p>
-            <a:pPr>
-              <a:spcAft>
-                <a:spcPts val="400"/>
-              </a:spcAft>
-              <a:defRPr sz="1400">
-                <a:latin typeface="WenQuanYi Zen Hei"/>
-              </a:defRPr>
-            </a:pPr>
-            <a:r>
-              <a:rPr>
-                <a:latin typeface="WenQuanYi Zen Hei"/>
-              </a:rPr>
-              <a:t>• 性能指标达标（满足SLA要求）</a:t>
-            </a:r>
-          </a:p>
-          <a:p>
-            <a:pPr>
-              <a:spcAft>
-                <a:spcPts val="400"/>
-              </a:spcAft>
-              <a:defRPr sz="1400">
-                <a:latin typeface="WenQuanYi Zen Hei"/>
-              </a:defRPr>
-            </a:pPr>
-            <a:r>
-              <a:rPr>
-                <a:latin typeface="WenQuanYi Zen Hei"/>
-              </a:rPr>
-              <a:t>• 安全性评估通过</a:t>
-            </a:r>
-          </a:p>
-          <a:p>
-            <a:pPr>
-              <a:spcAft>
-                <a:spcPts val="400"/>
-              </a:spcAft>
-              <a:defRPr sz="1400">
-                <a:latin typeface="WenQuanYi Zen Hei"/>
-              </a:defRPr>
-            </a:pPr>
-            <a:r>
-              <a:rPr>
-                <a:latin typeface="WenQuanYi Zen Hei"/>
-              </a:rPr>
-              <a:t>• 文档完整性达标</a:t>
+                <a:spcPts val="300"/>
+              </a:spcAft>
+              <a:defRPr sz="1300">
+                <a:solidFill>
+                  <a:srgbClr val="008000"/>
+                </a:solidFill>
+                <a:latin typeface="WenQuanYi Zen Hei"/>
+              </a:defRPr>
+            </a:pPr>
+            <a:r>
+              <a:rPr>
+                <a:latin typeface="WenQuanYi Zen Hei"/>
+              </a:rPr>
+              <a:t>✓ 功能完整性达标（100%）</a:t>
+            </a:r>
+          </a:p>
+          <a:p>
+            <a:pPr>
+              <a:spcAft>
+                <a:spcPts val="300"/>
+              </a:spcAft>
+              <a:defRPr sz="1300">
+                <a:solidFill>
+                  <a:srgbClr val="008000"/>
+                </a:solidFill>
+                <a:latin typeface="WenQuanYi Zen Hei"/>
+              </a:defRPr>
+            </a:pPr>
+            <a:r>
+              <a:rPr>
+                <a:latin typeface="WenQuanYi Zen Hei"/>
+              </a:rPr>
+              <a:t>✓ 性能指标达标（满足SLA要求）</a:t>
+            </a:r>
+          </a:p>
+          <a:p>
+            <a:pPr>
+              <a:spcAft>
+                <a:spcPts val="300"/>
+              </a:spcAft>
+              <a:defRPr sz="1300">
+                <a:solidFill>
+                  <a:srgbClr val="008000"/>
+                </a:solidFill>
+                <a:latin typeface="WenQuanYi Zen Hei"/>
+              </a:defRPr>
+            </a:pPr>
+            <a:r>
+              <a:rPr>
+                <a:latin typeface="WenQuanYi Zen Hei"/>
+              </a:rPr>
+              <a:t>✓ 安全性评估通过</a:t>
+            </a:r>
+          </a:p>
+          <a:p>
+            <a:pPr>
+              <a:spcAft>
+                <a:spcPts val="300"/>
+              </a:spcAft>
+              <a:defRPr sz="1300">
+                <a:solidFill>
+                  <a:srgbClr val="008000"/>
+                </a:solidFill>
+                <a:latin typeface="WenQuanYi Zen Hei"/>
+              </a:defRPr>
+            </a:pPr>
+            <a:r>
+              <a:rPr>
+                <a:latin typeface="WenQuanYi Zen Hei"/>
+              </a:rPr>
+              <a:t>✓ 文档完整性达标</a:t>
             </a:r>
           </a:p>
         </p:txBody>
@@ -7676,8 +7733,8 @@
         </p:nvSpPr>
         <p:spPr>
           <a:xfrm>
-            <a:off x="457200" y="274320"/>
-            <a:ext cx="11274552" cy="640080"/>
+            <a:off x="457200" y="731520"/>
+            <a:ext cx="11274552" cy="548640"/>
           </a:xfrm>
           <a:prstGeom prst="rect">
             <a:avLst/>
@@ -7715,8 +7772,8 @@
         </p:nvSpPr>
         <p:spPr>
           <a:xfrm>
-            <a:off x="457200" y="1097280"/>
-            <a:ext cx="11274552" cy="5303520"/>
+            <a:off x="457200" y="1463040"/>
+            <a:ext cx="11274552" cy="4937760"/>
           </a:xfrm>
           <a:prstGeom prst="rect">
             <a:avLst/>
@@ -7733,7 +7790,10 @@
               <a:spcAft>
                 <a:spcPts val="300"/>
               </a:spcAft>
-              <a:defRPr sz="1300">
+              <a:defRPr sz="1500" b="1">
+                <a:solidFill>
+                  <a:srgbClr val="0046A0"/>
+                </a:solidFill>
                 <a:latin typeface="WenQuanYi Zen Hei"/>
               </a:defRPr>
             </a:pPr>
@@ -7779,78 +7839,93 @@
                 <a:spcPts val="300"/>
               </a:spcAft>
               <a:defRPr sz="1300">
-                <a:latin typeface="WenQuanYi Zen Hei"/>
-              </a:defRPr>
-            </a:pPr>
-            <a:r>
-              <a:rPr>
-                <a:latin typeface="WenQuanYi Zen Hei"/>
-              </a:rPr>
-              <a:t>• 核心业务功能验证</a:t>
-            </a:r>
-          </a:p>
-          <a:p>
-            <a:pPr>
-              <a:spcAft>
-                <a:spcPts val="300"/>
-              </a:spcAft>
-              <a:defRPr sz="1300">
-                <a:latin typeface="WenQuanYi Zen Hei"/>
-              </a:defRPr>
-            </a:pPr>
-            <a:r>
-              <a:rPr>
-                <a:latin typeface="WenQuanYi Zen Hei"/>
-              </a:rPr>
-              <a:t>• 用户权限管理验证</a:t>
-            </a:r>
-          </a:p>
-          <a:p>
-            <a:pPr>
-              <a:spcAft>
-                <a:spcPts val="300"/>
-              </a:spcAft>
-              <a:defRPr sz="1300">
-                <a:latin typeface="WenQuanYi Zen Hei"/>
-              </a:defRPr>
-            </a:pPr>
-            <a:r>
-              <a:rPr>
-                <a:latin typeface="WenQuanYi Zen Hei"/>
-              </a:rPr>
-              <a:t>• 数据处理准确性验证</a:t>
-            </a:r>
-          </a:p>
-          <a:p>
-            <a:pPr>
-              <a:spcAft>
-                <a:spcPts val="300"/>
-              </a:spcAft>
-              <a:defRPr sz="1300">
-                <a:latin typeface="WenQuanYi Zen Hei"/>
-              </a:defRPr>
-            </a:pPr>
-            <a:r>
-              <a:rPr>
-                <a:latin typeface="WenQuanYi Zen Hei"/>
-              </a:rPr>
-              <a:t>• 异常处理机制验证</a:t>
-            </a:r>
-          </a:p>
-          <a:p>
-            <a:pPr>
-              <a:spcAft>
-                <a:spcPts val="300"/>
-              </a:spcAft>
-              <a:defRPr sz="1300">
-                <a:latin typeface="WenQuanYi Zen Hei"/>
-              </a:defRPr>
-            </a:pPr>
-            <a:r>
-              <a:rPr>
-                <a:latin typeface="WenQuanYi Zen Hei"/>
-              </a:rPr>
-              <a:t>• 系统集成接口验证</a:t>
+                <a:solidFill>
+                  <a:srgbClr val="008000"/>
+                </a:solidFill>
+                <a:latin typeface="WenQuanYi Zen Hei"/>
+              </a:defRPr>
+            </a:pPr>
+            <a:r>
+              <a:rPr>
+                <a:latin typeface="WenQuanYi Zen Hei"/>
+              </a:rPr>
+              <a:t>✓ 核心业务功能验证</a:t>
+            </a:r>
+          </a:p>
+          <a:p>
+            <a:pPr>
+              <a:spcAft>
+                <a:spcPts val="300"/>
+              </a:spcAft>
+              <a:defRPr sz="1300">
+                <a:solidFill>
+                  <a:srgbClr val="008000"/>
+                </a:solidFill>
+                <a:latin typeface="WenQuanYi Zen Hei"/>
+              </a:defRPr>
+            </a:pPr>
+            <a:r>
+              <a:rPr>
+                <a:latin typeface="WenQuanYi Zen Hei"/>
+              </a:rPr>
+              <a:t>✓ 用户权限管理验证</a:t>
+            </a:r>
+          </a:p>
+          <a:p>
+            <a:pPr>
+              <a:spcAft>
+                <a:spcPts val="300"/>
+              </a:spcAft>
+              <a:defRPr sz="1300">
+                <a:solidFill>
+                  <a:srgbClr val="008000"/>
+                </a:solidFill>
+                <a:latin typeface="WenQuanYi Zen Hei"/>
+              </a:defRPr>
+            </a:pPr>
+            <a:r>
+              <a:rPr>
+                <a:latin typeface="WenQuanYi Zen Hei"/>
+              </a:rPr>
+              <a:t>✓ 数据处理准确性验证</a:t>
+            </a:r>
+          </a:p>
+          <a:p>
+            <a:pPr>
+              <a:spcAft>
+                <a:spcPts val="300"/>
+              </a:spcAft>
+              <a:defRPr sz="1300">
+                <a:solidFill>
+                  <a:srgbClr val="008000"/>
+                </a:solidFill>
+                <a:latin typeface="WenQuanYi Zen Hei"/>
+              </a:defRPr>
+            </a:pPr>
+            <a:r>
+              <a:rPr>
+                <a:latin typeface="WenQuanYi Zen Hei"/>
+              </a:rPr>
+              <a:t>✓ 异常处理机制验证</a:t>
+            </a:r>
+          </a:p>
+          <a:p>
+            <a:pPr>
+              <a:spcAft>
+                <a:spcPts val="300"/>
+              </a:spcAft>
+              <a:defRPr sz="1300">
+                <a:solidFill>
+                  <a:srgbClr val="008000"/>
+                </a:solidFill>
+                <a:latin typeface="WenQuanYi Zen Hei"/>
+              </a:defRPr>
+            </a:pPr>
+            <a:r>
+              <a:rPr>
+                <a:latin typeface="WenQuanYi Zen Hei"/>
+              </a:rPr>
+              <a:t>✓ 系统集成接口验证</a:t>
             </a:r>
           </a:p>
           <a:p>
@@ -7888,62 +7963,74 @@
                 <a:spcPts val="300"/>
               </a:spcAft>
               <a:defRPr sz="1300">
-                <a:latin typeface="WenQuanYi Zen Hei"/>
-              </a:defRPr>
-            </a:pPr>
-            <a:r>
-              <a:rPr>
-                <a:latin typeface="WenQuanYi Zen Hei"/>
-              </a:rPr>
-              <a:t>• 响应时间测试</a:t>
-            </a:r>
-          </a:p>
-          <a:p>
-            <a:pPr>
-              <a:spcAft>
-                <a:spcPts val="300"/>
-              </a:spcAft>
-              <a:defRPr sz="1300">
-                <a:latin typeface="WenQuanYi Zen Hei"/>
-              </a:defRPr>
-            </a:pPr>
-            <a:r>
-              <a:rPr>
-                <a:latin typeface="WenQuanYi Zen Hei"/>
-              </a:rPr>
-              <a:t>• 并发压力测试</a:t>
-            </a:r>
-          </a:p>
-          <a:p>
-            <a:pPr>
-              <a:spcAft>
-                <a:spcPts val="300"/>
-              </a:spcAft>
-              <a:defRPr sz="1300">
-                <a:latin typeface="WenQuanYi Zen Hei"/>
-              </a:defRPr>
-            </a:pPr>
-            <a:r>
-              <a:rPr>
-                <a:latin typeface="WenQuanYi Zen Hei"/>
-              </a:rPr>
-              <a:t>• 大数据量处理测试</a:t>
-            </a:r>
-          </a:p>
-          <a:p>
-            <a:pPr>
-              <a:spcAft>
-                <a:spcPts val="300"/>
-              </a:spcAft>
-              <a:defRPr sz="1300">
-                <a:latin typeface="WenQuanYi Zen Hei"/>
-              </a:defRPr>
-            </a:pPr>
-            <a:r>
-              <a:rPr>
-                <a:latin typeface="WenQuanYi Zen Hei"/>
-              </a:rPr>
-              <a:t>• 长时间稳定性测试</a:t>
+                <a:solidFill>
+                  <a:srgbClr val="008000"/>
+                </a:solidFill>
+                <a:latin typeface="WenQuanYi Zen Hei"/>
+              </a:defRPr>
+            </a:pPr>
+            <a:r>
+              <a:rPr>
+                <a:latin typeface="WenQuanYi Zen Hei"/>
+              </a:rPr>
+              <a:t>✓ 响应时间测试</a:t>
+            </a:r>
+          </a:p>
+          <a:p>
+            <a:pPr>
+              <a:spcAft>
+                <a:spcPts val="300"/>
+              </a:spcAft>
+              <a:defRPr sz="1300">
+                <a:solidFill>
+                  <a:srgbClr val="008000"/>
+                </a:solidFill>
+                <a:latin typeface="WenQuanYi Zen Hei"/>
+              </a:defRPr>
+            </a:pPr>
+            <a:r>
+              <a:rPr>
+                <a:latin typeface="WenQuanYi Zen Hei"/>
+              </a:rPr>
+              <a:t>✓ 并发压力测试</a:t>
+            </a:r>
+          </a:p>
+          <a:p>
+            <a:pPr>
+              <a:spcAft>
+                <a:spcPts val="300"/>
+              </a:spcAft>
+              <a:defRPr sz="1300">
+                <a:solidFill>
+                  <a:srgbClr val="008000"/>
+                </a:solidFill>
+                <a:latin typeface="WenQuanYi Zen Hei"/>
+              </a:defRPr>
+            </a:pPr>
+            <a:r>
+              <a:rPr>
+                <a:latin typeface="WenQuanYi Zen Hei"/>
+              </a:rPr>
+              <a:t>✓ 大数据量处理测试</a:t>
+            </a:r>
+          </a:p>
+          <a:p>
+            <a:pPr>
+              <a:spcAft>
+                <a:spcPts val="300"/>
+              </a:spcAft>
+              <a:defRPr sz="1300">
+                <a:solidFill>
+                  <a:srgbClr val="008000"/>
+                </a:solidFill>
+                <a:latin typeface="WenQuanYi Zen Hei"/>
+              </a:defRPr>
+            </a:pPr>
+            <a:r>
+              <a:rPr>
+                <a:latin typeface="WenQuanYi Zen Hei"/>
+              </a:rPr>
+              <a:t>✓ 长时间稳定性测试</a:t>
             </a:r>
           </a:p>
           <a:p>
@@ -7981,78 +8068,93 @@
                 <a:spcPts val="300"/>
               </a:spcAft>
               <a:defRPr sz="1300">
-                <a:latin typeface="WenQuanYi Zen Hei"/>
-              </a:defRPr>
-            </a:pPr>
-            <a:r>
-              <a:rPr>
-                <a:latin typeface="WenQuanYi Zen Hei"/>
-              </a:rPr>
-              <a:t>• 身份认证与授权</a:t>
-            </a:r>
-          </a:p>
-          <a:p>
-            <a:pPr>
-              <a:spcAft>
-                <a:spcPts val="300"/>
-              </a:spcAft>
-              <a:defRPr sz="1300">
-                <a:latin typeface="WenQuanYi Zen Hei"/>
-              </a:defRPr>
-            </a:pPr>
-            <a:r>
-              <a:rPr>
-                <a:latin typeface="WenQuanYi Zen Hei"/>
-              </a:rPr>
-              <a:t>• 数据加密传输</a:t>
-            </a:r>
-          </a:p>
-          <a:p>
-            <a:pPr>
-              <a:spcAft>
-                <a:spcPts val="300"/>
-              </a:spcAft>
-              <a:defRPr sz="1300">
-                <a:latin typeface="WenQuanYi Zen Hei"/>
-              </a:defRPr>
-            </a:pPr>
-            <a:r>
-              <a:rPr>
-                <a:latin typeface="WenQuanYi Zen Hei"/>
-              </a:rPr>
-              <a:t>• SQL注入防护</a:t>
-            </a:r>
-          </a:p>
-          <a:p>
-            <a:pPr>
-              <a:spcAft>
-                <a:spcPts val="300"/>
-              </a:spcAft>
-              <a:defRPr sz="1300">
-                <a:latin typeface="WenQuanYi Zen Hei"/>
-              </a:defRPr>
-            </a:pPr>
-            <a:r>
-              <a:rPr>
-                <a:latin typeface="WenQuanYi Zen Hei"/>
-              </a:rPr>
-              <a:t>• XSS攻击防护</a:t>
-            </a:r>
-          </a:p>
-          <a:p>
-            <a:pPr>
-              <a:spcAft>
-                <a:spcPts val="300"/>
-              </a:spcAft>
-              <a:defRPr sz="1300">
-                <a:latin typeface="WenQuanYi Zen Hei"/>
-              </a:defRPr>
-            </a:pPr>
-            <a:r>
-              <a:rPr>
-                <a:latin typeface="WenQuanYi Zen Hei"/>
-              </a:rPr>
-              <a:t>• 敏感信息保护</a:t>
+                <a:solidFill>
+                  <a:srgbClr val="008000"/>
+                </a:solidFill>
+                <a:latin typeface="WenQuanYi Zen Hei"/>
+              </a:defRPr>
+            </a:pPr>
+            <a:r>
+              <a:rPr>
+                <a:latin typeface="WenQuanYi Zen Hei"/>
+              </a:rPr>
+              <a:t>✓ 身份认证与授权</a:t>
+            </a:r>
+          </a:p>
+          <a:p>
+            <a:pPr>
+              <a:spcAft>
+                <a:spcPts val="300"/>
+              </a:spcAft>
+              <a:defRPr sz="1300">
+                <a:solidFill>
+                  <a:srgbClr val="008000"/>
+                </a:solidFill>
+                <a:latin typeface="WenQuanYi Zen Hei"/>
+              </a:defRPr>
+            </a:pPr>
+            <a:r>
+              <a:rPr>
+                <a:latin typeface="WenQuanYi Zen Hei"/>
+              </a:rPr>
+              <a:t>✓ 数据加密传输</a:t>
+            </a:r>
+          </a:p>
+          <a:p>
+            <a:pPr>
+              <a:spcAft>
+                <a:spcPts val="300"/>
+              </a:spcAft>
+              <a:defRPr sz="1300">
+                <a:solidFill>
+                  <a:srgbClr val="008000"/>
+                </a:solidFill>
+                <a:latin typeface="WenQuanYi Zen Hei"/>
+              </a:defRPr>
+            </a:pPr>
+            <a:r>
+              <a:rPr>
+                <a:latin typeface="WenQuanYi Zen Hei"/>
+              </a:rPr>
+              <a:t>✓ SQL注入防护</a:t>
+            </a:r>
+          </a:p>
+          <a:p>
+            <a:pPr>
+              <a:spcAft>
+                <a:spcPts val="300"/>
+              </a:spcAft>
+              <a:defRPr sz="1300">
+                <a:solidFill>
+                  <a:srgbClr val="008000"/>
+                </a:solidFill>
+                <a:latin typeface="WenQuanYi Zen Hei"/>
+              </a:defRPr>
+            </a:pPr>
+            <a:r>
+              <a:rPr>
+                <a:latin typeface="WenQuanYi Zen Hei"/>
+              </a:rPr>
+              <a:t>✓ XSS攻击防护</a:t>
+            </a:r>
+          </a:p>
+          <a:p>
+            <a:pPr>
+              <a:spcAft>
+                <a:spcPts val="300"/>
+              </a:spcAft>
+              <a:defRPr sz="1300">
+                <a:solidFill>
+                  <a:srgbClr val="008000"/>
+                </a:solidFill>
+                <a:latin typeface="WenQuanYi Zen Hei"/>
+              </a:defRPr>
+            </a:pPr>
+            <a:r>
+              <a:rPr>
+                <a:latin typeface="WenQuanYi Zen Hei"/>
+              </a:rPr>
+              <a:t>✓ 敏感信息保护</a:t>
             </a:r>
           </a:p>
           <a:p>
@@ -8090,46 +8192,55 @@
                 <a:spcPts val="300"/>
               </a:spcAft>
               <a:defRPr sz="1300">
-                <a:latin typeface="WenQuanYi Zen Hei"/>
-              </a:defRPr>
-            </a:pPr>
-            <a:r>
-              <a:rPr>
-                <a:latin typeface="WenQuanYi Zen Hei"/>
-              </a:rPr>
-              <a:t>• 用户界面友好性</a:t>
-            </a:r>
-          </a:p>
-          <a:p>
-            <a:pPr>
-              <a:spcAft>
-                <a:spcPts val="300"/>
-              </a:spcAft>
-              <a:defRPr sz="1300">
-                <a:latin typeface="WenQuanYi Zen Hei"/>
-              </a:defRPr>
-            </a:pPr>
-            <a:r>
-              <a:rPr>
-                <a:latin typeface="WenQuanYi Zen Hei"/>
-              </a:rPr>
-              <a:t>• 操作流畅度</a:t>
-            </a:r>
-          </a:p>
-          <a:p>
-            <a:pPr>
-              <a:spcAft>
-                <a:spcPts val="300"/>
-              </a:spcAft>
-              <a:defRPr sz="1300">
-                <a:latin typeface="WenQuanYi Zen Hei"/>
-              </a:defRPr>
-            </a:pPr>
-            <a:r>
-              <a:rPr>
-                <a:latin typeface="WenQuanYi Zen Hei"/>
-              </a:rPr>
-              <a:t>• 帮助文档完整性</a:t>
+                <a:solidFill>
+                  <a:srgbClr val="008000"/>
+                </a:solidFill>
+                <a:latin typeface="WenQuanYi Zen Hei"/>
+              </a:defRPr>
+            </a:pPr>
+            <a:r>
+              <a:rPr>
+                <a:latin typeface="WenQuanYi Zen Hei"/>
+              </a:rPr>
+              <a:t>✓ 用户界面友好性</a:t>
+            </a:r>
+          </a:p>
+          <a:p>
+            <a:pPr>
+              <a:spcAft>
+                <a:spcPts val="300"/>
+              </a:spcAft>
+              <a:defRPr sz="1300">
+                <a:solidFill>
+                  <a:srgbClr val="008000"/>
+                </a:solidFill>
+                <a:latin typeface="WenQuanYi Zen Hei"/>
+              </a:defRPr>
+            </a:pPr>
+            <a:r>
+              <a:rPr>
+                <a:latin typeface="WenQuanYi Zen Hei"/>
+              </a:rPr>
+              <a:t>✓ 操作流畅度</a:t>
+            </a:r>
+          </a:p>
+          <a:p>
+            <a:pPr>
+              <a:spcAft>
+                <a:spcPts val="300"/>
+              </a:spcAft>
+              <a:defRPr sz="1300">
+                <a:solidFill>
+                  <a:srgbClr val="008000"/>
+                </a:solidFill>
+                <a:latin typeface="WenQuanYi Zen Hei"/>
+              </a:defRPr>
+            </a:pPr>
+            <a:r>
+              <a:rPr>
+                <a:latin typeface="WenQuanYi Zen Hei"/>
+              </a:rPr>
+              <a:t>✓ 帮助文档完整性</a:t>
             </a:r>
           </a:p>
         </p:txBody>
@@ -8160,8 +8271,8 @@
         </p:nvSpPr>
         <p:spPr>
           <a:xfrm>
-            <a:off x="457200" y="274320"/>
-            <a:ext cx="11274552" cy="640080"/>
+            <a:off x="457200" y="731520"/>
+            <a:ext cx="11274552" cy="548640"/>
           </a:xfrm>
           <a:prstGeom prst="rect">
             <a:avLst/>
@@ -8199,8 +8310,8 @@
         </p:nvSpPr>
         <p:spPr>
           <a:xfrm>
-            <a:off x="457200" y="1097280"/>
-            <a:ext cx="11274552" cy="5303520"/>
+            <a:off x="457200" y="1463040"/>
+            <a:ext cx="11274552" cy="4937760"/>
           </a:xfrm>
           <a:prstGeom prst="rect">
             <a:avLst/>
@@ -8215,9 +8326,12 @@
           <a:p>
             <a:pPr>
               <a:spcAft>
-                <a:spcPts val="400"/>
-              </a:spcAft>
-              <a:defRPr sz="1400">
+                <a:spcPts val="300"/>
+              </a:spcAft>
+              <a:defRPr sz="1500" b="1">
+                <a:solidFill>
+                  <a:srgbClr val="0046A0"/>
+                </a:solidFill>
                 <a:latin typeface="WenQuanYi Zen Hei"/>
               </a:defRPr>
             </a:pPr>
@@ -8231,19 +8345,22 @@
           <a:p>
             <a:pPr>
               <a:spcAft>
-                <a:spcPts val="400"/>
-              </a:spcAft>
-              <a:defRPr sz="1400">
-                <a:latin typeface="WenQuanYi Zen Hei"/>
-              </a:defRPr>
-            </a:pPr>
-          </a:p>
-          <a:p>
-            <a:pPr>
-              <a:spcAft>
-                <a:spcPts val="400"/>
-              </a:spcAft>
-              <a:defRPr sz="1400">
+                <a:spcPts val="300"/>
+              </a:spcAft>
+              <a:defRPr sz="1300">
+                <a:latin typeface="WenQuanYi Zen Hei"/>
+              </a:defRPr>
+            </a:pPr>
+          </a:p>
+          <a:p>
+            <a:pPr>
+              <a:spcAft>
+                <a:spcPts val="300"/>
+              </a:spcAft>
+              <a:defRPr sz="1500" b="1">
+                <a:solidFill>
+                  <a:srgbClr val="0046A0"/>
+                </a:solidFill>
                 <a:latin typeface="WenQuanYi Zen Hei"/>
               </a:defRPr>
             </a:pPr>
@@ -8257,67 +8374,79 @@
           <a:p>
             <a:pPr>
               <a:spcAft>
-                <a:spcPts val="400"/>
-              </a:spcAft>
-              <a:defRPr sz="1400">
-                <a:latin typeface="WenQuanYi Zen Hei"/>
-              </a:defRPr>
-            </a:pPr>
-            <a:r>
-              <a:rPr>
-                <a:latin typeface="WenQuanYi Zen Hei"/>
-              </a:rPr>
-              <a:t>• 开发团队自测完成</a:t>
-            </a:r>
-          </a:p>
-          <a:p>
-            <a:pPr>
-              <a:spcAft>
-                <a:spcPts val="400"/>
-              </a:spcAft>
-              <a:defRPr sz="1400">
-                <a:latin typeface="WenQuanYi Zen Hei"/>
-              </a:defRPr>
-            </a:pPr>
-            <a:r>
-              <a:rPr>
-                <a:latin typeface="WenQuanYi Zen Hei"/>
-              </a:rPr>
-              <a:t>• 测试团队全面测试</a:t>
-            </a:r>
-          </a:p>
-          <a:p>
-            <a:pPr>
-              <a:spcAft>
-                <a:spcPts val="400"/>
-              </a:spcAft>
-              <a:defRPr sz="1400">
-                <a:latin typeface="WenQuanYi Zen Hei"/>
-              </a:defRPr>
-            </a:pPr>
-            <a:r>
-              <a:rPr>
-                <a:latin typeface="WenQuanYi Zen Hei"/>
-              </a:rPr>
-              <a:t>• 问题修复与回归测试</a:t>
-            </a:r>
-          </a:p>
-          <a:p>
-            <a:pPr>
-              <a:spcAft>
-                <a:spcPts val="400"/>
-              </a:spcAft>
-              <a:defRPr sz="1400">
-                <a:latin typeface="WenQuanYi Zen Hei"/>
-              </a:defRPr>
-            </a:pPr>
-          </a:p>
-          <a:p>
-            <a:pPr>
-              <a:spcAft>
-                <a:spcPts val="400"/>
-              </a:spcAft>
-              <a:defRPr sz="1400">
+                <a:spcPts val="300"/>
+              </a:spcAft>
+              <a:defRPr sz="1300">
+                <a:solidFill>
+                  <a:srgbClr val="008000"/>
+                </a:solidFill>
+                <a:latin typeface="WenQuanYi Zen Hei"/>
+              </a:defRPr>
+            </a:pPr>
+            <a:r>
+              <a:rPr>
+                <a:latin typeface="WenQuanYi Zen Hei"/>
+              </a:rPr>
+              <a:t>✓ 开发团队自测完成</a:t>
+            </a:r>
+          </a:p>
+          <a:p>
+            <a:pPr>
+              <a:spcAft>
+                <a:spcPts val="300"/>
+              </a:spcAft>
+              <a:defRPr sz="1300">
+                <a:solidFill>
+                  <a:srgbClr val="008000"/>
+                </a:solidFill>
+                <a:latin typeface="WenQuanYi Zen Hei"/>
+              </a:defRPr>
+            </a:pPr>
+            <a:r>
+              <a:rPr>
+                <a:latin typeface="WenQuanYi Zen Hei"/>
+              </a:rPr>
+              <a:t>✓ 测试团队全面测试</a:t>
+            </a:r>
+          </a:p>
+          <a:p>
+            <a:pPr>
+              <a:spcAft>
+                <a:spcPts val="300"/>
+              </a:spcAft>
+              <a:defRPr sz="1300">
+                <a:solidFill>
+                  <a:srgbClr val="008000"/>
+                </a:solidFill>
+                <a:latin typeface="WenQuanYi Zen Hei"/>
+              </a:defRPr>
+            </a:pPr>
+            <a:r>
+              <a:rPr>
+                <a:latin typeface="WenQuanYi Zen Hei"/>
+              </a:rPr>
+              <a:t>✓ 问题修复与回归测试</a:t>
+            </a:r>
+          </a:p>
+          <a:p>
+            <a:pPr>
+              <a:spcAft>
+                <a:spcPts val="300"/>
+              </a:spcAft>
+              <a:defRPr sz="1300">
+                <a:latin typeface="WenQuanYi Zen Hei"/>
+              </a:defRPr>
+            </a:pPr>
+          </a:p>
+          <a:p>
+            <a:pPr>
+              <a:spcAft>
+                <a:spcPts val="300"/>
+              </a:spcAft>
+              <a:defRPr sz="1500" b="1">
+                <a:solidFill>
+                  <a:srgbClr val="0046A0"/>
+                </a:solidFill>
                 <a:latin typeface="WenQuanYi Zen Hei"/>
               </a:defRPr>
             </a:pPr>
@@ -8331,67 +8460,79 @@
           <a:p>
             <a:pPr>
               <a:spcAft>
-                <a:spcPts val="400"/>
-              </a:spcAft>
-              <a:defRPr sz="1400">
-                <a:latin typeface="WenQuanYi Zen Hei"/>
-              </a:defRPr>
-            </a:pPr>
-            <a:r>
-              <a:rPr>
-                <a:latin typeface="WenQuanYi Zen Hei"/>
-              </a:rPr>
-              <a:t>• 用户代表参与UAT测试</a:t>
-            </a:r>
-          </a:p>
-          <a:p>
-            <a:pPr>
-              <a:spcAft>
-                <a:spcPts val="400"/>
-              </a:spcAft>
-              <a:defRPr sz="1400">
-                <a:latin typeface="WenQuanYi Zen Hei"/>
-              </a:defRPr>
-            </a:pPr>
-            <a:r>
-              <a:rPr>
-                <a:latin typeface="WenQuanYi Zen Hei"/>
-              </a:rPr>
-              <a:t>• 收集用户反馈意见</a:t>
-            </a:r>
-          </a:p>
-          <a:p>
-            <a:pPr>
-              <a:spcAft>
-                <a:spcPts val="400"/>
-              </a:spcAft>
-              <a:defRPr sz="1400">
-                <a:latin typeface="WenQuanYi Zen Hei"/>
-              </a:defRPr>
-            </a:pPr>
-            <a:r>
-              <a:rPr>
-                <a:latin typeface="WenQuanYi Zen Hei"/>
-              </a:rPr>
-              <a:t>• 优化调整与二次验证</a:t>
-            </a:r>
-          </a:p>
-          <a:p>
-            <a:pPr>
-              <a:spcAft>
-                <a:spcPts val="400"/>
-              </a:spcAft>
-              <a:defRPr sz="1400">
-                <a:latin typeface="WenQuanYi Zen Hei"/>
-              </a:defRPr>
-            </a:pPr>
-          </a:p>
-          <a:p>
-            <a:pPr>
-              <a:spcAft>
-                <a:spcPts val="400"/>
-              </a:spcAft>
-              <a:defRPr sz="1400">
+                <a:spcPts val="300"/>
+              </a:spcAft>
+              <a:defRPr sz="1300">
+                <a:solidFill>
+                  <a:srgbClr val="008000"/>
+                </a:solidFill>
+                <a:latin typeface="WenQuanYi Zen Hei"/>
+              </a:defRPr>
+            </a:pPr>
+            <a:r>
+              <a:rPr>
+                <a:latin typeface="WenQuanYi Zen Hei"/>
+              </a:rPr>
+              <a:t>✓ 用户代表参与UAT测试</a:t>
+            </a:r>
+          </a:p>
+          <a:p>
+            <a:pPr>
+              <a:spcAft>
+                <a:spcPts val="300"/>
+              </a:spcAft>
+              <a:defRPr sz="1300">
+                <a:solidFill>
+                  <a:srgbClr val="008000"/>
+                </a:solidFill>
+                <a:latin typeface="WenQuanYi Zen Hei"/>
+              </a:defRPr>
+            </a:pPr>
+            <a:r>
+              <a:rPr>
+                <a:latin typeface="WenQuanYi Zen Hei"/>
+              </a:rPr>
+              <a:t>✓ 收集用户反馈意见</a:t>
+            </a:r>
+          </a:p>
+          <a:p>
+            <a:pPr>
+              <a:spcAft>
+                <a:spcPts val="300"/>
+              </a:spcAft>
+              <a:defRPr sz="1300">
+                <a:solidFill>
+                  <a:srgbClr val="008000"/>
+                </a:solidFill>
+                <a:latin typeface="WenQuanYi Zen Hei"/>
+              </a:defRPr>
+            </a:pPr>
+            <a:r>
+              <a:rPr>
+                <a:latin typeface="WenQuanYi Zen Hei"/>
+              </a:rPr>
+              <a:t>✓ 优化调整与二次验证</a:t>
+            </a:r>
+          </a:p>
+          <a:p>
+            <a:pPr>
+              <a:spcAft>
+                <a:spcPts val="300"/>
+              </a:spcAft>
+              <a:defRPr sz="1300">
+                <a:latin typeface="WenQuanYi Zen Hei"/>
+              </a:defRPr>
+            </a:pPr>
+          </a:p>
+          <a:p>
+            <a:pPr>
+              <a:spcAft>
+                <a:spcPts val="300"/>
+              </a:spcAft>
+              <a:defRPr sz="1500" b="1">
+                <a:solidFill>
+                  <a:srgbClr val="0046A0"/>
+                </a:solidFill>
                 <a:latin typeface="WenQuanYi Zen Hei"/>
               </a:defRPr>
             </a:pPr>
@@ -8405,99 +8546,117 @@
           <a:p>
             <a:pPr>
               <a:spcAft>
-                <a:spcPts val="400"/>
-              </a:spcAft>
-              <a:defRPr sz="1400">
-                <a:latin typeface="WenQuanYi Zen Hei"/>
-              </a:defRPr>
-            </a:pPr>
-            <a:r>
-              <a:rPr>
-                <a:latin typeface="WenQuanYi Zen Hei"/>
-              </a:rPr>
-              <a:t>• 提交验收申请</a:t>
-            </a:r>
-          </a:p>
-          <a:p>
-            <a:pPr>
-              <a:spcAft>
-                <a:spcPts val="400"/>
-              </a:spcAft>
-              <a:defRPr sz="1400">
-                <a:latin typeface="WenQuanYi Zen Hei"/>
-              </a:defRPr>
-            </a:pPr>
-            <a:r>
-              <a:rPr>
-                <a:latin typeface="WenQuanYi Zen Hei"/>
-              </a:rPr>
-              <a:t>• 组织验收评审会</a:t>
-            </a:r>
-          </a:p>
-          <a:p>
-            <a:pPr>
-              <a:spcAft>
-                <a:spcPts val="400"/>
-              </a:spcAft>
-              <a:defRPr sz="1400">
-                <a:latin typeface="WenQuanYi Zen Hei"/>
-              </a:defRPr>
-            </a:pPr>
-            <a:r>
-              <a:rPr>
-                <a:latin typeface="WenQuanYi Zen Hei"/>
-              </a:rPr>
-              <a:t>• 现场演示与答辩</a:t>
-            </a:r>
-          </a:p>
-          <a:p>
-            <a:pPr>
-              <a:spcAft>
-                <a:spcPts val="400"/>
-              </a:spcAft>
-              <a:defRPr sz="1400">
-                <a:latin typeface="WenQuanYi Zen Hei"/>
-              </a:defRPr>
-            </a:pPr>
-            <a:r>
-              <a:rPr>
-                <a:latin typeface="WenQuanYi Zen Hei"/>
-              </a:rPr>
-              <a:t>• 验收专家组评审</a:t>
-            </a:r>
-          </a:p>
-          <a:p>
-            <a:pPr>
-              <a:spcAft>
-                <a:spcPts val="400"/>
-              </a:spcAft>
-              <a:defRPr sz="1400">
-                <a:latin typeface="WenQuanYi Zen Hei"/>
-              </a:defRPr>
-            </a:pPr>
-            <a:r>
-              <a:rPr>
-                <a:latin typeface="WenQuanYi Zen Hei"/>
-              </a:rPr>
-              <a:t>• 签署验收报告</a:t>
-            </a:r>
-          </a:p>
-          <a:p>
-            <a:pPr>
-              <a:spcAft>
-                <a:spcPts val="400"/>
-              </a:spcAft>
-              <a:defRPr sz="1400">
-                <a:latin typeface="WenQuanYi Zen Hei"/>
-              </a:defRPr>
-            </a:pPr>
-          </a:p>
-          <a:p>
-            <a:pPr>
-              <a:spcAft>
-                <a:spcPts val="400"/>
-              </a:spcAft>
-              <a:defRPr sz="1400">
+                <a:spcPts val="300"/>
+              </a:spcAft>
+              <a:defRPr sz="1300">
+                <a:solidFill>
+                  <a:srgbClr val="008000"/>
+                </a:solidFill>
+                <a:latin typeface="WenQuanYi Zen Hei"/>
+              </a:defRPr>
+            </a:pPr>
+            <a:r>
+              <a:rPr>
+                <a:latin typeface="WenQuanYi Zen Hei"/>
+              </a:rPr>
+              <a:t>✓ 提交验收申请</a:t>
+            </a:r>
+          </a:p>
+          <a:p>
+            <a:pPr>
+              <a:spcAft>
+                <a:spcPts val="300"/>
+              </a:spcAft>
+              <a:defRPr sz="1300">
+                <a:solidFill>
+                  <a:srgbClr val="008000"/>
+                </a:solidFill>
+                <a:latin typeface="WenQuanYi Zen Hei"/>
+              </a:defRPr>
+            </a:pPr>
+            <a:r>
+              <a:rPr>
+                <a:latin typeface="WenQuanYi Zen Hei"/>
+              </a:rPr>
+              <a:t>✓ 组织验收评审会</a:t>
+            </a:r>
+          </a:p>
+          <a:p>
+            <a:pPr>
+              <a:spcAft>
+                <a:spcPts val="300"/>
+              </a:spcAft>
+              <a:defRPr sz="1300">
+                <a:solidFill>
+                  <a:srgbClr val="008000"/>
+                </a:solidFill>
+                <a:latin typeface="WenQuanYi Zen Hei"/>
+              </a:defRPr>
+            </a:pPr>
+            <a:r>
+              <a:rPr>
+                <a:latin typeface="WenQuanYi Zen Hei"/>
+              </a:rPr>
+              <a:t>✓ 现场演示与答辩</a:t>
+            </a:r>
+          </a:p>
+          <a:p>
+            <a:pPr>
+              <a:spcAft>
+                <a:spcPts val="300"/>
+              </a:spcAft>
+              <a:defRPr sz="1300">
+                <a:solidFill>
+                  <a:srgbClr val="008000"/>
+                </a:solidFill>
+                <a:latin typeface="WenQuanYi Zen Hei"/>
+              </a:defRPr>
+            </a:pPr>
+            <a:r>
+              <a:rPr>
+                <a:latin typeface="WenQuanYi Zen Hei"/>
+              </a:rPr>
+              <a:t>✓ 验收专家组评审</a:t>
+            </a:r>
+          </a:p>
+          <a:p>
+            <a:pPr>
+              <a:spcAft>
+                <a:spcPts val="300"/>
+              </a:spcAft>
+              <a:defRPr sz="1300">
+                <a:solidFill>
+                  <a:srgbClr val="008000"/>
+                </a:solidFill>
+                <a:latin typeface="WenQuanYi Zen Hei"/>
+              </a:defRPr>
+            </a:pPr>
+            <a:r>
+              <a:rPr>
+                <a:latin typeface="WenQuanYi Zen Hei"/>
+              </a:rPr>
+              <a:t>✓ 签署验收报告</a:t>
+            </a:r>
+          </a:p>
+          <a:p>
+            <a:pPr>
+              <a:spcAft>
+                <a:spcPts val="300"/>
+              </a:spcAft>
+              <a:defRPr sz="1300">
+                <a:latin typeface="WenQuanYi Zen Hei"/>
+              </a:defRPr>
+            </a:pPr>
+          </a:p>
+          <a:p>
+            <a:pPr>
+              <a:spcAft>
+                <a:spcPts val="300"/>
+              </a:spcAft>
+              <a:defRPr sz="1500" b="1">
+                <a:solidFill>
+                  <a:srgbClr val="0046A0"/>
+                </a:solidFill>
                 <a:latin typeface="WenQuanYi Zen Hei"/>
               </a:defRPr>
             </a:pPr>
@@ -8511,81 +8670,96 @@
           <a:p>
             <a:pPr>
               <a:spcAft>
-                <a:spcPts val="400"/>
-              </a:spcAft>
-              <a:defRPr sz="1400">
-                <a:latin typeface="WenQuanYi Zen Hei"/>
-              </a:defRPr>
-            </a:pPr>
-            <a:r>
-              <a:rPr>
-                <a:latin typeface="WenQuanYi Zen Hei"/>
-              </a:rPr>
-              <a:t>• 所有功能正常运行</a:t>
-            </a:r>
-          </a:p>
-          <a:p>
-            <a:pPr>
-              <a:spcAft>
-                <a:spcPts val="400"/>
-              </a:spcAft>
-              <a:defRPr sz="1400">
-                <a:latin typeface="WenQuanYi Zen Hei"/>
-              </a:defRPr>
-            </a:pPr>
-            <a:r>
-              <a:rPr>
-                <a:latin typeface="WenQuanYi Zen Hei"/>
-              </a:rPr>
-              <a:t>• 性能指标达到要求</a:t>
-            </a:r>
-          </a:p>
-          <a:p>
-            <a:pPr>
-              <a:spcAft>
-                <a:spcPts val="400"/>
-              </a:spcAft>
-              <a:defRPr sz="1400">
-                <a:latin typeface="WenQuanYi Zen Hei"/>
-              </a:defRPr>
-            </a:pPr>
-            <a:r>
-              <a:rPr>
-                <a:latin typeface="WenQuanYi Zen Hei"/>
-              </a:rPr>
-              <a:t>• 无遗留高危问题</a:t>
-            </a:r>
-          </a:p>
-          <a:p>
-            <a:pPr>
-              <a:spcAft>
-                <a:spcPts val="400"/>
-              </a:spcAft>
-              <a:defRPr sz="1400">
-                <a:latin typeface="WenQuanYi Zen Hei"/>
-              </a:defRPr>
-            </a:pPr>
-            <a:r>
-              <a:rPr>
-                <a:latin typeface="WenQuanYi Zen Hei"/>
-              </a:rPr>
-              <a:t>• 文档资料完整齐全</a:t>
-            </a:r>
-          </a:p>
-          <a:p>
-            <a:pPr>
-              <a:spcAft>
-                <a:spcPts val="400"/>
-              </a:spcAft>
-              <a:defRPr sz="1400">
-                <a:latin typeface="WenQuanYi Zen Hei"/>
-              </a:defRPr>
-            </a:pPr>
-            <a:r>
-              <a:rPr>
-                <a:latin typeface="WenQuanYi Zen Hei"/>
-              </a:rPr>
-              <a:t>• 验收专家组一致通过</a:t>
+                <a:spcPts val="300"/>
+              </a:spcAft>
+              <a:defRPr sz="1300">
+                <a:solidFill>
+                  <a:srgbClr val="008000"/>
+                </a:solidFill>
+                <a:latin typeface="WenQuanYi Zen Hei"/>
+              </a:defRPr>
+            </a:pPr>
+            <a:r>
+              <a:rPr>
+                <a:latin typeface="WenQuanYi Zen Hei"/>
+              </a:rPr>
+              <a:t>✓ 所有功能正常运行</a:t>
+            </a:r>
+          </a:p>
+          <a:p>
+            <a:pPr>
+              <a:spcAft>
+                <a:spcPts val="300"/>
+              </a:spcAft>
+              <a:defRPr sz="1300">
+                <a:solidFill>
+                  <a:srgbClr val="008000"/>
+                </a:solidFill>
+                <a:latin typeface="WenQuanYi Zen Hei"/>
+              </a:defRPr>
+            </a:pPr>
+            <a:r>
+              <a:rPr>
+                <a:latin typeface="WenQuanYi Zen Hei"/>
+              </a:rPr>
+              <a:t>✓ 性能指标达到要求</a:t>
+            </a:r>
+          </a:p>
+          <a:p>
+            <a:pPr>
+              <a:spcAft>
+                <a:spcPts val="300"/>
+              </a:spcAft>
+              <a:defRPr sz="1300">
+                <a:solidFill>
+                  <a:srgbClr val="008000"/>
+                </a:solidFill>
+                <a:latin typeface="WenQuanYi Zen Hei"/>
+              </a:defRPr>
+            </a:pPr>
+            <a:r>
+              <a:rPr>
+                <a:latin typeface="WenQuanYi Zen Hei"/>
+              </a:rPr>
+              <a:t>✓ 无遗留高危问题</a:t>
+            </a:r>
+          </a:p>
+          <a:p>
+            <a:pPr>
+              <a:spcAft>
+                <a:spcPts val="300"/>
+              </a:spcAft>
+              <a:defRPr sz="1300">
+                <a:solidFill>
+                  <a:srgbClr val="008000"/>
+                </a:solidFill>
+                <a:latin typeface="WenQuanYi Zen Hei"/>
+              </a:defRPr>
+            </a:pPr>
+            <a:r>
+              <a:rPr>
+                <a:latin typeface="WenQuanYi Zen Hei"/>
+              </a:rPr>
+              <a:t>✓ 文档资料完整齐全</a:t>
+            </a:r>
+          </a:p>
+          <a:p>
+            <a:pPr>
+              <a:spcAft>
+                <a:spcPts val="300"/>
+              </a:spcAft>
+              <a:defRPr sz="1300">
+                <a:solidFill>
+                  <a:srgbClr val="008000"/>
+                </a:solidFill>
+                <a:latin typeface="WenQuanYi Zen Hei"/>
+              </a:defRPr>
+            </a:pPr>
+            <a:r>
+              <a:rPr>
+                <a:latin typeface="WenQuanYi Zen Hei"/>
+              </a:rPr>
+              <a:t>✓ 验收专家组一致通过</a:t>
             </a:r>
           </a:p>
         </p:txBody>
@@ -8616,8 +8790,8 @@
         </p:nvSpPr>
         <p:spPr>
           <a:xfrm>
-            <a:off x="457200" y="274320"/>
-            <a:ext cx="11274552" cy="640080"/>
+            <a:off x="457200" y="731520"/>
+            <a:ext cx="11274552" cy="548640"/>
           </a:xfrm>
           <a:prstGeom prst="rect">
             <a:avLst/>
@@ -8655,8 +8829,8 @@
         </p:nvSpPr>
         <p:spPr>
           <a:xfrm>
-            <a:off x="457200" y="1097280"/>
-            <a:ext cx="11274552" cy="5303520"/>
+            <a:off x="457200" y="1463040"/>
+            <a:ext cx="11274552" cy="4937760"/>
           </a:xfrm>
           <a:prstGeom prst="rect">
             <a:avLst/>
@@ -8671,9 +8845,12 @@
           <a:p>
             <a:pPr>
               <a:spcAft>
-                <a:spcPts val="400"/>
-              </a:spcAft>
-              <a:defRPr sz="1400">
+                <a:spcPts val="300"/>
+              </a:spcAft>
+              <a:defRPr sz="1500" b="1">
+                <a:solidFill>
+                  <a:srgbClr val="0046A0"/>
+                </a:solidFill>
                 <a:latin typeface="WenQuanYi Zen Hei"/>
               </a:defRPr>
             </a:pPr>
@@ -8687,19 +8864,22 @@
           <a:p>
             <a:pPr>
               <a:spcAft>
-                <a:spcPts val="400"/>
-              </a:spcAft>
-              <a:defRPr sz="1400">
-                <a:latin typeface="WenQuanYi Zen Hei"/>
-              </a:defRPr>
-            </a:pPr>
-          </a:p>
-          <a:p>
-            <a:pPr>
-              <a:spcAft>
-                <a:spcPts val="400"/>
-              </a:spcAft>
-              <a:defRPr sz="1400">
+                <a:spcPts val="300"/>
+              </a:spcAft>
+              <a:defRPr sz="1300">
+                <a:latin typeface="WenQuanYi Zen Hei"/>
+              </a:defRPr>
+            </a:pPr>
+          </a:p>
+          <a:p>
+            <a:pPr>
+              <a:spcAft>
+                <a:spcPts val="300"/>
+              </a:spcAft>
+              <a:defRPr sz="1500" b="1">
+                <a:solidFill>
+                  <a:srgbClr val="0046A0"/>
+                </a:solidFill>
                 <a:latin typeface="WenQuanYi Zen Hei"/>
               </a:defRPr>
             </a:pPr>
@@ -8713,25 +8893,28 @@
           <a:p>
             <a:pPr>
               <a:spcAft>
-                <a:spcPts val="400"/>
-              </a:spcAft>
-              <a:defRPr sz="1400">
-                <a:latin typeface="WenQuanYi Zen Hei"/>
-              </a:defRPr>
-            </a:pPr>
-            <a:r>
-              <a:rPr>
-                <a:latin typeface="WenQuanYi Zen Hei"/>
-              </a:rPr>
-              <a:t>• 功能缺陷：小概率遗留bug</a:t>
+                <a:spcPts val="300"/>
+              </a:spcAft>
+              <a:defRPr sz="1300">
+                <a:solidFill>
+                  <a:srgbClr val="008000"/>
+                </a:solidFill>
+                <a:latin typeface="WenQuanYi Zen Hei"/>
+              </a:defRPr>
+            </a:pPr>
+            <a:r>
+              <a:rPr>
+                <a:latin typeface="WenQuanYi Zen Hei"/>
+              </a:rPr>
+              <a:t>✓ 功能缺陷：小概率遗留bug</a:t>
             </a:r>
           </a:p>
           <a:p>
             <a:pPr lvl="1">
               <a:spcAft>
-                <a:spcPts val="400"/>
-              </a:spcAft>
-              <a:defRPr sz="1300">
+                <a:spcPts val="300"/>
+              </a:spcAft>
+              <a:defRPr sz="1200">
                 <a:latin typeface="WenQuanYi Zen Hei"/>
               </a:defRPr>
             </a:pPr>
@@ -8745,35 +8928,38 @@
           <a:p>
             <a:pPr>
               <a:spcAft>
-                <a:spcPts val="400"/>
-              </a:spcAft>
-              <a:defRPr sz="1400">
-                <a:latin typeface="WenQuanYi Zen Hei"/>
-              </a:defRPr>
-            </a:pPr>
-          </a:p>
-          <a:p>
-            <a:pPr>
-              <a:spcAft>
-                <a:spcPts val="400"/>
-              </a:spcAft>
-              <a:defRPr sz="1400">
-                <a:latin typeface="WenQuanYi Zen Hei"/>
-              </a:defRPr>
-            </a:pPr>
-            <a:r>
-              <a:rPr>
-                <a:latin typeface="WenQuanYi Zen Hei"/>
-              </a:rPr>
-              <a:t>• 性能不达标：高并发场景压力</a:t>
+                <a:spcPts val="300"/>
+              </a:spcAft>
+              <a:defRPr sz="1300">
+                <a:latin typeface="WenQuanYi Zen Hei"/>
+              </a:defRPr>
+            </a:pPr>
+          </a:p>
+          <a:p>
+            <a:pPr>
+              <a:spcAft>
+                <a:spcPts val="300"/>
+              </a:spcAft>
+              <a:defRPr sz="1300">
+                <a:solidFill>
+                  <a:srgbClr val="008000"/>
+                </a:solidFill>
+                <a:latin typeface="WenQuanYi Zen Hei"/>
+              </a:defRPr>
+            </a:pPr>
+            <a:r>
+              <a:rPr>
+                <a:latin typeface="WenQuanYi Zen Hei"/>
+              </a:rPr>
+              <a:t>✓ 性能不达标：高并发场景压力</a:t>
             </a:r>
           </a:p>
           <a:p>
             <a:pPr lvl="1">
               <a:spcAft>
-                <a:spcPts val="400"/>
-              </a:spcAft>
-              <a:defRPr sz="1300">
+                <a:spcPts val="300"/>
+              </a:spcAft>
+              <a:defRPr sz="1200">
                 <a:latin typeface="WenQuanYi Zen Hei"/>
               </a:defRPr>
             </a:pPr>
@@ -8787,35 +8973,38 @@
           <a:p>
             <a:pPr>
               <a:spcAft>
-                <a:spcPts val="400"/>
-              </a:spcAft>
-              <a:defRPr sz="1400">
-                <a:latin typeface="WenQuanYi Zen Hei"/>
-              </a:defRPr>
-            </a:pPr>
-          </a:p>
-          <a:p>
-            <a:pPr>
-              <a:spcAft>
-                <a:spcPts val="400"/>
-              </a:spcAft>
-              <a:defRPr sz="1400">
-                <a:latin typeface="WenQuanYi Zen Hei"/>
-              </a:defRPr>
-            </a:pPr>
-            <a:r>
-              <a:rPr>
-                <a:latin typeface="WenQuanYi Zen Hei"/>
-              </a:rPr>
-              <a:t>• 用户培训不足：操作不熟练</a:t>
+                <a:spcPts val="300"/>
+              </a:spcAft>
+              <a:defRPr sz="1300">
+                <a:latin typeface="WenQuanYi Zen Hei"/>
+              </a:defRPr>
+            </a:pPr>
+          </a:p>
+          <a:p>
+            <a:pPr>
+              <a:spcAft>
+                <a:spcPts val="300"/>
+              </a:spcAft>
+              <a:defRPr sz="1300">
+                <a:solidFill>
+                  <a:srgbClr val="008000"/>
+                </a:solidFill>
+                <a:latin typeface="WenQuanYi Zen Hei"/>
+              </a:defRPr>
+            </a:pPr>
+            <a:r>
+              <a:rPr>
+                <a:latin typeface="WenQuanYi Zen Hei"/>
+              </a:rPr>
+              <a:t>✓ 用户培训不足：操作不熟练</a:t>
             </a:r>
           </a:p>
           <a:p>
             <a:pPr lvl="1">
               <a:spcAft>
-                <a:spcPts val="400"/>
-              </a:spcAft>
-              <a:defRPr sz="1300">
+                <a:spcPts val="300"/>
+              </a:spcAft>
+              <a:defRPr sz="1200">
                 <a:latin typeface="WenQuanYi Zen Hei"/>
               </a:defRPr>
             </a:pPr>
@@ -8829,35 +9018,38 @@
           <a:p>
             <a:pPr>
               <a:spcAft>
-                <a:spcPts val="400"/>
-              </a:spcAft>
-              <a:defRPr sz="1400">
-                <a:latin typeface="WenQuanYi Zen Hei"/>
-              </a:defRPr>
-            </a:pPr>
-          </a:p>
-          <a:p>
-            <a:pPr>
-              <a:spcAft>
-                <a:spcPts val="400"/>
-              </a:spcAft>
-              <a:defRPr sz="1400">
-                <a:latin typeface="WenQuanYi Zen Hei"/>
-              </a:defRPr>
-            </a:pPr>
-            <a:r>
-              <a:rPr>
-                <a:latin typeface="WenQuanYi Zen Hei"/>
-              </a:rPr>
-              <a:t>• 文档不完整：缺少部分文档</a:t>
+                <a:spcPts val="300"/>
+              </a:spcAft>
+              <a:defRPr sz="1300">
+                <a:latin typeface="WenQuanYi Zen Hei"/>
+              </a:defRPr>
+            </a:pPr>
+          </a:p>
+          <a:p>
+            <a:pPr>
+              <a:spcAft>
+                <a:spcPts val="300"/>
+              </a:spcAft>
+              <a:defRPr sz="1300">
+                <a:solidFill>
+                  <a:srgbClr val="008000"/>
+                </a:solidFill>
+                <a:latin typeface="WenQuanYi Zen Hei"/>
+              </a:defRPr>
+            </a:pPr>
+            <a:r>
+              <a:rPr>
+                <a:latin typeface="WenQuanYi Zen Hei"/>
+              </a:rPr>
+              <a:t>✓ 文档不完整：缺少部分文档</a:t>
             </a:r>
           </a:p>
           <a:p>
             <a:pPr lvl="1">
               <a:spcAft>
-                <a:spcPts val="400"/>
-              </a:spcAft>
-              <a:defRPr sz="1300">
+                <a:spcPts val="300"/>
+              </a:spcAft>
+              <a:defRPr sz="1200">
                 <a:latin typeface="WenQuanYi Zen Hei"/>
               </a:defRPr>
             </a:pPr>
@@ -8871,19 +9063,22 @@
           <a:p>
             <a:pPr>
               <a:spcAft>
-                <a:spcPts val="400"/>
-              </a:spcAft>
-              <a:defRPr sz="1400">
-                <a:latin typeface="WenQuanYi Zen Hei"/>
-              </a:defRPr>
-            </a:pPr>
-          </a:p>
-          <a:p>
-            <a:pPr>
-              <a:spcAft>
-                <a:spcPts val="400"/>
-              </a:spcAft>
-              <a:defRPr sz="1400">
+                <a:spcPts val="300"/>
+              </a:spcAft>
+              <a:defRPr sz="1300">
+                <a:latin typeface="WenQuanYi Zen Hei"/>
+              </a:defRPr>
+            </a:pPr>
+          </a:p>
+          <a:p>
+            <a:pPr>
+              <a:spcAft>
+                <a:spcPts val="300"/>
+              </a:spcAft>
+              <a:defRPr sz="1500" b="1">
+                <a:solidFill>
+                  <a:srgbClr val="0046A0"/>
+                </a:solidFill>
                 <a:latin typeface="WenQuanYi Zen Hei"/>
               </a:defRPr>
             </a:pPr>
@@ -8897,97 +9092,115 @@
           <a:p>
             <a:pPr>
               <a:spcAft>
-                <a:spcPts val="400"/>
-              </a:spcAft>
-              <a:defRPr sz="1400">
-                <a:latin typeface="WenQuanYi Zen Hei"/>
-              </a:defRPr>
-            </a:pPr>
-            <a:r>
-              <a:rPr>
-                <a:latin typeface="WenQuanYi Zen Hei"/>
-              </a:rPr>
-              <a:t>• 建立验收倒计时机制</a:t>
-            </a:r>
-          </a:p>
-          <a:p>
-            <a:pPr>
-              <a:spcAft>
-                <a:spcPts val="400"/>
-              </a:spcAft>
-              <a:defRPr sz="1400">
-                <a:latin typeface="WenQuanYi Zen Hei"/>
-              </a:defRPr>
-            </a:pPr>
-            <a:r>
-              <a:rPr>
-                <a:latin typeface="WenQuanYi Zen Hei"/>
-              </a:rPr>
-              <a:t>• 每日验收准备进度同步</a:t>
-            </a:r>
-          </a:p>
-          <a:p>
-            <a:pPr>
-              <a:spcAft>
-                <a:spcPts val="400"/>
-              </a:spcAft>
-              <a:defRPr sz="1400">
-                <a:latin typeface="WenQuanYi Zen Hei"/>
-              </a:defRPr>
-            </a:pPr>
-            <a:r>
-              <a:rPr>
-                <a:latin typeface="WenQuanYi Zen Hei"/>
-              </a:rPr>
-              <a:t>• 专人负责验收协调工作</a:t>
-            </a:r>
-          </a:p>
-          <a:p>
-            <a:pPr>
-              <a:spcAft>
-                <a:spcPts val="400"/>
-              </a:spcAft>
-              <a:defRPr sz="1400">
-                <a:latin typeface="WenQuanYi Zen Hei"/>
-              </a:defRPr>
-            </a:pPr>
-            <a:r>
-              <a:rPr>
-                <a:latin typeface="WenQuanYi Zen Hei"/>
-              </a:rPr>
-              <a:t>• 预留充足的问题修复时间</a:t>
-            </a:r>
-          </a:p>
-          <a:p>
-            <a:pPr>
-              <a:spcAft>
-                <a:spcPts val="400"/>
-              </a:spcAft>
-              <a:defRPr sz="1400">
-                <a:latin typeface="WenQuanYi Zen Hei"/>
-              </a:defRPr>
-            </a:pPr>
-            <a:r>
-              <a:rPr>
-                <a:latin typeface="WenQuanYi Zen Hei"/>
-              </a:rPr>
-              <a:t>• 准备详细的演示方案</a:t>
-            </a:r>
-          </a:p>
-          <a:p>
-            <a:pPr>
-              <a:spcAft>
-                <a:spcPts val="400"/>
-              </a:spcAft>
-              <a:defRPr sz="1400">
-                <a:latin typeface="WenQuanYi Zen Hei"/>
-              </a:defRPr>
-            </a:pPr>
-            <a:r>
-              <a:rPr>
-                <a:latin typeface="WenQuanYi Zen Hei"/>
-              </a:rPr>
-              <a:t>• 提前与验收方充分沟通</a:t>
+                <a:spcPts val="300"/>
+              </a:spcAft>
+              <a:defRPr sz="1300">
+                <a:solidFill>
+                  <a:srgbClr val="008000"/>
+                </a:solidFill>
+                <a:latin typeface="WenQuanYi Zen Hei"/>
+              </a:defRPr>
+            </a:pPr>
+            <a:r>
+              <a:rPr>
+                <a:latin typeface="WenQuanYi Zen Hei"/>
+              </a:rPr>
+              <a:t>✓ 建立验收倒计时机制</a:t>
+            </a:r>
+          </a:p>
+          <a:p>
+            <a:pPr>
+              <a:spcAft>
+                <a:spcPts val="300"/>
+              </a:spcAft>
+              <a:defRPr sz="1300">
+                <a:solidFill>
+                  <a:srgbClr val="008000"/>
+                </a:solidFill>
+                <a:latin typeface="WenQuanYi Zen Hei"/>
+              </a:defRPr>
+            </a:pPr>
+            <a:r>
+              <a:rPr>
+                <a:latin typeface="WenQuanYi Zen Hei"/>
+              </a:rPr>
+              <a:t>✓ 每日验收准备进度同步</a:t>
+            </a:r>
+          </a:p>
+          <a:p>
+            <a:pPr>
+              <a:spcAft>
+                <a:spcPts val="300"/>
+              </a:spcAft>
+              <a:defRPr sz="1300">
+                <a:solidFill>
+                  <a:srgbClr val="008000"/>
+                </a:solidFill>
+                <a:latin typeface="WenQuanYi Zen Hei"/>
+              </a:defRPr>
+            </a:pPr>
+            <a:r>
+              <a:rPr>
+                <a:latin typeface="WenQuanYi Zen Hei"/>
+              </a:rPr>
+              <a:t>✓ 专人负责验收协调工作</a:t>
+            </a:r>
+          </a:p>
+          <a:p>
+            <a:pPr>
+              <a:spcAft>
+                <a:spcPts val="300"/>
+              </a:spcAft>
+              <a:defRPr sz="1300">
+                <a:solidFill>
+                  <a:srgbClr val="008000"/>
+                </a:solidFill>
+                <a:latin typeface="WenQuanYi Zen Hei"/>
+              </a:defRPr>
+            </a:pPr>
+            <a:r>
+              <a:rPr>
+                <a:latin typeface="WenQuanYi Zen Hei"/>
+              </a:rPr>
+              <a:t>✓ 预留充足的问题修复时间</a:t>
+            </a:r>
+          </a:p>
+          <a:p>
+            <a:pPr>
+              <a:spcAft>
+                <a:spcPts val="300"/>
+              </a:spcAft>
+              <a:defRPr sz="1300">
+                <a:solidFill>
+                  <a:srgbClr val="008000"/>
+                </a:solidFill>
+                <a:latin typeface="WenQuanYi Zen Hei"/>
+              </a:defRPr>
+            </a:pPr>
+            <a:r>
+              <a:rPr>
+                <a:latin typeface="WenQuanYi Zen Hei"/>
+              </a:rPr>
+              <a:t>✓ 准备详细的演示方案</a:t>
+            </a:r>
+          </a:p>
+          <a:p>
+            <a:pPr>
+              <a:spcAft>
+                <a:spcPts val="300"/>
+              </a:spcAft>
+              <a:defRPr sz="1300">
+                <a:solidFill>
+                  <a:srgbClr val="008000"/>
+                </a:solidFill>
+                <a:latin typeface="WenQuanYi Zen Hei"/>
+              </a:defRPr>
+            </a:pPr>
+            <a:r>
+              <a:rPr>
+                <a:latin typeface="WenQuanYi Zen Hei"/>
+              </a:rPr>
+              <a:t>✓ 提前与验收方充分沟通</a:t>
             </a:r>
           </a:p>
         </p:txBody>
@@ -9018,8 +9231,8 @@
         </p:nvSpPr>
         <p:spPr>
           <a:xfrm>
-            <a:off x="457200" y="274320"/>
-            <a:ext cx="11274552" cy="640080"/>
+            <a:off x="457200" y="731520"/>
+            <a:ext cx="11274552" cy="548640"/>
           </a:xfrm>
           <a:prstGeom prst="rect">
             <a:avLst/>
@@ -9057,8 +9270,8 @@
         </p:nvSpPr>
         <p:spPr>
           <a:xfrm>
-            <a:off x="457200" y="1097280"/>
-            <a:ext cx="11274552" cy="5303520"/>
+            <a:off x="457200" y="1463040"/>
+            <a:ext cx="11274552" cy="4937760"/>
           </a:xfrm>
           <a:prstGeom prst="rect">
             <a:avLst/>
@@ -9073,9 +9286,9 @@
           <a:p>
             <a:pPr>
               <a:spcAft>
-                <a:spcPts val="400"/>
-              </a:spcAft>
-              <a:defRPr sz="1600" b="1">
+                <a:spcPts val="300"/>
+              </a:spcAft>
+              <a:defRPr sz="1500" b="1">
                 <a:solidFill>
                   <a:srgbClr val="0046A0"/>
                 </a:solidFill>
@@ -9092,9 +9305,9 @@
           <a:p>
             <a:pPr>
               <a:spcAft>
-                <a:spcPts val="400"/>
-              </a:spcAft>
-              <a:defRPr sz="1400">
+                <a:spcPts val="300"/>
+              </a:spcAft>
+              <a:defRPr sz="1300">
                 <a:latin typeface="WenQuanYi Zen Hei"/>
               </a:defRPr>
             </a:pPr>
@@ -9108,9 +9321,9 @@
           <a:p>
             <a:pPr>
               <a:spcAft>
-                <a:spcPts val="400"/>
-              </a:spcAft>
-              <a:defRPr sz="1400">
+                <a:spcPts val="300"/>
+              </a:spcAft>
+              <a:defRPr sz="1300">
                 <a:latin typeface="WenQuanYi Zen Hei"/>
               </a:defRPr>
             </a:pPr>
@@ -9124,9 +9337,9 @@
           <a:p>
             <a:pPr>
               <a:spcAft>
-                <a:spcPts val="400"/>
-              </a:spcAft>
-              <a:defRPr sz="1400">
+                <a:spcPts val="300"/>
+              </a:spcAft>
+              <a:defRPr sz="1300">
                 <a:latin typeface="WenQuanYi Zen Hei"/>
               </a:defRPr>
             </a:pPr>
@@ -9140,9 +9353,9 @@
           <a:p>
             <a:pPr>
               <a:spcAft>
-                <a:spcPts val="400"/>
-              </a:spcAft>
-              <a:defRPr sz="1400">
+                <a:spcPts val="300"/>
+              </a:spcAft>
+              <a:defRPr sz="1300">
                 <a:latin typeface="WenQuanYi Zen Hei"/>
               </a:defRPr>
             </a:pPr>
@@ -9156,19 +9369,19 @@
           <a:p>
             <a:pPr>
               <a:spcAft>
-                <a:spcPts val="400"/>
-              </a:spcAft>
-              <a:defRPr sz="1400">
-                <a:latin typeface="WenQuanYi Zen Hei"/>
-              </a:defRPr>
-            </a:pPr>
-          </a:p>
-          <a:p>
-            <a:pPr>
-              <a:spcAft>
-                <a:spcPts val="400"/>
-              </a:spcAft>
-              <a:defRPr sz="1600" b="1">
+                <a:spcPts val="300"/>
+              </a:spcAft>
+              <a:defRPr sz="1300">
+                <a:latin typeface="WenQuanYi Zen Hei"/>
+              </a:defRPr>
+            </a:pPr>
+          </a:p>
+          <a:p>
+            <a:pPr>
+              <a:spcAft>
+                <a:spcPts val="300"/>
+              </a:spcAft>
+              <a:defRPr sz="1500" b="1">
                 <a:solidFill>
                   <a:srgbClr val="0046A0"/>
                 </a:solidFill>
@@ -9185,9 +9398,9 @@
           <a:p>
             <a:pPr>
               <a:spcAft>
-                <a:spcPts val="400"/>
-              </a:spcAft>
-              <a:defRPr sz="1400">
+                <a:spcPts val="300"/>
+              </a:spcAft>
+              <a:defRPr sz="1300">
                 <a:latin typeface="WenQuanYi Zen Hei"/>
               </a:defRPr>
             </a:pPr>
@@ -9201,9 +9414,9 @@
           <a:p>
             <a:pPr>
               <a:spcAft>
-                <a:spcPts val="400"/>
-              </a:spcAft>
-              <a:defRPr sz="1400">
+                <a:spcPts val="300"/>
+              </a:spcAft>
+              <a:defRPr sz="1300">
                 <a:latin typeface="WenQuanYi Zen Hei"/>
               </a:defRPr>
             </a:pPr>
@@ -9217,9 +9430,9 @@
           <a:p>
             <a:pPr>
               <a:spcAft>
-                <a:spcPts val="400"/>
-              </a:spcAft>
-              <a:defRPr sz="1400">
+                <a:spcPts val="300"/>
+              </a:spcAft>
+              <a:defRPr sz="1300">
                 <a:latin typeface="WenQuanYi Zen Hei"/>
               </a:defRPr>
             </a:pPr>
@@ -9233,9 +9446,9 @@
           <a:p>
             <a:pPr>
               <a:spcAft>
-                <a:spcPts val="400"/>
-              </a:spcAft>
-              <a:defRPr sz="1400">
+                <a:spcPts val="300"/>
+              </a:spcAft>
+              <a:defRPr sz="1300">
                 <a:latin typeface="WenQuanYi Zen Hei"/>
               </a:defRPr>
             </a:pPr>
@@ -9249,19 +9462,19 @@
           <a:p>
             <a:pPr>
               <a:spcAft>
-                <a:spcPts val="400"/>
-              </a:spcAft>
-              <a:defRPr sz="1400">
-                <a:latin typeface="WenQuanYi Zen Hei"/>
-              </a:defRPr>
-            </a:pPr>
-          </a:p>
-          <a:p>
-            <a:pPr>
-              <a:spcAft>
-                <a:spcPts val="400"/>
-              </a:spcAft>
-              <a:defRPr sz="1600" b="1">
+                <a:spcPts val="300"/>
+              </a:spcAft>
+              <a:defRPr sz="1300">
+                <a:latin typeface="WenQuanYi Zen Hei"/>
+              </a:defRPr>
+            </a:pPr>
+          </a:p>
+          <a:p>
+            <a:pPr>
+              <a:spcAft>
+                <a:spcPts val="300"/>
+              </a:spcAft>
+              <a:defRPr sz="1500" b="1">
                 <a:solidFill>
                   <a:srgbClr val="0046A0"/>
                 </a:solidFill>
@@ -9278,9 +9491,9 @@
           <a:p>
             <a:pPr>
               <a:spcAft>
-                <a:spcPts val="400"/>
-              </a:spcAft>
-              <a:defRPr sz="1400">
+                <a:spcPts val="300"/>
+              </a:spcAft>
+              <a:defRPr sz="1300">
                 <a:latin typeface="WenQuanYi Zen Hei"/>
               </a:defRPr>
             </a:pPr>
@@ -9294,9 +9507,9 @@
           <a:p>
             <a:pPr>
               <a:spcAft>
-                <a:spcPts val="400"/>
-              </a:spcAft>
-              <a:defRPr sz="1400">
+                <a:spcPts val="300"/>
+              </a:spcAft>
+              <a:defRPr sz="1300">
                 <a:latin typeface="WenQuanYi Zen Hei"/>
               </a:defRPr>
             </a:pPr>
@@ -9310,9 +9523,9 @@
           <a:p>
             <a:pPr>
               <a:spcAft>
-                <a:spcPts val="400"/>
-              </a:spcAft>
-              <a:defRPr sz="1400">
+                <a:spcPts val="300"/>
+              </a:spcAft>
+              <a:defRPr sz="1300">
                 <a:latin typeface="WenQuanYi Zen Hei"/>
               </a:defRPr>
             </a:pPr>
@@ -9326,9 +9539,9 @@
           <a:p>
             <a:pPr>
               <a:spcAft>
-                <a:spcPts val="400"/>
-              </a:spcAft>
-              <a:defRPr sz="1400">
+                <a:spcPts val="300"/>
+              </a:spcAft>
+              <a:defRPr sz="1300">
                 <a:latin typeface="WenQuanYi Zen Hei"/>
               </a:defRPr>
             </a:pPr>
@@ -9342,9 +9555,9 @@
           <a:p>
             <a:pPr>
               <a:spcAft>
-                <a:spcPts val="400"/>
-              </a:spcAft>
-              <a:defRPr sz="1400">
+                <a:spcPts val="300"/>
+              </a:spcAft>
+              <a:defRPr sz="1300">
                 <a:latin typeface="WenQuanYi Zen Hei"/>
               </a:defRPr>
             </a:pPr>
@@ -9358,19 +9571,19 @@
           <a:p>
             <a:pPr>
               <a:spcAft>
-                <a:spcPts val="400"/>
-              </a:spcAft>
-              <a:defRPr sz="1400">
-                <a:latin typeface="WenQuanYi Zen Hei"/>
-              </a:defRPr>
-            </a:pPr>
-          </a:p>
-          <a:p>
-            <a:pPr>
-              <a:spcAft>
-                <a:spcPts val="400"/>
-              </a:spcAft>
-              <a:defRPr sz="1600" b="1">
+                <a:spcPts val="300"/>
+              </a:spcAft>
+              <a:defRPr sz="1300">
+                <a:latin typeface="WenQuanYi Zen Hei"/>
+              </a:defRPr>
+            </a:pPr>
+          </a:p>
+          <a:p>
+            <a:pPr>
+              <a:spcAft>
+                <a:spcPts val="300"/>
+              </a:spcAft>
+              <a:defRPr sz="1500" b="1">
                 <a:solidFill>
                   <a:srgbClr val="0046A0"/>
                 </a:solidFill>
@@ -9387,9 +9600,9 @@
           <a:p>
             <a:pPr>
               <a:spcAft>
-                <a:spcPts val="400"/>
-              </a:spcAft>
-              <a:defRPr sz="1400">
+                <a:spcPts val="300"/>
+              </a:spcAft>
+              <a:defRPr sz="1300">
                 <a:latin typeface="WenQuanYi Zen Hei"/>
               </a:defRPr>
             </a:pPr>
@@ -9403,9 +9616,9 @@
           <a:p>
             <a:pPr>
               <a:spcAft>
-                <a:spcPts val="400"/>
-              </a:spcAft>
-              <a:defRPr sz="1400">
+                <a:spcPts val="300"/>
+              </a:spcAft>
+              <a:defRPr sz="1300">
                 <a:latin typeface="WenQuanYi Zen Hei"/>
               </a:defRPr>
             </a:pPr>
@@ -9419,9 +9632,9 @@
           <a:p>
             <a:pPr>
               <a:spcAft>
-                <a:spcPts val="400"/>
-              </a:spcAft>
-              <a:defRPr sz="1400">
+                <a:spcPts val="300"/>
+              </a:spcAft>
+              <a:defRPr sz="1300">
                 <a:latin typeface="WenQuanYi Zen Hei"/>
               </a:defRPr>
             </a:pPr>
@@ -9460,7 +9673,7 @@
         </p:nvSpPr>
         <p:spPr>
           <a:xfrm>
-            <a:off x="1828800" y="2286000"/>
+            <a:off x="1828800" y="2743200"/>
             <a:ext cx="8531352" cy="1828800"/>
           </a:xfrm>
           <a:prstGeom prst="rect">
@@ -9475,7 +9688,7 @@
           <a:lstStyle/>
           <a:p>
             <a:pPr algn="ctr">
-              <a:defRPr sz="5200" b="1">
+              <a:defRPr sz="5600" b="1">
                 <a:solidFill>
                   <a:srgbClr val="0046A0"/>
                 </a:solidFill>
@@ -9491,7 +9704,7 @@
           </a:p>
           <a:p>
             <a:pPr algn="ctr">
-              <a:defRPr sz="5200" b="1">
+              <a:defRPr sz="5600" b="1">
                 <a:solidFill>
                   <a:srgbClr val="0046A0"/>
                 </a:solidFill>
@@ -9501,7 +9714,7 @@
           </a:p>
           <a:p>
             <a:pPr algn="ctr">
-              <a:defRPr sz="5200" b="1">
+              <a:defRPr sz="5600" b="1">
                 <a:solidFill>
                   <a:srgbClr val="0046A0"/>
                 </a:solidFill>
@@ -9543,8 +9756,8 @@
         </p:nvSpPr>
         <p:spPr>
           <a:xfrm>
-            <a:off x="457200" y="274320"/>
-            <a:ext cx="11274552" cy="640080"/>
+            <a:off x="457200" y="731520"/>
+            <a:ext cx="11274552" cy="548640"/>
           </a:xfrm>
           <a:prstGeom prst="rect">
             <a:avLst/>
@@ -9582,8 +9795,8 @@
         </p:nvSpPr>
         <p:spPr>
           <a:xfrm>
-            <a:off x="457200" y="1097280"/>
-            <a:ext cx="11274552" cy="5303520"/>
+            <a:off x="457200" y="1463040"/>
+            <a:ext cx="5943600" cy="4937760"/>
           </a:xfrm>
           <a:prstGeom prst="rect">
             <a:avLst/>
@@ -9598,9 +9811,9 @@
           <a:p>
             <a:pPr>
               <a:spcAft>
-                <a:spcPts val="400"/>
-              </a:spcAft>
-              <a:defRPr sz="1600" b="1">
+                <a:spcPts val="300"/>
+              </a:spcAft>
+              <a:defRPr sz="1500" b="1">
                 <a:solidFill>
                   <a:srgbClr val="0046A0"/>
                 </a:solidFill>
@@ -9617,9 +9830,9 @@
           <a:p>
             <a:pPr>
               <a:spcAft>
-                <a:spcPts val="400"/>
-              </a:spcAft>
-              <a:defRPr sz="1400">
+                <a:spcPts val="300"/>
+              </a:spcAft>
+              <a:defRPr sz="1300">
                 <a:latin typeface="WenQuanYi Zen Hei"/>
               </a:defRPr>
             </a:pPr>
@@ -9633,9 +9846,9 @@
           <a:p>
             <a:pPr>
               <a:spcAft>
-                <a:spcPts val="400"/>
-              </a:spcAft>
-              <a:defRPr sz="1400">
+                <a:spcPts val="300"/>
+              </a:spcAft>
+              <a:defRPr sz="1300">
                 <a:latin typeface="WenQuanYi Zen Hei"/>
               </a:defRPr>
             </a:pPr>
@@ -9649,9 +9862,9 @@
           <a:p>
             <a:pPr>
               <a:spcAft>
-                <a:spcPts val="400"/>
-              </a:spcAft>
-              <a:defRPr sz="1400">
+                <a:spcPts val="300"/>
+              </a:spcAft>
+              <a:defRPr sz="1300">
                 <a:latin typeface="WenQuanYi Zen Hei"/>
               </a:defRPr>
             </a:pPr>
@@ -9665,9 +9878,9 @@
           <a:p>
             <a:pPr>
               <a:spcAft>
-                <a:spcPts val="400"/>
-              </a:spcAft>
-              <a:defRPr sz="1400">
+                <a:spcPts val="300"/>
+              </a:spcAft>
+              <a:defRPr sz="1300">
                 <a:latin typeface="WenQuanYi Zen Hei"/>
               </a:defRPr>
             </a:pPr>
@@ -9681,19 +9894,19 @@
           <a:p>
             <a:pPr>
               <a:spcAft>
-                <a:spcPts val="400"/>
-              </a:spcAft>
-              <a:defRPr sz="1400">
-                <a:latin typeface="WenQuanYi Zen Hei"/>
-              </a:defRPr>
-            </a:pPr>
-          </a:p>
-          <a:p>
-            <a:pPr>
-              <a:spcAft>
-                <a:spcPts val="400"/>
-              </a:spcAft>
-              <a:defRPr sz="1600" b="1">
+                <a:spcPts val="300"/>
+              </a:spcAft>
+              <a:defRPr sz="1300">
+                <a:latin typeface="WenQuanYi Zen Hei"/>
+              </a:defRPr>
+            </a:pPr>
+          </a:p>
+          <a:p>
+            <a:pPr>
+              <a:spcAft>
+                <a:spcPts val="300"/>
+              </a:spcAft>
+              <a:defRPr sz="1500" b="1">
                 <a:solidFill>
                   <a:srgbClr val="0046A0"/>
                 </a:solidFill>
@@ -9710,9 +9923,9 @@
           <a:p>
             <a:pPr>
               <a:spcAft>
-                <a:spcPts val="400"/>
-              </a:spcAft>
-              <a:defRPr sz="1400">
+                <a:spcPts val="300"/>
+              </a:spcAft>
+              <a:defRPr sz="1300">
                 <a:latin typeface="WenQuanYi Zen Hei"/>
               </a:defRPr>
             </a:pPr>
@@ -9726,9 +9939,9 @@
           <a:p>
             <a:pPr>
               <a:spcAft>
-                <a:spcPts val="400"/>
-              </a:spcAft>
-              <a:defRPr sz="1400">
+                <a:spcPts val="300"/>
+              </a:spcAft>
+              <a:defRPr sz="1300">
                 <a:latin typeface="WenQuanYi Zen Hei"/>
               </a:defRPr>
             </a:pPr>
@@ -9742,9 +9955,9 @@
           <a:p>
             <a:pPr>
               <a:spcAft>
-                <a:spcPts val="400"/>
-              </a:spcAft>
-              <a:defRPr sz="1400">
+                <a:spcPts val="300"/>
+              </a:spcAft>
+              <a:defRPr sz="1300">
                 <a:latin typeface="WenQuanYi Zen Hei"/>
               </a:defRPr>
             </a:pPr>
@@ -9758,9 +9971,9 @@
           <a:p>
             <a:pPr>
               <a:spcAft>
-                <a:spcPts val="400"/>
-              </a:spcAft>
-              <a:defRPr sz="1400">
+                <a:spcPts val="300"/>
+              </a:spcAft>
+              <a:defRPr sz="1300">
                 <a:latin typeface="WenQuanYi Zen Hei"/>
               </a:defRPr>
             </a:pPr>
@@ -9774,9 +9987,9 @@
           <a:p>
             <a:pPr>
               <a:spcAft>
-                <a:spcPts val="400"/>
-              </a:spcAft>
-              <a:defRPr sz="1400">
+                <a:spcPts val="300"/>
+              </a:spcAft>
+              <a:defRPr sz="1300">
                 <a:latin typeface="WenQuanYi Zen Hei"/>
               </a:defRPr>
             </a:pPr>
@@ -9790,19 +10003,19 @@
           <a:p>
             <a:pPr>
               <a:spcAft>
-                <a:spcPts val="400"/>
-              </a:spcAft>
-              <a:defRPr sz="1400">
-                <a:latin typeface="WenQuanYi Zen Hei"/>
-              </a:defRPr>
-            </a:pPr>
-          </a:p>
-          <a:p>
-            <a:pPr>
-              <a:spcAft>
-                <a:spcPts val="400"/>
-              </a:spcAft>
-              <a:defRPr sz="1600" b="1">
+                <a:spcPts val="300"/>
+              </a:spcAft>
+              <a:defRPr sz="1300">
+                <a:latin typeface="WenQuanYi Zen Hei"/>
+              </a:defRPr>
+            </a:pPr>
+          </a:p>
+          <a:p>
+            <a:pPr>
+              <a:spcAft>
+                <a:spcPts val="300"/>
+              </a:spcAft>
+              <a:defRPr sz="1500" b="1">
                 <a:solidFill>
                   <a:srgbClr val="0046A0"/>
                 </a:solidFill>
@@ -9819,9 +10032,9 @@
           <a:p>
             <a:pPr>
               <a:spcAft>
-                <a:spcPts val="400"/>
-              </a:spcAft>
-              <a:defRPr sz="1400">
+                <a:spcPts val="300"/>
+              </a:spcAft>
+              <a:defRPr sz="1300">
                 <a:latin typeface="WenQuanYi Zen Hei"/>
               </a:defRPr>
             </a:pPr>
@@ -9835,9 +10048,9 @@
           <a:p>
             <a:pPr>
               <a:spcAft>
-                <a:spcPts val="400"/>
-              </a:spcAft>
-              <a:defRPr sz="1400">
+                <a:spcPts val="300"/>
+              </a:spcAft>
+              <a:defRPr sz="1300">
                 <a:latin typeface="WenQuanYi Zen Hei"/>
               </a:defRPr>
             </a:pPr>
@@ -9851,9 +10064,9 @@
           <a:p>
             <a:pPr>
               <a:spcAft>
-                <a:spcPts val="400"/>
-              </a:spcAft>
-              <a:defRPr sz="1400">
+                <a:spcPts val="300"/>
+              </a:spcAft>
+              <a:defRPr sz="1300">
                 <a:latin typeface="WenQuanYi Zen Hei"/>
               </a:defRPr>
             </a:pPr>
@@ -9862,6 +10075,361 @@
                 <a:latin typeface="WenQuanYi Zen Hei"/>
               </a:rPr>
               <a:t>• 当前状态：准备验收阶段</a:t>
+            </a:r>
+          </a:p>
+        </p:txBody>
+      </p:sp>
+      <p:sp>
+        <p:nvSpPr>
+          <p:cNvPr id="4" name="Rounded Rectangle 3"/>
+          <p:cNvSpPr/>
+          <p:nvPr/>
+        </p:nvSpPr>
+        <p:spPr>
+          <a:xfrm>
+            <a:off x="6858000" y="1828800"/>
+            <a:ext cx="2011680" cy="731520"/>
+          </a:xfrm>
+          <a:prstGeom prst="roundRect">
+            <a:avLst/>
+          </a:prstGeom>
+          <a:solidFill>
+            <a:srgbClr val="ADD8E6"/>
+          </a:solidFill>
+          <a:ln w="25400">
+            <a:solidFill>
+              <a:srgbClr val="0046A0"/>
+            </a:solidFill>
+          </a:ln>
+        </p:spPr>
+        <p:style>
+          <a:lnRef idx="1">
+            <a:schemeClr val="accent1"/>
+          </a:lnRef>
+          <a:fillRef idx="3">
+            <a:schemeClr val="accent1"/>
+          </a:fillRef>
+          <a:effectRef idx="2">
+            <a:schemeClr val="accent1"/>
+          </a:effectRef>
+          <a:fontRef idx="minor">
+            <a:schemeClr val="lt1"/>
+          </a:fontRef>
+        </p:style>
+        <p:txBody>
+          <a:bodyPr rtlCol="0" anchor="ctr"/>
+          <a:lstStyle/>
+          <a:p>
+            <a:pPr algn="ctr">
+              <a:defRPr sz="1200" b="1">
+                <a:latin typeface="WenQuanYi Zen Hei"/>
+              </a:defRPr>
+            </a:pPr>
+            <a:r>
+              <a:rPr>
+                <a:latin typeface="WenQuanYi Zen Hei"/>
+              </a:rPr>
+              <a:t>项目启动</a:t>
+            </a:r>
+          </a:p>
+        </p:txBody>
+      </p:sp>
+      <p:sp>
+        <p:nvSpPr>
+          <p:cNvPr id="5" name="Right Arrow 4"/>
+          <p:cNvSpPr/>
+          <p:nvPr/>
+        </p:nvSpPr>
+        <p:spPr>
+          <a:xfrm>
+            <a:off x="7772400" y="2651760"/>
+            <a:ext cx="914400" cy="365760"/>
+          </a:xfrm>
+          <a:prstGeom prst="rightArrow">
+            <a:avLst/>
+          </a:prstGeom>
+          <a:solidFill>
+            <a:srgbClr val="ADD8E6"/>
+          </a:solidFill>
+          <a:ln w="19050">
+            <a:solidFill>
+              <a:srgbClr val="0046A0"/>
+            </a:solidFill>
+          </a:ln>
+        </p:spPr>
+        <p:style>
+          <a:lnRef idx="1">
+            <a:schemeClr val="accent1"/>
+          </a:lnRef>
+          <a:fillRef idx="3">
+            <a:schemeClr val="accent1"/>
+          </a:fillRef>
+          <a:effectRef idx="2">
+            <a:schemeClr val="accent1"/>
+          </a:effectRef>
+          <a:fontRef idx="minor">
+            <a:schemeClr val="lt1"/>
+          </a:fontRef>
+        </p:style>
+        <p:txBody>
+          <a:bodyPr rtlCol="0" anchor="ctr"/>
+          <a:lstStyle/>
+          <a:p>
+            <a:pPr algn="ctr"/>
+          </a:p>
+        </p:txBody>
+      </p:sp>
+      <p:sp>
+        <p:nvSpPr>
+          <p:cNvPr id="6" name="Rounded Rectangle 5"/>
+          <p:cNvSpPr/>
+          <p:nvPr/>
+        </p:nvSpPr>
+        <p:spPr>
+          <a:xfrm>
+            <a:off x="6858000" y="3108960"/>
+            <a:ext cx="2011680" cy="731520"/>
+          </a:xfrm>
+          <a:prstGeom prst="roundRect">
+            <a:avLst/>
+          </a:prstGeom>
+          <a:solidFill>
+            <a:srgbClr val="ADD8E6"/>
+          </a:solidFill>
+          <a:ln w="25400">
+            <a:solidFill>
+              <a:srgbClr val="0046A0"/>
+            </a:solidFill>
+          </a:ln>
+        </p:spPr>
+        <p:style>
+          <a:lnRef idx="1">
+            <a:schemeClr val="accent1"/>
+          </a:lnRef>
+          <a:fillRef idx="3">
+            <a:schemeClr val="accent1"/>
+          </a:fillRef>
+          <a:effectRef idx="2">
+            <a:schemeClr val="accent1"/>
+          </a:effectRef>
+          <a:fontRef idx="minor">
+            <a:schemeClr val="lt1"/>
+          </a:fontRef>
+        </p:style>
+        <p:txBody>
+          <a:bodyPr rtlCol="0" anchor="ctr"/>
+          <a:lstStyle/>
+          <a:p>
+            <a:pPr algn="ctr">
+              <a:defRPr sz="1200" b="1">
+                <a:latin typeface="WenQuanYi Zen Hei"/>
+              </a:defRPr>
+            </a:pPr>
+            <a:r>
+              <a:rPr>
+                <a:latin typeface="WenQuanYi Zen Hei"/>
+              </a:rPr>
+              <a:t>需求分析</a:t>
+            </a:r>
+          </a:p>
+        </p:txBody>
+      </p:sp>
+      <p:sp>
+        <p:nvSpPr>
+          <p:cNvPr id="7" name="Right Arrow 6"/>
+          <p:cNvSpPr/>
+          <p:nvPr/>
+        </p:nvSpPr>
+        <p:spPr>
+          <a:xfrm>
+            <a:off x="7772400" y="3931920"/>
+            <a:ext cx="914400" cy="365760"/>
+          </a:xfrm>
+          <a:prstGeom prst="rightArrow">
+            <a:avLst/>
+          </a:prstGeom>
+          <a:solidFill>
+            <a:srgbClr val="ADD8E6"/>
+          </a:solidFill>
+          <a:ln w="19050">
+            <a:solidFill>
+              <a:srgbClr val="0046A0"/>
+            </a:solidFill>
+          </a:ln>
+        </p:spPr>
+        <p:style>
+          <a:lnRef idx="1">
+            <a:schemeClr val="accent1"/>
+          </a:lnRef>
+          <a:fillRef idx="3">
+            <a:schemeClr val="accent1"/>
+          </a:fillRef>
+          <a:effectRef idx="2">
+            <a:schemeClr val="accent1"/>
+          </a:effectRef>
+          <a:fontRef idx="minor">
+            <a:schemeClr val="lt1"/>
+          </a:fontRef>
+        </p:style>
+        <p:txBody>
+          <a:bodyPr rtlCol="0" anchor="ctr"/>
+          <a:lstStyle/>
+          <a:p>
+            <a:pPr algn="ctr"/>
+          </a:p>
+        </p:txBody>
+      </p:sp>
+      <p:sp>
+        <p:nvSpPr>
+          <p:cNvPr id="8" name="Rounded Rectangle 7"/>
+          <p:cNvSpPr/>
+          <p:nvPr/>
+        </p:nvSpPr>
+        <p:spPr>
+          <a:xfrm>
+            <a:off x="6858000" y="4389120"/>
+            <a:ext cx="2011680" cy="731520"/>
+          </a:xfrm>
+          <a:prstGeom prst="roundRect">
+            <a:avLst/>
+          </a:prstGeom>
+          <a:solidFill>
+            <a:srgbClr val="ADD8E6"/>
+          </a:solidFill>
+          <a:ln w="25400">
+            <a:solidFill>
+              <a:srgbClr val="0046A0"/>
+            </a:solidFill>
+          </a:ln>
+        </p:spPr>
+        <p:style>
+          <a:lnRef idx="1">
+            <a:schemeClr val="accent1"/>
+          </a:lnRef>
+          <a:fillRef idx="3">
+            <a:schemeClr val="accent1"/>
+          </a:fillRef>
+          <a:effectRef idx="2">
+            <a:schemeClr val="accent1"/>
+          </a:effectRef>
+          <a:fontRef idx="minor">
+            <a:schemeClr val="lt1"/>
+          </a:fontRef>
+        </p:style>
+        <p:txBody>
+          <a:bodyPr rtlCol="0" anchor="ctr"/>
+          <a:lstStyle/>
+          <a:p>
+            <a:pPr algn="ctr">
+              <a:defRPr sz="1200" b="1">
+                <a:latin typeface="WenQuanYi Zen Hei"/>
+              </a:defRPr>
+            </a:pPr>
+            <a:r>
+              <a:rPr>
+                <a:latin typeface="WenQuanYi Zen Hei"/>
+              </a:rPr>
+              <a:t>系统开发</a:t>
+            </a:r>
+          </a:p>
+        </p:txBody>
+      </p:sp>
+      <p:sp>
+        <p:nvSpPr>
+          <p:cNvPr id="9" name="Right Arrow 8"/>
+          <p:cNvSpPr/>
+          <p:nvPr/>
+        </p:nvSpPr>
+        <p:spPr>
+          <a:xfrm>
+            <a:off x="7772400" y="5212080"/>
+            <a:ext cx="914400" cy="365760"/>
+          </a:xfrm>
+          <a:prstGeom prst="rightArrow">
+            <a:avLst/>
+          </a:prstGeom>
+          <a:solidFill>
+            <a:srgbClr val="ADD8E6"/>
+          </a:solidFill>
+          <a:ln w="19050">
+            <a:solidFill>
+              <a:srgbClr val="0046A0"/>
+            </a:solidFill>
+          </a:ln>
+        </p:spPr>
+        <p:style>
+          <a:lnRef idx="1">
+            <a:schemeClr val="accent1"/>
+          </a:lnRef>
+          <a:fillRef idx="3">
+            <a:schemeClr val="accent1"/>
+          </a:fillRef>
+          <a:effectRef idx="2">
+            <a:schemeClr val="accent1"/>
+          </a:effectRef>
+          <a:fontRef idx="minor">
+            <a:schemeClr val="lt1"/>
+          </a:fontRef>
+        </p:style>
+        <p:txBody>
+          <a:bodyPr rtlCol="0" anchor="ctr"/>
+          <a:lstStyle/>
+          <a:p>
+            <a:pPr algn="ctr"/>
+          </a:p>
+        </p:txBody>
+      </p:sp>
+      <p:sp>
+        <p:nvSpPr>
+          <p:cNvPr id="10" name="Rounded Rectangle 9"/>
+          <p:cNvSpPr/>
+          <p:nvPr/>
+        </p:nvSpPr>
+        <p:spPr>
+          <a:xfrm>
+            <a:off x="6858000" y="5669280"/>
+            <a:ext cx="2011680" cy="731520"/>
+          </a:xfrm>
+          <a:prstGeom prst="roundRect">
+            <a:avLst/>
+          </a:prstGeom>
+          <a:solidFill>
+            <a:srgbClr val="90EE90"/>
+          </a:solidFill>
+          <a:ln w="25400">
+            <a:solidFill>
+              <a:srgbClr val="0046A0"/>
+            </a:solidFill>
+          </a:ln>
+        </p:spPr>
+        <p:style>
+          <a:lnRef idx="1">
+            <a:schemeClr val="accent1"/>
+          </a:lnRef>
+          <a:fillRef idx="3">
+            <a:schemeClr val="accent1"/>
+          </a:fillRef>
+          <a:effectRef idx="2">
+            <a:schemeClr val="accent1"/>
+          </a:effectRef>
+          <a:fontRef idx="minor">
+            <a:schemeClr val="lt1"/>
+          </a:fontRef>
+        </p:style>
+        <p:txBody>
+          <a:bodyPr rtlCol="0" anchor="ctr"/>
+          <a:lstStyle/>
+          <a:p>
+            <a:pPr algn="ctr">
+              <a:defRPr sz="1200" b="1">
+                <a:latin typeface="WenQuanYi Zen Hei"/>
+              </a:defRPr>
+            </a:pPr>
+            <a:r>
+              <a:rPr>
+                <a:latin typeface="WenQuanYi Zen Hei"/>
+              </a:rPr>
+              <a:t>项目验收</a:t>
             </a:r>
           </a:p>
         </p:txBody>
@@ -9892,8 +10460,8 @@
         </p:nvSpPr>
         <p:spPr>
           <a:xfrm>
-            <a:off x="457200" y="274320"/>
-            <a:ext cx="11274552" cy="640080"/>
+            <a:off x="457200" y="731520"/>
+            <a:ext cx="11274552" cy="548640"/>
           </a:xfrm>
           <a:prstGeom prst="rect">
             <a:avLst/>
@@ -9931,8 +10499,8 @@
         </p:nvSpPr>
         <p:spPr>
           <a:xfrm>
-            <a:off x="457200" y="1097280"/>
-            <a:ext cx="11274552" cy="5303520"/>
+            <a:off x="457200" y="1463040"/>
+            <a:ext cx="11274552" cy="4937760"/>
           </a:xfrm>
           <a:prstGeom prst="rect">
             <a:avLst/>
@@ -9947,9 +10515,9 @@
           <a:p>
             <a:pPr>
               <a:spcAft>
-                <a:spcPts val="400"/>
-              </a:spcAft>
-              <a:defRPr sz="1600" b="1">
+                <a:spcPts val="300"/>
+              </a:spcAft>
+              <a:defRPr sz="1500" b="1">
                 <a:solidFill>
                   <a:srgbClr val="0046A0"/>
                 </a:solidFill>
@@ -9966,19 +10534,19 @@
           <a:p>
             <a:pPr>
               <a:spcAft>
-                <a:spcPts val="400"/>
-              </a:spcAft>
-              <a:defRPr sz="1400">
-                <a:latin typeface="WenQuanYi Zen Hei"/>
-              </a:defRPr>
-            </a:pPr>
-          </a:p>
-          <a:p>
-            <a:pPr>
-              <a:spcAft>
-                <a:spcPts val="400"/>
-              </a:spcAft>
-              <a:defRPr sz="1600" b="1">
+                <a:spcPts val="300"/>
+              </a:spcAft>
+              <a:defRPr sz="1300">
+                <a:latin typeface="WenQuanYi Zen Hei"/>
+              </a:defRPr>
+            </a:pPr>
+          </a:p>
+          <a:p>
+            <a:pPr>
+              <a:spcAft>
+                <a:spcPts val="300"/>
+              </a:spcAft>
+              <a:defRPr sz="1500" b="1">
                 <a:solidFill>
                   <a:srgbClr val="0046A0"/>
                 </a:solidFill>
@@ -9995,9 +10563,9 @@
           <a:p>
             <a:pPr lvl="1">
               <a:spcAft>
-                <a:spcPts val="400"/>
-              </a:spcAft>
-              <a:defRPr sz="1300">
+                <a:spcPts val="300"/>
+              </a:spcAft>
+              <a:defRPr sz="1200">
                 <a:latin typeface="WenQuanYi Zen Hei"/>
               </a:defRPr>
             </a:pPr>
@@ -10011,9 +10579,9 @@
           <a:p>
             <a:pPr lvl="1">
               <a:spcAft>
-                <a:spcPts val="400"/>
-              </a:spcAft>
-              <a:defRPr sz="1300">
+                <a:spcPts val="300"/>
+              </a:spcAft>
+              <a:defRPr sz="1200">
                 <a:latin typeface="WenQuanYi Zen Hei"/>
               </a:defRPr>
             </a:pPr>
@@ -10027,9 +10595,9 @@
           <a:p>
             <a:pPr lvl="1">
               <a:spcAft>
-                <a:spcPts val="400"/>
-              </a:spcAft>
-              <a:defRPr sz="1300">
+                <a:spcPts val="300"/>
+              </a:spcAft>
+              <a:defRPr sz="1200">
                 <a:latin typeface="WenQuanYi Zen Hei"/>
               </a:defRPr>
             </a:pPr>
@@ -10043,9 +10611,9 @@
           <a:p>
             <a:pPr lvl="1">
               <a:spcAft>
-                <a:spcPts val="400"/>
-              </a:spcAft>
-              <a:defRPr sz="1300">
+                <a:spcPts val="300"/>
+              </a:spcAft>
+              <a:defRPr sz="1200">
                 <a:latin typeface="WenQuanYi Zen Hei"/>
               </a:defRPr>
             </a:pPr>
@@ -10059,19 +10627,19 @@
           <a:p>
             <a:pPr>
               <a:spcAft>
-                <a:spcPts val="400"/>
-              </a:spcAft>
-              <a:defRPr sz="1400">
-                <a:latin typeface="WenQuanYi Zen Hei"/>
-              </a:defRPr>
-            </a:pPr>
-          </a:p>
-          <a:p>
-            <a:pPr>
-              <a:spcAft>
-                <a:spcPts val="400"/>
-              </a:spcAft>
-              <a:defRPr sz="1600" b="1">
+                <a:spcPts val="300"/>
+              </a:spcAft>
+              <a:defRPr sz="1300">
+                <a:latin typeface="WenQuanYi Zen Hei"/>
+              </a:defRPr>
+            </a:pPr>
+          </a:p>
+          <a:p>
+            <a:pPr>
+              <a:spcAft>
+                <a:spcPts val="300"/>
+              </a:spcAft>
+              <a:defRPr sz="1500" b="1">
                 <a:solidFill>
                   <a:srgbClr val="0046A0"/>
                 </a:solidFill>
@@ -10088,9 +10656,9 @@
           <a:p>
             <a:pPr lvl="1">
               <a:spcAft>
-                <a:spcPts val="400"/>
-              </a:spcAft>
-              <a:defRPr sz="1300">
+                <a:spcPts val="300"/>
+              </a:spcAft>
+              <a:defRPr sz="1200">
                 <a:latin typeface="WenQuanYi Zen Hei"/>
               </a:defRPr>
             </a:pPr>
@@ -10104,9 +10672,9 @@
           <a:p>
             <a:pPr lvl="1">
               <a:spcAft>
-                <a:spcPts val="400"/>
-              </a:spcAft>
-              <a:defRPr sz="1300">
+                <a:spcPts val="300"/>
+              </a:spcAft>
+              <a:defRPr sz="1200">
                 <a:latin typeface="WenQuanYi Zen Hei"/>
               </a:defRPr>
             </a:pPr>
@@ -10120,9 +10688,9 @@
           <a:p>
             <a:pPr lvl="1">
               <a:spcAft>
-                <a:spcPts val="400"/>
-              </a:spcAft>
-              <a:defRPr sz="1300">
+                <a:spcPts val="300"/>
+              </a:spcAft>
+              <a:defRPr sz="1200">
                 <a:latin typeface="WenQuanYi Zen Hei"/>
               </a:defRPr>
             </a:pPr>
@@ -10136,9 +10704,9 @@
           <a:p>
             <a:pPr lvl="1">
               <a:spcAft>
-                <a:spcPts val="400"/>
-              </a:spcAft>
-              <a:defRPr sz="1300">
+                <a:spcPts val="300"/>
+              </a:spcAft>
+              <a:defRPr sz="1200">
                 <a:latin typeface="WenQuanYi Zen Hei"/>
               </a:defRPr>
             </a:pPr>
@@ -10152,19 +10720,19 @@
           <a:p>
             <a:pPr>
               <a:spcAft>
-                <a:spcPts val="400"/>
-              </a:spcAft>
-              <a:defRPr sz="1400">
-                <a:latin typeface="WenQuanYi Zen Hei"/>
-              </a:defRPr>
-            </a:pPr>
-          </a:p>
-          <a:p>
-            <a:pPr>
-              <a:spcAft>
-                <a:spcPts val="400"/>
-              </a:spcAft>
-              <a:defRPr sz="1600" b="1">
+                <a:spcPts val="300"/>
+              </a:spcAft>
+              <a:defRPr sz="1300">
+                <a:latin typeface="WenQuanYi Zen Hei"/>
+              </a:defRPr>
+            </a:pPr>
+          </a:p>
+          <a:p>
+            <a:pPr>
+              <a:spcAft>
+                <a:spcPts val="300"/>
+              </a:spcAft>
+              <a:defRPr sz="1500" b="1">
                 <a:solidFill>
                   <a:srgbClr val="0046A0"/>
                 </a:solidFill>
@@ -10181,9 +10749,9 @@
           <a:p>
             <a:pPr lvl="1">
               <a:spcAft>
-                <a:spcPts val="400"/>
-              </a:spcAft>
-              <a:defRPr sz="1300">
+                <a:spcPts val="300"/>
+              </a:spcAft>
+              <a:defRPr sz="1200">
                 <a:latin typeface="WenQuanYi Zen Hei"/>
               </a:defRPr>
             </a:pPr>
@@ -10197,9 +10765,9 @@
           <a:p>
             <a:pPr lvl="1">
               <a:spcAft>
-                <a:spcPts val="400"/>
-              </a:spcAft>
-              <a:defRPr sz="1300">
+                <a:spcPts val="300"/>
+              </a:spcAft>
+              <a:defRPr sz="1200">
                 <a:latin typeface="WenQuanYi Zen Hei"/>
               </a:defRPr>
             </a:pPr>
@@ -10213,9 +10781,9 @@
           <a:p>
             <a:pPr lvl="1">
               <a:spcAft>
-                <a:spcPts val="400"/>
-              </a:spcAft>
-              <a:defRPr sz="1300">
+                <a:spcPts val="300"/>
+              </a:spcAft>
+              <a:defRPr sz="1200">
                 <a:latin typeface="WenQuanYi Zen Hei"/>
               </a:defRPr>
             </a:pPr>
@@ -10229,9 +10797,9 @@
           <a:p>
             <a:pPr lvl="1">
               <a:spcAft>
-                <a:spcPts val="400"/>
-              </a:spcAft>
-              <a:defRPr sz="1300">
+                <a:spcPts val="300"/>
+              </a:spcAft>
+              <a:defRPr sz="1200">
                 <a:latin typeface="WenQuanYi Zen Hei"/>
               </a:defRPr>
             </a:pPr>
@@ -10270,8 +10838,8 @@
         </p:nvSpPr>
         <p:spPr>
           <a:xfrm>
-            <a:off x="457200" y="274320"/>
-            <a:ext cx="11274552" cy="640080"/>
+            <a:off x="457200" y="731520"/>
+            <a:ext cx="11274552" cy="548640"/>
           </a:xfrm>
           <a:prstGeom prst="rect">
             <a:avLst/>
@@ -10309,8 +10877,8 @@
         </p:nvSpPr>
         <p:spPr>
           <a:xfrm>
-            <a:off x="457200" y="1097280"/>
-            <a:ext cx="11274552" cy="5303520"/>
+            <a:off x="457200" y="1463040"/>
+            <a:ext cx="11274552" cy="4937760"/>
           </a:xfrm>
           <a:prstGeom prst="rect">
             <a:avLst/>
@@ -10325,9 +10893,9 @@
           <a:p>
             <a:pPr>
               <a:spcAft>
-                <a:spcPts val="400"/>
-              </a:spcAft>
-              <a:defRPr sz="1600" b="1">
+                <a:spcPts val="300"/>
+              </a:spcAft>
+              <a:defRPr sz="1500" b="1">
                 <a:solidFill>
                   <a:srgbClr val="0046A0"/>
                 </a:solidFill>
@@ -10344,9 +10912,9 @@
           <a:p>
             <a:pPr lvl="1">
               <a:spcAft>
-                <a:spcPts val="400"/>
-              </a:spcAft>
-              <a:defRPr sz="1300">
+                <a:spcPts val="300"/>
+              </a:spcAft>
+              <a:defRPr sz="1200">
                 <a:latin typeface="WenQuanYi Zen Hei"/>
               </a:defRPr>
             </a:pPr>
@@ -10360,9 +10928,9 @@
           <a:p>
             <a:pPr lvl="1">
               <a:spcAft>
-                <a:spcPts val="400"/>
-              </a:spcAft>
-              <a:defRPr sz="1300">
+                <a:spcPts val="300"/>
+              </a:spcAft>
+              <a:defRPr sz="1200">
                 <a:latin typeface="WenQuanYi Zen Hei"/>
               </a:defRPr>
             </a:pPr>
@@ -10376,9 +10944,9 @@
           <a:p>
             <a:pPr lvl="1">
               <a:spcAft>
-                <a:spcPts val="400"/>
-              </a:spcAft>
-              <a:defRPr sz="1300">
+                <a:spcPts val="300"/>
+              </a:spcAft>
+              <a:defRPr sz="1200">
                 <a:latin typeface="WenQuanYi Zen Hei"/>
               </a:defRPr>
             </a:pPr>
@@ -10392,9 +10960,9 @@
           <a:p>
             <a:pPr lvl="1">
               <a:spcAft>
-                <a:spcPts val="400"/>
-              </a:spcAft>
-              <a:defRPr sz="1300">
+                <a:spcPts val="300"/>
+              </a:spcAft>
+              <a:defRPr sz="1200">
                 <a:latin typeface="WenQuanYi Zen Hei"/>
               </a:defRPr>
             </a:pPr>
@@ -10408,19 +10976,19 @@
           <a:p>
             <a:pPr>
               <a:spcAft>
-                <a:spcPts val="400"/>
-              </a:spcAft>
-              <a:defRPr sz="1400">
-                <a:latin typeface="WenQuanYi Zen Hei"/>
-              </a:defRPr>
-            </a:pPr>
-          </a:p>
-          <a:p>
-            <a:pPr>
-              <a:spcAft>
-                <a:spcPts val="400"/>
-              </a:spcAft>
-              <a:defRPr sz="1600" b="1">
+                <a:spcPts val="300"/>
+              </a:spcAft>
+              <a:defRPr sz="1300">
+                <a:latin typeface="WenQuanYi Zen Hei"/>
+              </a:defRPr>
+            </a:pPr>
+          </a:p>
+          <a:p>
+            <a:pPr>
+              <a:spcAft>
+                <a:spcPts val="300"/>
+              </a:spcAft>
+              <a:defRPr sz="1500" b="1">
                 <a:solidFill>
                   <a:srgbClr val="0046A0"/>
                 </a:solidFill>
@@ -10437,9 +11005,9 @@
           <a:p>
             <a:pPr lvl="1">
               <a:spcAft>
-                <a:spcPts val="400"/>
-              </a:spcAft>
-              <a:defRPr sz="1300">
+                <a:spcPts val="300"/>
+              </a:spcAft>
+              <a:defRPr sz="1200">
                 <a:latin typeface="WenQuanYi Zen Hei"/>
               </a:defRPr>
             </a:pPr>
@@ -10453,9 +11021,9 @@
           <a:p>
             <a:pPr lvl="1">
               <a:spcAft>
-                <a:spcPts val="400"/>
-              </a:spcAft>
-              <a:defRPr sz="1300">
+                <a:spcPts val="300"/>
+              </a:spcAft>
+              <a:defRPr sz="1200">
                 <a:latin typeface="WenQuanYi Zen Hei"/>
               </a:defRPr>
             </a:pPr>
@@ -10469,9 +11037,9 @@
           <a:p>
             <a:pPr lvl="1">
               <a:spcAft>
-                <a:spcPts val="400"/>
-              </a:spcAft>
-              <a:defRPr sz="1300">
+                <a:spcPts val="300"/>
+              </a:spcAft>
+              <a:defRPr sz="1200">
                 <a:latin typeface="WenQuanYi Zen Hei"/>
               </a:defRPr>
             </a:pPr>
@@ -10485,9 +11053,9 @@
           <a:p>
             <a:pPr lvl="1">
               <a:spcAft>
-                <a:spcPts val="400"/>
-              </a:spcAft>
-              <a:defRPr sz="1300">
+                <a:spcPts val="300"/>
+              </a:spcAft>
+              <a:defRPr sz="1200">
                 <a:latin typeface="WenQuanYi Zen Hei"/>
               </a:defRPr>
             </a:pPr>
@@ -10501,19 +11069,19 @@
           <a:p>
             <a:pPr>
               <a:spcAft>
-                <a:spcPts val="400"/>
-              </a:spcAft>
-              <a:defRPr sz="1400">
-                <a:latin typeface="WenQuanYi Zen Hei"/>
-              </a:defRPr>
-            </a:pPr>
-          </a:p>
-          <a:p>
-            <a:pPr>
-              <a:spcAft>
-                <a:spcPts val="400"/>
-              </a:spcAft>
-              <a:defRPr sz="1600" b="1">
+                <a:spcPts val="300"/>
+              </a:spcAft>
+              <a:defRPr sz="1300">
+                <a:latin typeface="WenQuanYi Zen Hei"/>
+              </a:defRPr>
+            </a:pPr>
+          </a:p>
+          <a:p>
+            <a:pPr>
+              <a:spcAft>
+                <a:spcPts val="300"/>
+              </a:spcAft>
+              <a:defRPr sz="1500" b="1">
                 <a:solidFill>
                   <a:srgbClr val="0046A0"/>
                 </a:solidFill>
@@ -10530,9 +11098,9 @@
           <a:p>
             <a:pPr lvl="1">
               <a:spcAft>
-                <a:spcPts val="400"/>
-              </a:spcAft>
-              <a:defRPr sz="1300">
+                <a:spcPts val="300"/>
+              </a:spcAft>
+              <a:defRPr sz="1200">
                 <a:latin typeface="WenQuanYi Zen Hei"/>
               </a:defRPr>
             </a:pPr>
@@ -10546,9 +11114,9 @@
           <a:p>
             <a:pPr lvl="1">
               <a:spcAft>
-                <a:spcPts val="400"/>
-              </a:spcAft>
-              <a:defRPr sz="1300">
+                <a:spcPts val="300"/>
+              </a:spcAft>
+              <a:defRPr sz="1200">
                 <a:latin typeface="WenQuanYi Zen Hei"/>
               </a:defRPr>
             </a:pPr>
@@ -10562,9 +11130,9 @@
           <a:p>
             <a:pPr lvl="1">
               <a:spcAft>
-                <a:spcPts val="400"/>
-              </a:spcAft>
-              <a:defRPr sz="1300">
+                <a:spcPts val="300"/>
+              </a:spcAft>
+              <a:defRPr sz="1200">
                 <a:latin typeface="WenQuanYi Zen Hei"/>
               </a:defRPr>
             </a:pPr>
@@ -10578,9 +11146,9 @@
           <a:p>
             <a:pPr lvl="1">
               <a:spcAft>
-                <a:spcPts val="400"/>
-              </a:spcAft>
-              <a:defRPr sz="1300">
+                <a:spcPts val="300"/>
+              </a:spcAft>
+              <a:defRPr sz="1200">
                 <a:latin typeface="WenQuanYi Zen Hei"/>
               </a:defRPr>
             </a:pPr>
@@ -10619,8 +11187,8 @@
         </p:nvSpPr>
         <p:spPr>
           <a:xfrm>
-            <a:off x="457200" y="274320"/>
-            <a:ext cx="11274552" cy="640080"/>
+            <a:off x="457200" y="731520"/>
+            <a:ext cx="11274552" cy="548640"/>
           </a:xfrm>
           <a:prstGeom prst="rect">
             <a:avLst/>
@@ -10658,8 +11226,8 @@
         </p:nvSpPr>
         <p:spPr>
           <a:xfrm>
-            <a:off x="457200" y="1097280"/>
-            <a:ext cx="11274552" cy="5303520"/>
+            <a:off x="457200" y="1463040"/>
+            <a:ext cx="5486400" cy="4937760"/>
           </a:xfrm>
           <a:prstGeom prst="rect">
             <a:avLst/>
@@ -10674,9 +11242,9 @@
           <a:p>
             <a:pPr>
               <a:spcAft>
-                <a:spcPts val="400"/>
-              </a:spcAft>
-              <a:defRPr sz="1600" b="1">
+                <a:spcPts val="300"/>
+              </a:spcAft>
+              <a:defRPr sz="1400" b="1">
                 <a:solidFill>
                   <a:srgbClr val="0046A0"/>
                 </a:solidFill>
@@ -10693,9 +11261,9 @@
           <a:p>
             <a:pPr>
               <a:spcAft>
-                <a:spcPts val="400"/>
-              </a:spcAft>
-              <a:defRPr sz="1400">
+                <a:spcPts val="300"/>
+              </a:spcAft>
+              <a:defRPr sz="1200">
                 <a:latin typeface="WenQuanYi Zen Hei"/>
               </a:defRPr>
             </a:pPr>
@@ -10709,9 +11277,9 @@
           <a:p>
             <a:pPr>
               <a:spcAft>
-                <a:spcPts val="400"/>
-              </a:spcAft>
-              <a:defRPr sz="1400">
+                <a:spcPts val="300"/>
+              </a:spcAft>
+              <a:defRPr sz="1200">
                 <a:latin typeface="WenQuanYi Zen Hei"/>
               </a:defRPr>
             </a:pPr>
@@ -10725,9 +11293,9 @@
           <a:p>
             <a:pPr>
               <a:spcAft>
-                <a:spcPts val="400"/>
-              </a:spcAft>
-              <a:defRPr sz="1400">
+                <a:spcPts val="300"/>
+              </a:spcAft>
+              <a:defRPr sz="1200">
                 <a:latin typeface="WenQuanYi Zen Hei"/>
               </a:defRPr>
             </a:pPr>
@@ -10741,9 +11309,9 @@
           <a:p>
             <a:pPr>
               <a:spcAft>
-                <a:spcPts val="400"/>
-              </a:spcAft>
-              <a:defRPr sz="1400">
+                <a:spcPts val="300"/>
+              </a:spcAft>
+              <a:defRPr sz="1200">
                 <a:latin typeface="WenQuanYi Zen Hei"/>
               </a:defRPr>
             </a:pPr>
@@ -10757,9 +11325,9 @@
           <a:p>
             <a:pPr>
               <a:spcAft>
-                <a:spcPts val="400"/>
-              </a:spcAft>
-              <a:defRPr sz="1400">
+                <a:spcPts val="300"/>
+              </a:spcAft>
+              <a:defRPr sz="1200">
                 <a:latin typeface="WenQuanYi Zen Hei"/>
               </a:defRPr>
             </a:pPr>
@@ -10773,19 +11341,19 @@
           <a:p>
             <a:pPr>
               <a:spcAft>
-                <a:spcPts val="400"/>
-              </a:spcAft>
-              <a:defRPr sz="1400">
-                <a:latin typeface="WenQuanYi Zen Hei"/>
-              </a:defRPr>
-            </a:pPr>
-          </a:p>
-          <a:p>
-            <a:pPr>
-              <a:spcAft>
-                <a:spcPts val="400"/>
-              </a:spcAft>
-              <a:defRPr sz="1600" b="1">
+                <a:spcPts val="300"/>
+              </a:spcAft>
+              <a:defRPr sz="1200">
+                <a:latin typeface="WenQuanYi Zen Hei"/>
+              </a:defRPr>
+            </a:pPr>
+          </a:p>
+          <a:p>
+            <a:pPr>
+              <a:spcAft>
+                <a:spcPts val="300"/>
+              </a:spcAft>
+              <a:defRPr sz="1400" b="1">
                 <a:solidFill>
                   <a:srgbClr val="0046A0"/>
                 </a:solidFill>
@@ -10802,9 +11370,9 @@
           <a:p>
             <a:pPr>
               <a:spcAft>
-                <a:spcPts val="400"/>
-              </a:spcAft>
-              <a:defRPr sz="1400">
+                <a:spcPts val="300"/>
+              </a:spcAft>
+              <a:defRPr sz="1200">
                 <a:latin typeface="WenQuanYi Zen Hei"/>
               </a:defRPr>
             </a:pPr>
@@ -10818,9 +11386,9 @@
           <a:p>
             <a:pPr>
               <a:spcAft>
-                <a:spcPts val="400"/>
-              </a:spcAft>
-              <a:defRPr sz="1400">
+                <a:spcPts val="300"/>
+              </a:spcAft>
+              <a:defRPr sz="1200">
                 <a:latin typeface="WenQuanYi Zen Hei"/>
               </a:defRPr>
             </a:pPr>
@@ -10834,9 +11402,9 @@
           <a:p>
             <a:pPr>
               <a:spcAft>
-                <a:spcPts val="400"/>
-              </a:spcAft>
-              <a:defRPr sz="1400">
+                <a:spcPts val="300"/>
+              </a:spcAft>
+              <a:defRPr sz="1200">
                 <a:latin typeface="WenQuanYi Zen Hei"/>
               </a:defRPr>
             </a:pPr>
@@ -10850,9 +11418,9 @@
           <a:p>
             <a:pPr>
               <a:spcAft>
-                <a:spcPts val="400"/>
-              </a:spcAft>
-              <a:defRPr sz="1400">
+                <a:spcPts val="300"/>
+              </a:spcAft>
+              <a:defRPr sz="1200">
                 <a:latin typeface="WenQuanYi Zen Hei"/>
               </a:defRPr>
             </a:pPr>
@@ -10866,9 +11434,9 @@
           <a:p>
             <a:pPr>
               <a:spcAft>
-                <a:spcPts val="400"/>
-              </a:spcAft>
-              <a:defRPr sz="1400">
+                <a:spcPts val="300"/>
+              </a:spcAft>
+              <a:defRPr sz="1200">
                 <a:latin typeface="WenQuanYi Zen Hei"/>
               </a:defRPr>
             </a:pPr>
@@ -10882,19 +11450,19 @@
           <a:p>
             <a:pPr>
               <a:spcAft>
-                <a:spcPts val="400"/>
-              </a:spcAft>
-              <a:defRPr sz="1400">
-                <a:latin typeface="WenQuanYi Zen Hei"/>
-              </a:defRPr>
-            </a:pPr>
-          </a:p>
-          <a:p>
-            <a:pPr>
-              <a:spcAft>
-                <a:spcPts val="400"/>
-              </a:spcAft>
-              <a:defRPr sz="1600" b="1">
+                <a:spcPts val="300"/>
+              </a:spcAft>
+              <a:defRPr sz="1200">
+                <a:latin typeface="WenQuanYi Zen Hei"/>
+              </a:defRPr>
+            </a:pPr>
+          </a:p>
+          <a:p>
+            <a:pPr>
+              <a:spcAft>
+                <a:spcPts val="300"/>
+              </a:spcAft>
+              <a:defRPr sz="1400" b="1">
                 <a:solidFill>
                   <a:srgbClr val="0046A0"/>
                 </a:solidFill>
@@ -10911,9 +11479,9 @@
           <a:p>
             <a:pPr>
               <a:spcAft>
-                <a:spcPts val="400"/>
-              </a:spcAft>
-              <a:defRPr sz="1400">
+                <a:spcPts val="300"/>
+              </a:spcAft>
+              <a:defRPr sz="1200">
                 <a:latin typeface="WenQuanYi Zen Hei"/>
               </a:defRPr>
             </a:pPr>
@@ -10927,9 +11495,9 @@
           <a:p>
             <a:pPr>
               <a:spcAft>
-                <a:spcPts val="400"/>
-              </a:spcAft>
-              <a:defRPr sz="1400">
+                <a:spcPts val="300"/>
+              </a:spcAft>
+              <a:defRPr sz="1200">
                 <a:latin typeface="WenQuanYi Zen Hei"/>
               </a:defRPr>
             </a:pPr>
@@ -10943,9 +11511,9 @@
           <a:p>
             <a:pPr>
               <a:spcAft>
-                <a:spcPts val="400"/>
-              </a:spcAft>
-              <a:defRPr sz="1400">
+                <a:spcPts val="300"/>
+              </a:spcAft>
+              <a:defRPr sz="1200">
                 <a:latin typeface="WenQuanYi Zen Hei"/>
               </a:defRPr>
             </a:pPr>
@@ -10954,6 +11522,226 @@
                 <a:latin typeface="WenQuanYi Zen Hei"/>
               </a:rPr>
               <a:t>• 高安全性：数据加密、权限控制</a:t>
+            </a:r>
+          </a:p>
+        </p:txBody>
+      </p:sp>
+      <p:sp>
+        <p:nvSpPr>
+          <p:cNvPr id="4" name="Rounded Rectangle 3"/>
+          <p:cNvSpPr/>
+          <p:nvPr/>
+        </p:nvSpPr>
+        <p:spPr>
+          <a:xfrm>
+            <a:off x="6858000" y="2286000"/>
+            <a:ext cx="4572000" cy="822960"/>
+          </a:xfrm>
+          <a:prstGeom prst="roundRect">
+            <a:avLst/>
+          </a:prstGeom>
+          <a:solidFill>
+            <a:srgbClr val="ADD8E6"/>
+          </a:solidFill>
+          <a:ln w="25400">
+            <a:solidFill>
+              <a:srgbClr val="0046A0"/>
+            </a:solidFill>
+          </a:ln>
+        </p:spPr>
+        <p:style>
+          <a:lnRef idx="1">
+            <a:schemeClr val="accent1"/>
+          </a:lnRef>
+          <a:fillRef idx="3">
+            <a:schemeClr val="accent1"/>
+          </a:fillRef>
+          <a:effectRef idx="2">
+            <a:schemeClr val="accent1"/>
+          </a:effectRef>
+          <a:fontRef idx="minor">
+            <a:schemeClr val="lt1"/>
+          </a:fontRef>
+        </p:style>
+        <p:txBody>
+          <a:bodyPr rtlCol="0" anchor="ctr"/>
+          <a:lstStyle/>
+          <a:p>
+            <a:pPr algn="ctr">
+              <a:defRPr sz="1200" b="1">
+                <a:latin typeface="WenQuanYi Zen Hei"/>
+              </a:defRPr>
+            </a:pPr>
+            <a:r>
+              <a:rPr>
+                <a:latin typeface="WenQuanYi Zen Hei"/>
+              </a:rPr>
+              <a:t>前端层</a:t>
+            </a:r>
+          </a:p>
+        </p:txBody>
+      </p:sp>
+      <p:sp>
+        <p:nvSpPr>
+          <p:cNvPr id="5" name="Rounded Rectangle 4"/>
+          <p:cNvSpPr/>
+          <p:nvPr/>
+        </p:nvSpPr>
+        <p:spPr>
+          <a:xfrm>
+            <a:off x="6858000" y="3291840"/>
+            <a:ext cx="4572000" cy="822960"/>
+          </a:xfrm>
+          <a:prstGeom prst="roundRect">
+            <a:avLst/>
+          </a:prstGeom>
+          <a:solidFill>
+            <a:srgbClr val="90EE90"/>
+          </a:solidFill>
+          <a:ln w="25400">
+            <a:solidFill>
+              <a:srgbClr val="0046A0"/>
+            </a:solidFill>
+          </a:ln>
+        </p:spPr>
+        <p:style>
+          <a:lnRef idx="1">
+            <a:schemeClr val="accent1"/>
+          </a:lnRef>
+          <a:fillRef idx="3">
+            <a:schemeClr val="accent1"/>
+          </a:fillRef>
+          <a:effectRef idx="2">
+            <a:schemeClr val="accent1"/>
+          </a:effectRef>
+          <a:fontRef idx="minor">
+            <a:schemeClr val="lt1"/>
+          </a:fontRef>
+        </p:style>
+        <p:txBody>
+          <a:bodyPr rtlCol="0" anchor="ctr"/>
+          <a:lstStyle/>
+          <a:p>
+            <a:pPr algn="ctr">
+              <a:defRPr sz="1200" b="1">
+                <a:latin typeface="WenQuanYi Zen Hei"/>
+              </a:defRPr>
+            </a:pPr>
+            <a:r>
+              <a:rPr>
+                <a:latin typeface="WenQuanYi Zen Hei"/>
+              </a:rPr>
+              <a:t>业务层</a:t>
+            </a:r>
+          </a:p>
+        </p:txBody>
+      </p:sp>
+      <p:sp>
+        <p:nvSpPr>
+          <p:cNvPr id="6" name="Rounded Rectangle 5"/>
+          <p:cNvSpPr/>
+          <p:nvPr/>
+        </p:nvSpPr>
+        <p:spPr>
+          <a:xfrm>
+            <a:off x="6858000" y="4297680"/>
+            <a:ext cx="4572000" cy="822960"/>
+          </a:xfrm>
+          <a:prstGeom prst="roundRect">
+            <a:avLst/>
+          </a:prstGeom>
+          <a:solidFill>
+            <a:srgbClr val="FFDAB9"/>
+          </a:solidFill>
+          <a:ln w="25400">
+            <a:solidFill>
+              <a:srgbClr val="0046A0"/>
+            </a:solidFill>
+          </a:ln>
+        </p:spPr>
+        <p:style>
+          <a:lnRef idx="1">
+            <a:schemeClr val="accent1"/>
+          </a:lnRef>
+          <a:fillRef idx="3">
+            <a:schemeClr val="accent1"/>
+          </a:fillRef>
+          <a:effectRef idx="2">
+            <a:schemeClr val="accent1"/>
+          </a:effectRef>
+          <a:fontRef idx="minor">
+            <a:schemeClr val="lt1"/>
+          </a:fontRef>
+        </p:style>
+        <p:txBody>
+          <a:bodyPr rtlCol="0" anchor="ctr"/>
+          <a:lstStyle/>
+          <a:p>
+            <a:pPr algn="ctr">
+              <a:defRPr sz="1200" b="1">
+                <a:latin typeface="WenQuanYi Zen Hei"/>
+              </a:defRPr>
+            </a:pPr>
+            <a:r>
+              <a:rPr>
+                <a:latin typeface="WenQuanYi Zen Hei"/>
+              </a:rPr>
+              <a:t>数据层</a:t>
+            </a:r>
+          </a:p>
+        </p:txBody>
+      </p:sp>
+      <p:sp>
+        <p:nvSpPr>
+          <p:cNvPr id="7" name="Rounded Rectangle 6"/>
+          <p:cNvSpPr/>
+          <p:nvPr/>
+        </p:nvSpPr>
+        <p:spPr>
+          <a:xfrm>
+            <a:off x="6858000" y="5303520"/>
+            <a:ext cx="4572000" cy="822960"/>
+          </a:xfrm>
+          <a:prstGeom prst="roundRect">
+            <a:avLst/>
+          </a:prstGeom>
+          <a:solidFill>
+            <a:srgbClr val="DDA0DD"/>
+          </a:solidFill>
+          <a:ln w="25400">
+            <a:solidFill>
+              <a:srgbClr val="0046A0"/>
+            </a:solidFill>
+          </a:ln>
+        </p:spPr>
+        <p:style>
+          <a:lnRef idx="1">
+            <a:schemeClr val="accent1"/>
+          </a:lnRef>
+          <a:fillRef idx="3">
+            <a:schemeClr val="accent1"/>
+          </a:fillRef>
+          <a:effectRef idx="2">
+            <a:schemeClr val="accent1"/>
+          </a:effectRef>
+          <a:fontRef idx="minor">
+            <a:schemeClr val="lt1"/>
+          </a:fontRef>
+        </p:style>
+        <p:txBody>
+          <a:bodyPr rtlCol="0" anchor="ctr"/>
+          <a:lstStyle/>
+          <a:p>
+            <a:pPr algn="ctr">
+              <a:defRPr sz="1200" b="1">
+                <a:latin typeface="WenQuanYi Zen Hei"/>
+              </a:defRPr>
+            </a:pPr>
+            <a:r>
+              <a:rPr>
+                <a:latin typeface="WenQuanYi Zen Hei"/>
+              </a:rPr>
+              <a:t>基础层</a:t>
             </a:r>
           </a:p>
         </p:txBody>
@@ -10984,8 +11772,8 @@
         </p:nvSpPr>
         <p:spPr>
           <a:xfrm>
-            <a:off x="457200" y="274320"/>
-            <a:ext cx="11274552" cy="640080"/>
+            <a:off x="457200" y="731520"/>
+            <a:ext cx="11274552" cy="548640"/>
           </a:xfrm>
           <a:prstGeom prst="rect">
             <a:avLst/>
@@ -11023,8 +11811,8 @@
         </p:nvSpPr>
         <p:spPr>
           <a:xfrm>
-            <a:off x="457200" y="1097280"/>
-            <a:ext cx="11274552" cy="5303520"/>
+            <a:off x="457200" y="1463040"/>
+            <a:ext cx="11274552" cy="4937760"/>
           </a:xfrm>
           <a:prstGeom prst="rect">
             <a:avLst/>
@@ -11039,9 +11827,9 @@
           <a:p>
             <a:pPr>
               <a:spcAft>
-                <a:spcPts val="400"/>
-              </a:spcAft>
-              <a:defRPr sz="1600" b="1">
+                <a:spcPts val="300"/>
+              </a:spcAft>
+              <a:defRPr sz="1500" b="1">
                 <a:solidFill>
                   <a:srgbClr val="0046A0"/>
                 </a:solidFill>
@@ -11058,9 +11846,9 @@
           <a:p>
             <a:pPr>
               <a:spcAft>
-                <a:spcPts val="400"/>
-              </a:spcAft>
-              <a:defRPr sz="1400">
+                <a:spcPts val="300"/>
+              </a:spcAft>
+              <a:defRPr sz="1300">
                 <a:latin typeface="WenQuanYi Zen Hei"/>
               </a:defRPr>
             </a:pPr>
@@ -11074,9 +11862,9 @@
           <a:p>
             <a:pPr>
               <a:spcAft>
-                <a:spcPts val="400"/>
-              </a:spcAft>
-              <a:defRPr sz="1400">
+                <a:spcPts val="300"/>
+              </a:spcAft>
+              <a:defRPr sz="1300">
                 <a:latin typeface="WenQuanYi Zen Hei"/>
               </a:defRPr>
             </a:pPr>
@@ -11090,9 +11878,9 @@
           <a:p>
             <a:pPr>
               <a:spcAft>
-                <a:spcPts val="400"/>
-              </a:spcAft>
-              <a:defRPr sz="1400">
+                <a:spcPts val="300"/>
+              </a:spcAft>
+              <a:defRPr sz="1300">
                 <a:latin typeface="WenQuanYi Zen Hei"/>
               </a:defRPr>
             </a:pPr>
@@ -11106,9 +11894,9 @@
           <a:p>
             <a:pPr>
               <a:spcAft>
-                <a:spcPts val="400"/>
-              </a:spcAft>
-              <a:defRPr sz="1400">
+                <a:spcPts val="300"/>
+              </a:spcAft>
+              <a:defRPr sz="1300">
                 <a:latin typeface="WenQuanYi Zen Hei"/>
               </a:defRPr>
             </a:pPr>
@@ -11122,9 +11910,9 @@
           <a:p>
             <a:pPr>
               <a:spcAft>
-                <a:spcPts val="400"/>
-              </a:spcAft>
-              <a:defRPr sz="1400">
+                <a:spcPts val="300"/>
+              </a:spcAft>
+              <a:defRPr sz="1300">
                 <a:latin typeface="WenQuanYi Zen Hei"/>
               </a:defRPr>
             </a:pPr>
@@ -11138,19 +11926,19 @@
           <a:p>
             <a:pPr>
               <a:spcAft>
-                <a:spcPts val="400"/>
-              </a:spcAft>
-              <a:defRPr sz="1400">
-                <a:latin typeface="WenQuanYi Zen Hei"/>
-              </a:defRPr>
-            </a:pPr>
-          </a:p>
-          <a:p>
-            <a:pPr>
-              <a:spcAft>
-                <a:spcPts val="400"/>
-              </a:spcAft>
-              <a:defRPr sz="1600" b="1">
+                <a:spcPts val="300"/>
+              </a:spcAft>
+              <a:defRPr sz="1300">
+                <a:latin typeface="WenQuanYi Zen Hei"/>
+              </a:defRPr>
+            </a:pPr>
+          </a:p>
+          <a:p>
+            <a:pPr>
+              <a:spcAft>
+                <a:spcPts val="300"/>
+              </a:spcAft>
+              <a:defRPr sz="1500" b="1">
                 <a:solidFill>
                   <a:srgbClr val="0046A0"/>
                 </a:solidFill>
@@ -11167,9 +11955,9 @@
           <a:p>
             <a:pPr>
               <a:spcAft>
-                <a:spcPts val="400"/>
-              </a:spcAft>
-              <a:defRPr sz="1400">
+                <a:spcPts val="300"/>
+              </a:spcAft>
+              <a:defRPr sz="1300">
                 <a:latin typeface="WenQuanYi Zen Hei"/>
               </a:defRPr>
             </a:pPr>
@@ -11183,9 +11971,9 @@
           <a:p>
             <a:pPr>
               <a:spcAft>
-                <a:spcPts val="400"/>
-              </a:spcAft>
-              <a:defRPr sz="1400">
+                <a:spcPts val="300"/>
+              </a:spcAft>
+              <a:defRPr sz="1300">
                 <a:latin typeface="WenQuanYi Zen Hei"/>
               </a:defRPr>
             </a:pPr>
@@ -11199,9 +11987,9 @@
           <a:p>
             <a:pPr>
               <a:spcAft>
-                <a:spcPts val="400"/>
-              </a:spcAft>
-              <a:defRPr sz="1400">
+                <a:spcPts val="300"/>
+              </a:spcAft>
+              <a:defRPr sz="1300">
                 <a:latin typeface="WenQuanYi Zen Hei"/>
               </a:defRPr>
             </a:pPr>
@@ -11215,9 +12003,9 @@
           <a:p>
             <a:pPr>
               <a:spcAft>
-                <a:spcPts val="400"/>
-              </a:spcAft>
-              <a:defRPr sz="1400">
+                <a:spcPts val="300"/>
+              </a:spcAft>
+              <a:defRPr sz="1300">
                 <a:latin typeface="WenQuanYi Zen Hei"/>
               </a:defRPr>
             </a:pPr>
@@ -11231,9 +12019,9 @@
           <a:p>
             <a:pPr>
               <a:spcAft>
-                <a:spcPts val="400"/>
-              </a:spcAft>
-              <a:defRPr sz="1400">
+                <a:spcPts val="300"/>
+              </a:spcAft>
+              <a:defRPr sz="1300">
                 <a:latin typeface="WenQuanYi Zen Hei"/>
               </a:defRPr>
             </a:pPr>
@@ -11247,9 +12035,9 @@
           <a:p>
             <a:pPr>
               <a:spcAft>
-                <a:spcPts val="400"/>
-              </a:spcAft>
-              <a:defRPr sz="1400">
+                <a:spcPts val="300"/>
+              </a:spcAft>
+              <a:defRPr sz="1300">
                 <a:latin typeface="WenQuanYi Zen Hei"/>
               </a:defRPr>
             </a:pPr>
@@ -11263,19 +12051,19 @@
           <a:p>
             <a:pPr>
               <a:spcAft>
-                <a:spcPts val="400"/>
-              </a:spcAft>
-              <a:defRPr sz="1400">
-                <a:latin typeface="WenQuanYi Zen Hei"/>
-              </a:defRPr>
-            </a:pPr>
-          </a:p>
-          <a:p>
-            <a:pPr>
-              <a:spcAft>
-                <a:spcPts val="400"/>
-              </a:spcAft>
-              <a:defRPr sz="1600" b="1">
+                <a:spcPts val="300"/>
+              </a:spcAft>
+              <a:defRPr sz="1300">
+                <a:latin typeface="WenQuanYi Zen Hei"/>
+              </a:defRPr>
+            </a:pPr>
+          </a:p>
+          <a:p>
+            <a:pPr>
+              <a:spcAft>
+                <a:spcPts val="300"/>
+              </a:spcAft>
+              <a:defRPr sz="1500" b="1">
                 <a:solidFill>
                   <a:srgbClr val="0046A0"/>
                 </a:solidFill>
@@ -11292,9 +12080,9 @@
           <a:p>
             <a:pPr>
               <a:spcAft>
-                <a:spcPts val="400"/>
-              </a:spcAft>
-              <a:defRPr sz="1400">
+                <a:spcPts val="300"/>
+              </a:spcAft>
+              <a:defRPr sz="1300">
                 <a:latin typeface="WenQuanYi Zen Hei"/>
               </a:defRPr>
             </a:pPr>
@@ -11308,9 +12096,9 @@
           <a:p>
             <a:pPr>
               <a:spcAft>
-                <a:spcPts val="400"/>
-              </a:spcAft>
-              <a:defRPr sz="1400">
+                <a:spcPts val="300"/>
+              </a:spcAft>
+              <a:defRPr sz="1300">
                 <a:latin typeface="WenQuanYi Zen Hei"/>
               </a:defRPr>
             </a:pPr>
@@ -11324,9 +12112,9 @@
           <a:p>
             <a:pPr>
               <a:spcAft>
-                <a:spcPts val="400"/>
-              </a:spcAft>
-              <a:defRPr sz="1400">
+                <a:spcPts val="300"/>
+              </a:spcAft>
+              <a:defRPr sz="1300">
                 <a:latin typeface="WenQuanYi Zen Hei"/>
               </a:defRPr>
             </a:pPr>
@@ -11340,9 +12128,9 @@
           <a:p>
             <a:pPr>
               <a:spcAft>
-                <a:spcPts val="400"/>
-              </a:spcAft>
-              <a:defRPr sz="1400">
+                <a:spcPts val="300"/>
+              </a:spcAft>
+              <a:defRPr sz="1300">
                 <a:latin typeface="WenQuanYi Zen Hei"/>
               </a:defRPr>
             </a:pPr>
@@ -11381,8 +12169,8 @@
         </p:nvSpPr>
         <p:spPr>
           <a:xfrm>
-            <a:off x="457200" y="274320"/>
-            <a:ext cx="11274552" cy="640080"/>
+            <a:off x="457200" y="731520"/>
+            <a:ext cx="11274552" cy="548640"/>
           </a:xfrm>
           <a:prstGeom prst="rect">
             <a:avLst/>
@@ -11420,8 +12208,8 @@
         </p:nvSpPr>
         <p:spPr>
           <a:xfrm>
-            <a:off x="457200" y="1097280"/>
-            <a:ext cx="11274552" cy="5303520"/>
+            <a:off x="457200" y="1463040"/>
+            <a:ext cx="11274552" cy="4937760"/>
           </a:xfrm>
           <a:prstGeom prst="rect">
             <a:avLst/>
@@ -11436,9 +12224,9 @@
           <a:p>
             <a:pPr>
               <a:spcAft>
-                <a:spcPts val="400"/>
-              </a:spcAft>
-              <a:defRPr sz="1600" b="1">
+                <a:spcPts val="300"/>
+              </a:spcAft>
+              <a:defRPr sz="1500" b="1">
                 <a:solidFill>
                   <a:srgbClr val="0046A0"/>
                 </a:solidFill>
@@ -11455,19 +12243,22 @@
           <a:p>
             <a:pPr>
               <a:spcAft>
-                <a:spcPts val="400"/>
-              </a:spcAft>
-              <a:defRPr sz="1400">
-                <a:latin typeface="WenQuanYi Zen Hei"/>
-              </a:defRPr>
-            </a:pPr>
-          </a:p>
-          <a:p>
-            <a:pPr>
-              <a:spcAft>
-                <a:spcPts val="400"/>
-              </a:spcAft>
-              <a:defRPr sz="1400">
+                <a:spcPts val="300"/>
+              </a:spcAft>
+              <a:defRPr sz="1300">
+                <a:latin typeface="WenQuanYi Zen Hei"/>
+              </a:defRPr>
+            </a:pPr>
+          </a:p>
+          <a:p>
+            <a:pPr>
+              <a:spcAft>
+                <a:spcPts val="300"/>
+              </a:spcAft>
+              <a:defRPr sz="1400" b="1">
+                <a:solidFill>
+                  <a:srgbClr val="FF8C00"/>
+                </a:solidFill>
                 <a:latin typeface="WenQuanYi Zen Hei"/>
               </a:defRPr>
             </a:pPr>
@@ -11481,9 +12272,9 @@
           <a:p>
             <a:pPr>
               <a:spcAft>
-                <a:spcPts val="400"/>
-              </a:spcAft>
-              <a:defRPr sz="1400">
+                <a:spcPts val="300"/>
+              </a:spcAft>
+              <a:defRPr sz="1300">
                 <a:latin typeface="WenQuanYi Zen Hei"/>
               </a:defRPr>
             </a:pPr>
@@ -11497,9 +12288,9 @@
           <a:p>
             <a:pPr>
               <a:spcAft>
-                <a:spcPts val="400"/>
-              </a:spcAft>
-              <a:defRPr sz="1400">
+                <a:spcPts val="300"/>
+              </a:spcAft>
+              <a:defRPr sz="1300">
                 <a:latin typeface="WenQuanYi Zen Hei"/>
               </a:defRPr>
             </a:pPr>
@@ -11513,9 +12304,9 @@
           <a:p>
             <a:pPr>
               <a:spcAft>
-                <a:spcPts val="400"/>
-              </a:spcAft>
-              <a:defRPr sz="1400">
+                <a:spcPts val="300"/>
+              </a:spcAft>
+              <a:defRPr sz="1300">
                 <a:latin typeface="WenQuanYi Zen Hei"/>
               </a:defRPr>
             </a:pPr>
@@ -11529,9 +12320,12 @@
           <a:p>
             <a:pPr>
               <a:spcAft>
-                <a:spcPts val="400"/>
-              </a:spcAft>
-              <a:defRPr sz="1400">
+                <a:spcPts val="300"/>
+              </a:spcAft>
+              <a:defRPr sz="1400" b="1">
+                <a:solidFill>
+                  <a:srgbClr val="FF8C00"/>
+                </a:solidFill>
                 <a:latin typeface="WenQuanYi Zen Hei"/>
               </a:defRPr>
             </a:pPr>
@@ -11545,9 +12339,9 @@
           <a:p>
             <a:pPr>
               <a:spcAft>
-                <a:spcPts val="400"/>
-              </a:spcAft>
-              <a:defRPr sz="1400">
+                <a:spcPts val="300"/>
+              </a:spcAft>
+              <a:defRPr sz="1300">
                 <a:latin typeface="WenQuanYi Zen Hei"/>
               </a:defRPr>
             </a:pPr>
@@ -11561,19 +12355,22 @@
           <a:p>
             <a:pPr>
               <a:spcAft>
-                <a:spcPts val="400"/>
-              </a:spcAft>
-              <a:defRPr sz="1400">
-                <a:latin typeface="WenQuanYi Zen Hei"/>
-              </a:defRPr>
-            </a:pPr>
-          </a:p>
-          <a:p>
-            <a:pPr>
-              <a:spcAft>
-                <a:spcPts val="400"/>
-              </a:spcAft>
-              <a:defRPr sz="1400">
+                <a:spcPts val="300"/>
+              </a:spcAft>
+              <a:defRPr sz="1300">
+                <a:latin typeface="WenQuanYi Zen Hei"/>
+              </a:defRPr>
+            </a:pPr>
+          </a:p>
+          <a:p>
+            <a:pPr>
+              <a:spcAft>
+                <a:spcPts val="300"/>
+              </a:spcAft>
+              <a:defRPr sz="1400" b="1">
+                <a:solidFill>
+                  <a:srgbClr val="FF8C00"/>
+                </a:solidFill>
                 <a:latin typeface="WenQuanYi Zen Hei"/>
               </a:defRPr>
             </a:pPr>
@@ -11587,9 +12384,9 @@
           <a:p>
             <a:pPr>
               <a:spcAft>
-                <a:spcPts val="400"/>
-              </a:spcAft>
-              <a:defRPr sz="1400">
+                <a:spcPts val="300"/>
+              </a:spcAft>
+              <a:defRPr sz="1300">
                 <a:latin typeface="WenQuanYi Zen Hei"/>
               </a:defRPr>
             </a:pPr>
@@ -11603,9 +12400,9 @@
           <a:p>
             <a:pPr>
               <a:spcAft>
-                <a:spcPts val="400"/>
-              </a:spcAft>
-              <a:defRPr sz="1400">
+                <a:spcPts val="300"/>
+              </a:spcAft>
+              <a:defRPr sz="1300">
                 <a:latin typeface="WenQuanYi Zen Hei"/>
               </a:defRPr>
             </a:pPr>
@@ -11619,9 +12416,9 @@
           <a:p>
             <a:pPr>
               <a:spcAft>
-                <a:spcPts val="400"/>
-              </a:spcAft>
-              <a:defRPr sz="1400">
+                <a:spcPts val="300"/>
+              </a:spcAft>
+              <a:defRPr sz="1300">
                 <a:latin typeface="WenQuanYi Zen Hei"/>
               </a:defRPr>
             </a:pPr>
@@ -11635,9 +12432,9 @@
           <a:p>
             <a:pPr>
               <a:spcAft>
-                <a:spcPts val="400"/>
-              </a:spcAft>
-              <a:defRPr sz="1400">
+                <a:spcPts val="300"/>
+              </a:spcAft>
+              <a:defRPr sz="1300">
                 <a:latin typeface="WenQuanYi Zen Hei"/>
               </a:defRPr>
             </a:pPr>
@@ -11651,19 +12448,22 @@
           <a:p>
             <a:pPr>
               <a:spcAft>
-                <a:spcPts val="400"/>
-              </a:spcAft>
-              <a:defRPr sz="1400">
-                <a:latin typeface="WenQuanYi Zen Hei"/>
-              </a:defRPr>
-            </a:pPr>
-          </a:p>
-          <a:p>
-            <a:pPr>
-              <a:spcAft>
-                <a:spcPts val="400"/>
-              </a:spcAft>
-              <a:defRPr sz="1400">
+                <a:spcPts val="300"/>
+              </a:spcAft>
+              <a:defRPr sz="1300">
+                <a:latin typeface="WenQuanYi Zen Hei"/>
+              </a:defRPr>
+            </a:pPr>
+          </a:p>
+          <a:p>
+            <a:pPr>
+              <a:spcAft>
+                <a:spcPts val="300"/>
+              </a:spcAft>
+              <a:defRPr sz="1400" b="1">
+                <a:solidFill>
+                  <a:srgbClr val="FF8C00"/>
+                </a:solidFill>
                 <a:latin typeface="WenQuanYi Zen Hei"/>
               </a:defRPr>
             </a:pPr>
@@ -11677,9 +12477,9 @@
           <a:p>
             <a:pPr>
               <a:spcAft>
-                <a:spcPts val="400"/>
-              </a:spcAft>
-              <a:defRPr sz="1400">
+                <a:spcPts val="300"/>
+              </a:spcAft>
+              <a:defRPr sz="1300">
                 <a:latin typeface="WenQuanYi Zen Hei"/>
               </a:defRPr>
             </a:pPr>
@@ -11693,9 +12493,9 @@
           <a:p>
             <a:pPr>
               <a:spcAft>
-                <a:spcPts val="400"/>
-              </a:spcAft>
-              <a:defRPr sz="1400">
+                <a:spcPts val="300"/>
+              </a:spcAft>
+              <a:defRPr sz="1300">
                 <a:latin typeface="WenQuanYi Zen Hei"/>
               </a:defRPr>
             </a:pPr>
@@ -11709,9 +12509,9 @@
           <a:p>
             <a:pPr>
               <a:spcAft>
-                <a:spcPts val="400"/>
-              </a:spcAft>
-              <a:defRPr sz="1400">
+                <a:spcPts val="300"/>
+              </a:spcAft>
+              <a:defRPr sz="1300">
                 <a:latin typeface="WenQuanYi Zen Hei"/>
               </a:defRPr>
             </a:pPr>
@@ -11725,9 +12525,9 @@
           <a:p>
             <a:pPr>
               <a:spcAft>
-                <a:spcPts val="400"/>
-              </a:spcAft>
-              <a:defRPr sz="1400">
+                <a:spcPts val="300"/>
+              </a:spcAft>
+              <a:defRPr sz="1300">
                 <a:latin typeface="WenQuanYi Zen Hei"/>
               </a:defRPr>
             </a:pPr>
@@ -11766,8 +12566,8 @@
         </p:nvSpPr>
         <p:spPr>
           <a:xfrm>
-            <a:off x="457200" y="274320"/>
-            <a:ext cx="11274552" cy="640080"/>
+            <a:off x="457200" y="731520"/>
+            <a:ext cx="11274552" cy="548640"/>
           </a:xfrm>
           <a:prstGeom prst="rect">
             <a:avLst/>
@@ -11805,8 +12605,8 @@
         </p:nvSpPr>
         <p:spPr>
           <a:xfrm>
-            <a:off x="457200" y="1097280"/>
-            <a:ext cx="11274552" cy="5303520"/>
+            <a:off x="457200" y="1463040"/>
+            <a:ext cx="11274552" cy="4937760"/>
           </a:xfrm>
           <a:prstGeom prst="rect">
             <a:avLst/>
@@ -11821,9 +12621,9 @@
           <a:p>
             <a:pPr>
               <a:spcAft>
-                <a:spcPts val="400"/>
-              </a:spcAft>
-              <a:defRPr sz="1600" b="1">
+                <a:spcPts val="300"/>
+              </a:spcAft>
+              <a:defRPr sz="1500" b="1">
                 <a:solidFill>
                   <a:srgbClr val="0046A0"/>
                 </a:solidFill>
@@ -11840,19 +12640,22 @@
           <a:p>
             <a:pPr>
               <a:spcAft>
-                <a:spcPts val="400"/>
-              </a:spcAft>
-              <a:defRPr sz="1400">
-                <a:latin typeface="WenQuanYi Zen Hei"/>
-              </a:defRPr>
-            </a:pPr>
-          </a:p>
-          <a:p>
-            <a:pPr>
-              <a:spcAft>
-                <a:spcPts val="400"/>
-              </a:spcAft>
-              <a:defRPr sz="1400">
+                <a:spcPts val="300"/>
+              </a:spcAft>
+              <a:defRPr sz="1300">
+                <a:latin typeface="WenQuanYi Zen Hei"/>
+              </a:defRPr>
+            </a:pPr>
+          </a:p>
+          <a:p>
+            <a:pPr>
+              <a:spcAft>
+                <a:spcPts val="300"/>
+              </a:spcAft>
+              <a:defRPr sz="1400" b="1">
+                <a:solidFill>
+                  <a:srgbClr val="FF8C00"/>
+                </a:solidFill>
                 <a:latin typeface="WenQuanYi Zen Hei"/>
               </a:defRPr>
             </a:pPr>
@@ -11866,9 +12669,9 @@
           <a:p>
             <a:pPr>
               <a:spcAft>
-                <a:spcPts val="400"/>
-              </a:spcAft>
-              <a:defRPr sz="1400">
+                <a:spcPts val="300"/>
+              </a:spcAft>
+              <a:defRPr sz="1300">
                 <a:latin typeface="WenQuanYi Zen Hei"/>
               </a:defRPr>
             </a:pPr>
@@ -11882,9 +12685,9 @@
           <a:p>
             <a:pPr>
               <a:spcAft>
-                <a:spcPts val="400"/>
-              </a:spcAft>
-              <a:defRPr sz="1400">
+                <a:spcPts val="300"/>
+              </a:spcAft>
+              <a:defRPr sz="1300">
                 <a:latin typeface="WenQuanYi Zen Hei"/>
               </a:defRPr>
             </a:pPr>
@@ -11898,9 +12701,9 @@
           <a:p>
             <a:pPr>
               <a:spcAft>
-                <a:spcPts val="400"/>
-              </a:spcAft>
-              <a:defRPr sz="1400">
+                <a:spcPts val="300"/>
+              </a:spcAft>
+              <a:defRPr sz="1300">
                 <a:latin typeface="WenQuanYi Zen Hei"/>
               </a:defRPr>
             </a:pPr>
@@ -11914,9 +12717,9 @@
           <a:p>
             <a:pPr>
               <a:spcAft>
-                <a:spcPts val="400"/>
-              </a:spcAft>
-              <a:defRPr sz="1400">
+                <a:spcPts val="300"/>
+              </a:spcAft>
+              <a:defRPr sz="1300">
                 <a:latin typeface="WenQuanYi Zen Hei"/>
               </a:defRPr>
             </a:pPr>
@@ -11930,9 +12733,9 @@
           <a:p>
             <a:pPr>
               <a:spcAft>
-                <a:spcPts val="400"/>
-              </a:spcAft>
-              <a:defRPr sz="1400">
+                <a:spcPts val="300"/>
+              </a:spcAft>
+              <a:defRPr sz="1300">
                 <a:latin typeface="WenQuanYi Zen Hei"/>
               </a:defRPr>
             </a:pPr>
@@ -11946,19 +12749,22 @@
           <a:p>
             <a:pPr>
               <a:spcAft>
-                <a:spcPts val="400"/>
-              </a:spcAft>
-              <a:defRPr sz="1400">
-                <a:latin typeface="WenQuanYi Zen Hei"/>
-              </a:defRPr>
-            </a:pPr>
-          </a:p>
-          <a:p>
-            <a:pPr>
-              <a:spcAft>
-                <a:spcPts val="400"/>
-              </a:spcAft>
-              <a:defRPr sz="1400">
+                <a:spcPts val="300"/>
+              </a:spcAft>
+              <a:defRPr sz="1300">
+                <a:latin typeface="WenQuanYi Zen Hei"/>
+              </a:defRPr>
+            </a:pPr>
+          </a:p>
+          <a:p>
+            <a:pPr>
+              <a:spcAft>
+                <a:spcPts val="300"/>
+              </a:spcAft>
+              <a:defRPr sz="1400" b="1">
+                <a:solidFill>
+                  <a:srgbClr val="FF8C00"/>
+                </a:solidFill>
                 <a:latin typeface="WenQuanYi Zen Hei"/>
               </a:defRPr>
             </a:pPr>
@@ -11972,9 +12778,9 @@
           <a:p>
             <a:pPr>
               <a:spcAft>
-                <a:spcPts val="400"/>
-              </a:spcAft>
-              <a:defRPr sz="1400">
+                <a:spcPts val="300"/>
+              </a:spcAft>
+              <a:defRPr sz="1300">
                 <a:latin typeface="WenQuanYi Zen Hei"/>
               </a:defRPr>
             </a:pPr>
@@ -11988,9 +12794,9 @@
           <a:p>
             <a:pPr>
               <a:spcAft>
-                <a:spcPts val="400"/>
-              </a:spcAft>
-              <a:defRPr sz="1400">
+                <a:spcPts val="300"/>
+              </a:spcAft>
+              <a:defRPr sz="1300">
                 <a:latin typeface="WenQuanYi Zen Hei"/>
               </a:defRPr>
             </a:pPr>
@@ -12004,9 +12810,9 @@
           <a:p>
             <a:pPr>
               <a:spcAft>
-                <a:spcPts val="400"/>
-              </a:spcAft>
-              <a:defRPr sz="1400">
+                <a:spcPts val="300"/>
+              </a:spcAft>
+              <a:defRPr sz="1300">
                 <a:latin typeface="WenQuanYi Zen Hei"/>
               </a:defRPr>
             </a:pPr>
@@ -12020,9 +12826,9 @@
           <a:p>
             <a:pPr>
               <a:spcAft>
-                <a:spcPts val="400"/>
-              </a:spcAft>
-              <a:defRPr sz="1400">
+                <a:spcPts val="300"/>
+              </a:spcAft>
+              <a:defRPr sz="1300">
                 <a:latin typeface="WenQuanYi Zen Hei"/>
               </a:defRPr>
             </a:pPr>
@@ -12036,9 +12842,9 @@
           <a:p>
             <a:pPr>
               <a:spcAft>
-                <a:spcPts val="400"/>
-              </a:spcAft>
-              <a:defRPr sz="1400">
+                <a:spcPts val="300"/>
+              </a:spcAft>
+              <a:defRPr sz="1300">
                 <a:latin typeface="WenQuanYi Zen Hei"/>
               </a:defRPr>
             </a:pPr>
@@ -12052,19 +12858,22 @@
           <a:p>
             <a:pPr>
               <a:spcAft>
-                <a:spcPts val="400"/>
-              </a:spcAft>
-              <a:defRPr sz="1400">
-                <a:latin typeface="WenQuanYi Zen Hei"/>
-              </a:defRPr>
-            </a:pPr>
-          </a:p>
-          <a:p>
-            <a:pPr>
-              <a:spcAft>
-                <a:spcPts val="400"/>
-              </a:spcAft>
-              <a:defRPr sz="1400">
+                <a:spcPts val="300"/>
+              </a:spcAft>
+              <a:defRPr sz="1300">
+                <a:latin typeface="WenQuanYi Zen Hei"/>
+              </a:defRPr>
+            </a:pPr>
+          </a:p>
+          <a:p>
+            <a:pPr>
+              <a:spcAft>
+                <a:spcPts val="300"/>
+              </a:spcAft>
+              <a:defRPr sz="1400" b="1">
+                <a:solidFill>
+                  <a:srgbClr val="FF8C00"/>
+                </a:solidFill>
                 <a:latin typeface="WenQuanYi Zen Hei"/>
               </a:defRPr>
             </a:pPr>
@@ -12078,9 +12887,9 @@
           <a:p>
             <a:pPr>
               <a:spcAft>
-                <a:spcPts val="400"/>
-              </a:spcAft>
-              <a:defRPr sz="1400">
+                <a:spcPts val="300"/>
+              </a:spcAft>
+              <a:defRPr sz="1300">
                 <a:latin typeface="WenQuanYi Zen Hei"/>
               </a:defRPr>
             </a:pPr>
@@ -12094,9 +12903,9 @@
           <a:p>
             <a:pPr>
               <a:spcAft>
-                <a:spcPts val="400"/>
-              </a:spcAft>
-              <a:defRPr sz="1400">
+                <a:spcPts val="300"/>
+              </a:spcAft>
+              <a:defRPr sz="1300">
                 <a:latin typeface="WenQuanYi Zen Hei"/>
               </a:defRPr>
             </a:pPr>
@@ -12110,9 +12919,9 @@
           <a:p>
             <a:pPr>
               <a:spcAft>
-                <a:spcPts val="400"/>
-              </a:spcAft>
-              <a:defRPr sz="1400">
+                <a:spcPts val="300"/>
+              </a:spcAft>
+              <a:defRPr sz="1300">
                 <a:latin typeface="WenQuanYi Zen Hei"/>
               </a:defRPr>
             </a:pPr>
@@ -12126,9 +12935,9 @@
           <a:p>
             <a:pPr>
               <a:spcAft>
-                <a:spcPts val="400"/>
-              </a:spcAft>
-              <a:defRPr sz="1400">
+                <a:spcPts val="300"/>
+              </a:spcAft>
+              <a:defRPr sz="1300">
                 <a:latin typeface="WenQuanYi Zen Hei"/>
               </a:defRPr>
             </a:pPr>
@@ -12167,8 +12976,8 @@
         </p:nvSpPr>
         <p:spPr>
           <a:xfrm>
-            <a:off x="457200" y="274320"/>
-            <a:ext cx="11274552" cy="640080"/>
+            <a:off x="457200" y="731520"/>
+            <a:ext cx="11274552" cy="548640"/>
           </a:xfrm>
           <a:prstGeom prst="rect">
             <a:avLst/>
@@ -12206,8 +13015,8 @@
         </p:nvSpPr>
         <p:spPr>
           <a:xfrm>
-            <a:off x="457200" y="1097280"/>
-            <a:ext cx="11274552" cy="5303520"/>
+            <a:off x="457200" y="1463040"/>
+            <a:ext cx="11274552" cy="4937760"/>
           </a:xfrm>
           <a:prstGeom prst="rect">
             <a:avLst/>
@@ -12222,11 +13031,11 @@
           <a:p>
             <a:pPr>
               <a:spcAft>
-                <a:spcPts val="400"/>
-              </a:spcAft>
-              <a:defRPr sz="1600" b="1">
-                <a:solidFill>
-                  <a:srgbClr val="0046A0"/>
+                <a:spcPts val="300"/>
+              </a:spcAft>
+              <a:defRPr sz="1500" b="1">
+                <a:solidFill>
+                  <a:srgbClr val="FF8C00"/>
                 </a:solidFill>
                 <a:latin typeface="WenQuanYi Zen Hei"/>
               </a:defRPr>
@@ -12241,9 +13050,9 @@
           <a:p>
             <a:pPr>
               <a:spcAft>
-                <a:spcPts val="400"/>
-              </a:spcAft>
-              <a:defRPr sz="1400">
+                <a:spcPts val="300"/>
+              </a:spcAft>
+              <a:defRPr sz="1300">
                 <a:latin typeface="WenQuanYi Zen Hei"/>
               </a:defRPr>
             </a:pPr>
@@ -12257,9 +13066,9 @@
           <a:p>
             <a:pPr>
               <a:spcAft>
-                <a:spcPts val="400"/>
-              </a:spcAft>
-              <a:defRPr sz="1400">
+                <a:spcPts val="300"/>
+              </a:spcAft>
+              <a:defRPr sz="1300">
                 <a:latin typeface="WenQuanYi Zen Hei"/>
               </a:defRPr>
             </a:pPr>
@@ -12273,9 +13082,9 @@
           <a:p>
             <a:pPr>
               <a:spcAft>
-                <a:spcPts val="400"/>
-              </a:spcAft>
-              <a:defRPr sz="1400">
+                <a:spcPts val="300"/>
+              </a:spcAft>
+              <a:defRPr sz="1300">
                 <a:latin typeface="WenQuanYi Zen Hei"/>
               </a:defRPr>
             </a:pPr>
@@ -12289,9 +13098,9 @@
           <a:p>
             <a:pPr>
               <a:spcAft>
-                <a:spcPts val="400"/>
-              </a:spcAft>
-              <a:defRPr sz="1400">
+                <a:spcPts val="300"/>
+              </a:spcAft>
+              <a:defRPr sz="1300">
                 <a:latin typeface="WenQuanYi Zen Hei"/>
               </a:defRPr>
             </a:pPr>
@@ -12305,9 +13114,9 @@
           <a:p>
             <a:pPr>
               <a:spcAft>
-                <a:spcPts val="400"/>
-              </a:spcAft>
-              <a:defRPr sz="1400">
+                <a:spcPts val="300"/>
+              </a:spcAft>
+              <a:defRPr sz="1300">
                 <a:latin typeface="WenQuanYi Zen Hei"/>
               </a:defRPr>
             </a:pPr>
@@ -12321,21 +13130,21 @@
           <a:p>
             <a:pPr>
               <a:spcAft>
-                <a:spcPts val="400"/>
-              </a:spcAft>
-              <a:defRPr sz="1400">
-                <a:latin typeface="WenQuanYi Zen Hei"/>
-              </a:defRPr>
-            </a:pPr>
-          </a:p>
-          <a:p>
-            <a:pPr>
-              <a:spcAft>
-                <a:spcPts val="400"/>
-              </a:spcAft>
-              <a:defRPr sz="1600" b="1">
-                <a:solidFill>
-                  <a:srgbClr val="0046A0"/>
+                <a:spcPts val="300"/>
+              </a:spcAft>
+              <a:defRPr sz="1300">
+                <a:latin typeface="WenQuanYi Zen Hei"/>
+              </a:defRPr>
+            </a:pPr>
+          </a:p>
+          <a:p>
+            <a:pPr>
+              <a:spcAft>
+                <a:spcPts val="300"/>
+              </a:spcAft>
+              <a:defRPr sz="1500" b="1">
+                <a:solidFill>
+                  <a:srgbClr val="FF8C00"/>
                 </a:solidFill>
                 <a:latin typeface="WenQuanYi Zen Hei"/>
               </a:defRPr>
@@ -12350,9 +13159,9 @@
           <a:p>
             <a:pPr>
               <a:spcAft>
-                <a:spcPts val="400"/>
-              </a:spcAft>
-              <a:defRPr sz="1400">
+                <a:spcPts val="300"/>
+              </a:spcAft>
+              <a:defRPr sz="1300">
                 <a:latin typeface="WenQuanYi Zen Hei"/>
               </a:defRPr>
             </a:pPr>
@@ -12366,9 +13175,9 @@
           <a:p>
             <a:pPr>
               <a:spcAft>
-                <a:spcPts val="400"/>
-              </a:spcAft>
-              <a:defRPr sz="1400">
+                <a:spcPts val="300"/>
+              </a:spcAft>
+              <a:defRPr sz="1300">
                 <a:latin typeface="WenQuanYi Zen Hei"/>
               </a:defRPr>
             </a:pPr>
@@ -12382,9 +13191,9 @@
           <a:p>
             <a:pPr>
               <a:spcAft>
-                <a:spcPts val="400"/>
-              </a:spcAft>
-              <a:defRPr sz="1400">
+                <a:spcPts val="300"/>
+              </a:spcAft>
+              <a:defRPr sz="1300">
                 <a:latin typeface="WenQuanYi Zen Hei"/>
               </a:defRPr>
             </a:pPr>
@@ -12398,9 +13207,9 @@
           <a:p>
             <a:pPr>
               <a:spcAft>
-                <a:spcPts val="400"/>
-              </a:spcAft>
-              <a:defRPr sz="1400">
+                <a:spcPts val="300"/>
+              </a:spcAft>
+              <a:defRPr sz="1300">
                 <a:latin typeface="WenQuanYi Zen Hei"/>
               </a:defRPr>
             </a:pPr>
@@ -12414,9 +13223,9 @@
           <a:p>
             <a:pPr>
               <a:spcAft>
-                <a:spcPts val="400"/>
-              </a:spcAft>
-              <a:defRPr sz="1400">
+                <a:spcPts val="300"/>
+              </a:spcAft>
+              <a:defRPr sz="1300">
                 <a:latin typeface="WenQuanYi Zen Hei"/>
               </a:defRPr>
             </a:pPr>
@@ -12430,9 +13239,9 @@
           <a:p>
             <a:pPr>
               <a:spcAft>
-                <a:spcPts val="400"/>
-              </a:spcAft>
-              <a:defRPr sz="1400">
+                <a:spcPts val="300"/>
+              </a:spcAft>
+              <a:defRPr sz="1300">
                 <a:latin typeface="WenQuanYi Zen Hei"/>
               </a:defRPr>
             </a:pPr>
@@ -12446,9 +13255,9 @@
           <a:p>
             <a:pPr>
               <a:spcAft>
-                <a:spcPts val="400"/>
-              </a:spcAft>
-              <a:defRPr sz="1400">
+                <a:spcPts val="300"/>
+              </a:spcAft>
+              <a:defRPr sz="1300">
                 <a:latin typeface="WenQuanYi Zen Hei"/>
               </a:defRPr>
             </a:pPr>
@@ -12462,21 +13271,21 @@
           <a:p>
             <a:pPr>
               <a:spcAft>
-                <a:spcPts val="400"/>
-              </a:spcAft>
-              <a:defRPr sz="1400">
-                <a:latin typeface="WenQuanYi Zen Hei"/>
-              </a:defRPr>
-            </a:pPr>
-          </a:p>
-          <a:p>
-            <a:pPr>
-              <a:spcAft>
-                <a:spcPts val="400"/>
-              </a:spcAft>
-              <a:defRPr sz="1600" b="1">
-                <a:solidFill>
-                  <a:srgbClr val="0046A0"/>
+                <a:spcPts val="300"/>
+              </a:spcAft>
+              <a:defRPr sz="1300">
+                <a:latin typeface="WenQuanYi Zen Hei"/>
+              </a:defRPr>
+            </a:pPr>
+          </a:p>
+          <a:p>
+            <a:pPr>
+              <a:spcAft>
+                <a:spcPts val="300"/>
+              </a:spcAft>
+              <a:defRPr sz="1500" b="1">
+                <a:solidFill>
+                  <a:srgbClr val="FF8C00"/>
                 </a:solidFill>
                 <a:latin typeface="WenQuanYi Zen Hei"/>
               </a:defRPr>
@@ -12491,9 +13300,9 @@
           <a:p>
             <a:pPr>
               <a:spcAft>
-                <a:spcPts val="400"/>
-              </a:spcAft>
-              <a:defRPr sz="1400">
+                <a:spcPts val="300"/>
+              </a:spcAft>
+              <a:defRPr sz="1300">
                 <a:latin typeface="WenQuanYi Zen Hei"/>
               </a:defRPr>
             </a:pPr>
@@ -12507,9 +13316,9 @@
           <a:p>
             <a:pPr>
               <a:spcAft>
-                <a:spcPts val="400"/>
-              </a:spcAft>
-              <a:defRPr sz="1400">
+                <a:spcPts val="300"/>
+              </a:spcAft>
+              <a:defRPr sz="1300">
                 <a:latin typeface="WenQuanYi Zen Hei"/>
               </a:defRPr>
             </a:pPr>
@@ -12523,9 +13332,9 @@
           <a:p>
             <a:pPr>
               <a:spcAft>
-                <a:spcPts val="400"/>
-              </a:spcAft>
-              <a:defRPr sz="1400">
+                <a:spcPts val="300"/>
+              </a:spcAft>
+              <a:defRPr sz="1300">
                 <a:latin typeface="WenQuanYi Zen Hei"/>
               </a:defRPr>
             </a:pPr>
@@ -12539,9 +13348,9 @@
           <a:p>
             <a:pPr>
               <a:spcAft>
-                <a:spcPts val="400"/>
-              </a:spcAft>
-              <a:defRPr sz="1400">
+                <a:spcPts val="300"/>
+              </a:spcAft>
+              <a:defRPr sz="1300">
                 <a:latin typeface="WenQuanYi Zen Hei"/>
               </a:defRPr>
             </a:pPr>

--- a/report_ppt/融合.pptx
+++ b/report_ppt/融合.pptx
@@ -6882,7 +6882,7 @@
         <p:spPr>
           <a:xfrm>
             <a:off x="457200" y="1463040"/>
-            <a:ext cx="11274552" cy="4937760"/>
+            <a:ext cx="11274552" cy="4389120"/>
           </a:xfrm>
           <a:prstGeom prst="rect">
             <a:avLst/>
@@ -6897,7 +6897,7 @@
           <a:p>
             <a:pPr>
               <a:spcAft>
-                <a:spcPts val="300"/>
+                <a:spcPts val="200"/>
               </a:spcAft>
               <a:defRPr sz="1500" b="1">
                 <a:solidFill>
@@ -6916,17 +6916,17 @@
           <a:p>
             <a:pPr>
               <a:spcAft>
-                <a:spcPts val="300"/>
-              </a:spcAft>
-              <a:defRPr sz="1300">
-                <a:latin typeface="WenQuanYi Zen Hei"/>
-              </a:defRPr>
-            </a:pPr>
-          </a:p>
-          <a:p>
-            <a:pPr>
-              <a:spcAft>
-                <a:spcPts val="300"/>
+                <a:spcPts val="200"/>
+              </a:spcAft>
+              <a:defRPr sz="1300">
+                <a:latin typeface="WenQuanYi Zen Hei"/>
+              </a:defRPr>
+            </a:pPr>
+          </a:p>
+          <a:p>
+            <a:pPr>
+              <a:spcAft>
+                <a:spcPts val="200"/>
               </a:spcAft>
               <a:defRPr sz="1500" b="1">
                 <a:solidFill>
@@ -6945,7 +6945,7 @@
           <a:p>
             <a:pPr>
               <a:spcAft>
-                <a:spcPts val="300"/>
+                <a:spcPts val="200"/>
               </a:spcAft>
               <a:defRPr sz="1300">
                 <a:latin typeface="WenQuanYi Zen Hei"/>
@@ -6961,7 +6961,7 @@
           <a:p>
             <a:pPr>
               <a:spcAft>
-                <a:spcPts val="300"/>
+                <a:spcPts val="200"/>
               </a:spcAft>
               <a:defRPr sz="1300">
                 <a:latin typeface="WenQuanYi Zen Hei"/>
@@ -6977,7 +6977,7 @@
           <a:p>
             <a:pPr>
               <a:spcAft>
-                <a:spcPts val="300"/>
+                <a:spcPts val="200"/>
               </a:spcAft>
               <a:defRPr sz="1300">
                 <a:latin typeface="WenQuanYi Zen Hei"/>
@@ -6993,7 +6993,7 @@
           <a:p>
             <a:pPr>
               <a:spcAft>
-                <a:spcPts val="300"/>
+                <a:spcPts val="200"/>
               </a:spcAft>
               <a:defRPr sz="1300">
                 <a:latin typeface="WenQuanYi Zen Hei"/>
@@ -7009,17 +7009,17 @@
           <a:p>
             <a:pPr>
               <a:spcAft>
-                <a:spcPts val="300"/>
-              </a:spcAft>
-              <a:defRPr sz="1300">
-                <a:latin typeface="WenQuanYi Zen Hei"/>
-              </a:defRPr>
-            </a:pPr>
-          </a:p>
-          <a:p>
-            <a:pPr>
-              <a:spcAft>
-                <a:spcPts val="300"/>
+                <a:spcPts val="200"/>
+              </a:spcAft>
+              <a:defRPr sz="1300">
+                <a:latin typeface="WenQuanYi Zen Hei"/>
+              </a:defRPr>
+            </a:pPr>
+          </a:p>
+          <a:p>
+            <a:pPr>
+              <a:spcAft>
+                <a:spcPts val="200"/>
               </a:spcAft>
               <a:defRPr sz="1500" b="1">
                 <a:solidFill>
@@ -7038,7 +7038,7 @@
           <a:p>
             <a:pPr>
               <a:spcAft>
-                <a:spcPts val="300"/>
+                <a:spcPts val="200"/>
               </a:spcAft>
               <a:defRPr sz="1300">
                 <a:latin typeface="WenQuanYi Zen Hei"/>
@@ -7054,7 +7054,7 @@
           <a:p>
             <a:pPr>
               <a:spcAft>
-                <a:spcPts val="300"/>
+                <a:spcPts val="200"/>
               </a:spcAft>
               <a:defRPr sz="1300">
                 <a:latin typeface="WenQuanYi Zen Hei"/>
@@ -7070,7 +7070,7 @@
           <a:p>
             <a:pPr>
               <a:spcAft>
-                <a:spcPts val="300"/>
+                <a:spcPts val="200"/>
               </a:spcAft>
               <a:defRPr sz="1300">
                 <a:latin typeface="WenQuanYi Zen Hei"/>
@@ -7086,7 +7086,7 @@
           <a:p>
             <a:pPr>
               <a:spcAft>
-                <a:spcPts val="300"/>
+                <a:spcPts val="200"/>
               </a:spcAft>
               <a:defRPr sz="1300">
                 <a:latin typeface="WenQuanYi Zen Hei"/>
@@ -7102,17 +7102,17 @@
           <a:p>
             <a:pPr>
               <a:spcAft>
-                <a:spcPts val="300"/>
-              </a:spcAft>
-              <a:defRPr sz="1300">
-                <a:latin typeface="WenQuanYi Zen Hei"/>
-              </a:defRPr>
-            </a:pPr>
-          </a:p>
-          <a:p>
-            <a:pPr>
-              <a:spcAft>
-                <a:spcPts val="300"/>
+                <a:spcPts val="200"/>
+              </a:spcAft>
+              <a:defRPr sz="1300">
+                <a:latin typeface="WenQuanYi Zen Hei"/>
+              </a:defRPr>
+            </a:pPr>
+          </a:p>
+          <a:p>
+            <a:pPr>
+              <a:spcAft>
+                <a:spcPts val="200"/>
               </a:spcAft>
               <a:defRPr sz="1500" b="1">
                 <a:solidFill>
@@ -7131,7 +7131,7 @@
           <a:p>
             <a:pPr>
               <a:spcAft>
-                <a:spcPts val="300"/>
+                <a:spcPts val="200"/>
               </a:spcAft>
               <a:defRPr sz="1300">
                 <a:latin typeface="WenQuanYi Zen Hei"/>
@@ -7147,7 +7147,7 @@
           <a:p>
             <a:pPr>
               <a:spcAft>
-                <a:spcPts val="300"/>
+                <a:spcPts val="200"/>
               </a:spcAft>
               <a:defRPr sz="1300">
                 <a:latin typeface="WenQuanYi Zen Hei"/>
@@ -7163,7 +7163,7 @@
           <a:p>
             <a:pPr>
               <a:spcAft>
-                <a:spcPts val="300"/>
+                <a:spcPts val="200"/>
               </a:spcAft>
               <a:defRPr sz="1300">
                 <a:latin typeface="WenQuanYi Zen Hei"/>
@@ -7179,17 +7179,17 @@
           <a:p>
             <a:pPr>
               <a:spcAft>
-                <a:spcPts val="300"/>
-              </a:spcAft>
-              <a:defRPr sz="1300">
-                <a:latin typeface="WenQuanYi Zen Hei"/>
-              </a:defRPr>
-            </a:pPr>
-          </a:p>
-          <a:p>
-            <a:pPr>
-              <a:spcAft>
-                <a:spcPts val="300"/>
+                <a:spcPts val="200"/>
+              </a:spcAft>
+              <a:defRPr sz="1300">
+                <a:latin typeface="WenQuanYi Zen Hei"/>
+              </a:defRPr>
+            </a:pPr>
+          </a:p>
+          <a:p>
+            <a:pPr>
+              <a:spcAft>
+                <a:spcPts val="200"/>
               </a:spcAft>
               <a:defRPr sz="1500" b="1">
                 <a:solidFill>
@@ -7208,7 +7208,7 @@
           <a:p>
             <a:pPr>
               <a:spcAft>
-                <a:spcPts val="300"/>
+                <a:spcPts val="200"/>
               </a:spcAft>
               <a:defRPr sz="1300">
                 <a:latin typeface="WenQuanYi Zen Hei"/>
@@ -7224,7 +7224,7 @@
           <a:p>
             <a:pPr>
               <a:spcAft>
-                <a:spcPts val="300"/>
+                <a:spcPts val="200"/>
               </a:spcAft>
               <a:defRPr sz="1300">
                 <a:latin typeface="WenQuanYi Zen Hei"/>
@@ -7240,7 +7240,7 @@
           <a:p>
             <a:pPr>
               <a:spcAft>
-                <a:spcPts val="300"/>
+                <a:spcPts val="200"/>
               </a:spcAft>
               <a:defRPr sz="1300">
                 <a:latin typeface="WenQuanYi Zen Hei"/>
@@ -7321,7 +7321,7 @@
         <p:spPr>
           <a:xfrm>
             <a:off x="457200" y="1463040"/>
-            <a:ext cx="11274552" cy="4937760"/>
+            <a:ext cx="11274552" cy="4389120"/>
           </a:xfrm>
           <a:prstGeom prst="rect">
             <a:avLst/>
@@ -7336,7 +7336,7 @@
           <a:p>
             <a:pPr>
               <a:spcAft>
-                <a:spcPts val="300"/>
+                <a:spcPts val="200"/>
               </a:spcAft>
               <a:defRPr sz="1500" b="1">
                 <a:solidFill>
@@ -7355,17 +7355,17 @@
           <a:p>
             <a:pPr>
               <a:spcAft>
-                <a:spcPts val="300"/>
-              </a:spcAft>
-              <a:defRPr sz="1300">
-                <a:latin typeface="WenQuanYi Zen Hei"/>
-              </a:defRPr>
-            </a:pPr>
-          </a:p>
-          <a:p>
-            <a:pPr>
-              <a:spcAft>
-                <a:spcPts val="300"/>
+                <a:spcPts val="200"/>
+              </a:spcAft>
+              <a:defRPr sz="1300">
+                <a:latin typeface="WenQuanYi Zen Hei"/>
+              </a:defRPr>
+            </a:pPr>
+          </a:p>
+          <a:p>
+            <a:pPr>
+              <a:spcAft>
+                <a:spcPts val="200"/>
               </a:spcAft>
               <a:defRPr sz="1500" b="1">
                 <a:solidFill>
@@ -7384,7 +7384,7 @@
           <a:p>
             <a:pPr>
               <a:spcAft>
-                <a:spcPts val="300"/>
+                <a:spcPts val="200"/>
               </a:spcAft>
               <a:defRPr sz="1300">
                 <a:solidFill>
@@ -7403,7 +7403,7 @@
           <a:p>
             <a:pPr>
               <a:spcAft>
-                <a:spcPts val="300"/>
+                <a:spcPts val="200"/>
               </a:spcAft>
               <a:defRPr sz="1300">
                 <a:solidFill>
@@ -7422,7 +7422,7 @@
           <a:p>
             <a:pPr>
               <a:spcAft>
-                <a:spcPts val="300"/>
+                <a:spcPts val="200"/>
               </a:spcAft>
               <a:defRPr sz="1300">
                 <a:solidFill>
@@ -7441,7 +7441,7 @@
           <a:p>
             <a:pPr>
               <a:spcAft>
-                <a:spcPts val="300"/>
+                <a:spcPts val="200"/>
               </a:spcAft>
               <a:defRPr sz="1300">
                 <a:solidFill>
@@ -7460,7 +7460,7 @@
           <a:p>
             <a:pPr>
               <a:spcAft>
-                <a:spcPts val="300"/>
+                <a:spcPts val="200"/>
               </a:spcAft>
               <a:defRPr sz="1300">
                 <a:solidFill>
@@ -7479,7 +7479,7 @@
           <a:p>
             <a:pPr>
               <a:spcAft>
-                <a:spcPts val="300"/>
+                <a:spcPts val="200"/>
               </a:spcAft>
               <a:defRPr sz="1300">
                 <a:solidFill>
@@ -7498,17 +7498,17 @@
           <a:p>
             <a:pPr>
               <a:spcAft>
-                <a:spcPts val="300"/>
-              </a:spcAft>
-              <a:defRPr sz="1300">
-                <a:latin typeface="WenQuanYi Zen Hei"/>
-              </a:defRPr>
-            </a:pPr>
-          </a:p>
-          <a:p>
-            <a:pPr>
-              <a:spcAft>
-                <a:spcPts val="300"/>
+                <a:spcPts val="200"/>
+              </a:spcAft>
+              <a:defRPr sz="1300">
+                <a:latin typeface="WenQuanYi Zen Hei"/>
+              </a:defRPr>
+            </a:pPr>
+          </a:p>
+          <a:p>
+            <a:pPr>
+              <a:spcAft>
+                <a:spcPts val="200"/>
               </a:spcAft>
               <a:defRPr sz="1500" b="1">
                 <a:solidFill>
@@ -7527,7 +7527,7 @@
           <a:p>
             <a:pPr>
               <a:spcAft>
-                <a:spcPts val="300"/>
+                <a:spcPts val="200"/>
               </a:spcAft>
               <a:defRPr sz="1300">
                 <a:solidFill>
@@ -7546,7 +7546,7 @@
           <a:p>
             <a:pPr>
               <a:spcAft>
-                <a:spcPts val="300"/>
+                <a:spcPts val="200"/>
               </a:spcAft>
               <a:defRPr sz="1300">
                 <a:solidFill>
@@ -7565,7 +7565,7 @@
           <a:p>
             <a:pPr>
               <a:spcAft>
-                <a:spcPts val="300"/>
+                <a:spcPts val="200"/>
               </a:spcAft>
               <a:defRPr sz="1300">
                 <a:solidFill>
@@ -7584,7 +7584,7 @@
           <a:p>
             <a:pPr>
               <a:spcAft>
-                <a:spcPts val="300"/>
+                <a:spcPts val="200"/>
               </a:spcAft>
               <a:defRPr sz="1300">
                 <a:solidFill>
@@ -7603,17 +7603,17 @@
           <a:p>
             <a:pPr>
               <a:spcAft>
-                <a:spcPts val="300"/>
-              </a:spcAft>
-              <a:defRPr sz="1300">
-                <a:latin typeface="WenQuanYi Zen Hei"/>
-              </a:defRPr>
-            </a:pPr>
-          </a:p>
-          <a:p>
-            <a:pPr>
-              <a:spcAft>
-                <a:spcPts val="300"/>
+                <a:spcPts val="200"/>
+              </a:spcAft>
+              <a:defRPr sz="1300">
+                <a:latin typeface="WenQuanYi Zen Hei"/>
+              </a:defRPr>
+            </a:pPr>
+          </a:p>
+          <a:p>
+            <a:pPr>
+              <a:spcAft>
+                <a:spcPts val="200"/>
               </a:spcAft>
               <a:defRPr sz="1500" b="1">
                 <a:solidFill>
@@ -7632,7 +7632,7 @@
           <a:p>
             <a:pPr>
               <a:spcAft>
-                <a:spcPts val="300"/>
+                <a:spcPts val="200"/>
               </a:spcAft>
               <a:defRPr sz="1300">
                 <a:solidFill>
@@ -7651,7 +7651,7 @@
           <a:p>
             <a:pPr>
               <a:spcAft>
-                <a:spcPts val="300"/>
+                <a:spcPts val="200"/>
               </a:spcAft>
               <a:defRPr sz="1300">
                 <a:solidFill>
@@ -7670,7 +7670,7 @@
           <a:p>
             <a:pPr>
               <a:spcAft>
-                <a:spcPts val="300"/>
+                <a:spcPts val="200"/>
               </a:spcAft>
               <a:defRPr sz="1300">
                 <a:solidFill>
@@ -7689,7 +7689,7 @@
           <a:p>
             <a:pPr>
               <a:spcAft>
-                <a:spcPts val="300"/>
+                <a:spcPts val="200"/>
               </a:spcAft>
               <a:defRPr sz="1300">
                 <a:solidFill>
@@ -7773,7 +7773,7 @@
         <p:spPr>
           <a:xfrm>
             <a:off x="457200" y="1463040"/>
-            <a:ext cx="11274552" cy="4937760"/>
+            <a:ext cx="11274552" cy="4389120"/>
           </a:xfrm>
           <a:prstGeom prst="rect">
             <a:avLst/>
@@ -7788,9 +7788,9 @@
           <a:p>
             <a:pPr>
               <a:spcAft>
-                <a:spcPts val="300"/>
-              </a:spcAft>
-              <a:defRPr sz="1500" b="1">
+                <a:spcPts val="200"/>
+              </a:spcAft>
+              <a:defRPr sz="1400" b="1">
                 <a:solidFill>
                   <a:srgbClr val="0046A0"/>
                 </a:solidFill>
@@ -7807,19 +7807,19 @@
           <a:p>
             <a:pPr>
               <a:spcAft>
-                <a:spcPts val="300"/>
-              </a:spcAft>
-              <a:defRPr sz="1300">
-                <a:latin typeface="WenQuanYi Zen Hei"/>
-              </a:defRPr>
-            </a:pPr>
-          </a:p>
-          <a:p>
-            <a:pPr>
-              <a:spcAft>
-                <a:spcPts val="300"/>
-              </a:spcAft>
-              <a:defRPr sz="1500" b="1">
+                <a:spcPts val="200"/>
+              </a:spcAft>
+              <a:defRPr sz="1200">
+                <a:latin typeface="WenQuanYi Zen Hei"/>
+              </a:defRPr>
+            </a:pPr>
+          </a:p>
+          <a:p>
+            <a:pPr>
+              <a:spcAft>
+                <a:spcPts val="200"/>
+              </a:spcAft>
+              <a:defRPr sz="1400" b="1">
                 <a:solidFill>
                   <a:srgbClr val="0046A0"/>
                 </a:solidFill>
@@ -7836,9 +7836,9 @@
           <a:p>
             <a:pPr>
               <a:spcAft>
-                <a:spcPts val="300"/>
-              </a:spcAft>
-              <a:defRPr sz="1300">
+                <a:spcPts val="200"/>
+              </a:spcAft>
+              <a:defRPr sz="1200">
                 <a:solidFill>
                   <a:srgbClr val="008000"/>
                 </a:solidFill>
@@ -7855,9 +7855,9 @@
           <a:p>
             <a:pPr>
               <a:spcAft>
-                <a:spcPts val="300"/>
-              </a:spcAft>
-              <a:defRPr sz="1300">
+                <a:spcPts val="200"/>
+              </a:spcAft>
+              <a:defRPr sz="1200">
                 <a:solidFill>
                   <a:srgbClr val="008000"/>
                 </a:solidFill>
@@ -7874,9 +7874,9 @@
           <a:p>
             <a:pPr>
               <a:spcAft>
-                <a:spcPts val="300"/>
-              </a:spcAft>
-              <a:defRPr sz="1300">
+                <a:spcPts val="200"/>
+              </a:spcAft>
+              <a:defRPr sz="1200">
                 <a:solidFill>
                   <a:srgbClr val="008000"/>
                 </a:solidFill>
@@ -7893,9 +7893,9 @@
           <a:p>
             <a:pPr>
               <a:spcAft>
-                <a:spcPts val="300"/>
-              </a:spcAft>
-              <a:defRPr sz="1300">
+                <a:spcPts val="200"/>
+              </a:spcAft>
+              <a:defRPr sz="1200">
                 <a:solidFill>
                   <a:srgbClr val="008000"/>
                 </a:solidFill>
@@ -7912,9 +7912,9 @@
           <a:p>
             <a:pPr>
               <a:spcAft>
-                <a:spcPts val="300"/>
-              </a:spcAft>
-              <a:defRPr sz="1300">
+                <a:spcPts val="200"/>
+              </a:spcAft>
+              <a:defRPr sz="1200">
                 <a:solidFill>
                   <a:srgbClr val="008000"/>
                 </a:solidFill>
@@ -7931,19 +7931,19 @@
           <a:p>
             <a:pPr>
               <a:spcAft>
-                <a:spcPts val="300"/>
-              </a:spcAft>
-              <a:defRPr sz="1300">
-                <a:latin typeface="WenQuanYi Zen Hei"/>
-              </a:defRPr>
-            </a:pPr>
-          </a:p>
-          <a:p>
-            <a:pPr>
-              <a:spcAft>
-                <a:spcPts val="300"/>
-              </a:spcAft>
-              <a:defRPr sz="1500" b="1">
+                <a:spcPts val="200"/>
+              </a:spcAft>
+              <a:defRPr sz="1200">
+                <a:latin typeface="WenQuanYi Zen Hei"/>
+              </a:defRPr>
+            </a:pPr>
+          </a:p>
+          <a:p>
+            <a:pPr>
+              <a:spcAft>
+                <a:spcPts val="200"/>
+              </a:spcAft>
+              <a:defRPr sz="1400" b="1">
                 <a:solidFill>
                   <a:srgbClr val="0046A0"/>
                 </a:solidFill>
@@ -7960,9 +7960,9 @@
           <a:p>
             <a:pPr>
               <a:spcAft>
-                <a:spcPts val="300"/>
-              </a:spcAft>
-              <a:defRPr sz="1300">
+                <a:spcPts val="200"/>
+              </a:spcAft>
+              <a:defRPr sz="1200">
                 <a:solidFill>
                   <a:srgbClr val="008000"/>
                 </a:solidFill>
@@ -7979,9 +7979,9 @@
           <a:p>
             <a:pPr>
               <a:spcAft>
-                <a:spcPts val="300"/>
-              </a:spcAft>
-              <a:defRPr sz="1300">
+                <a:spcPts val="200"/>
+              </a:spcAft>
+              <a:defRPr sz="1200">
                 <a:solidFill>
                   <a:srgbClr val="008000"/>
                 </a:solidFill>
@@ -7998,9 +7998,9 @@
           <a:p>
             <a:pPr>
               <a:spcAft>
-                <a:spcPts val="300"/>
-              </a:spcAft>
-              <a:defRPr sz="1300">
+                <a:spcPts val="200"/>
+              </a:spcAft>
+              <a:defRPr sz="1200">
                 <a:solidFill>
                   <a:srgbClr val="008000"/>
                 </a:solidFill>
@@ -8017,9 +8017,9 @@
           <a:p>
             <a:pPr>
               <a:spcAft>
-                <a:spcPts val="300"/>
-              </a:spcAft>
-              <a:defRPr sz="1300">
+                <a:spcPts val="200"/>
+              </a:spcAft>
+              <a:defRPr sz="1200">
                 <a:solidFill>
                   <a:srgbClr val="008000"/>
                 </a:solidFill>
@@ -8036,19 +8036,19 @@
           <a:p>
             <a:pPr>
               <a:spcAft>
-                <a:spcPts val="300"/>
-              </a:spcAft>
-              <a:defRPr sz="1300">
-                <a:latin typeface="WenQuanYi Zen Hei"/>
-              </a:defRPr>
-            </a:pPr>
-          </a:p>
-          <a:p>
-            <a:pPr>
-              <a:spcAft>
-                <a:spcPts val="300"/>
-              </a:spcAft>
-              <a:defRPr sz="1500" b="1">
+                <a:spcPts val="200"/>
+              </a:spcAft>
+              <a:defRPr sz="1200">
+                <a:latin typeface="WenQuanYi Zen Hei"/>
+              </a:defRPr>
+            </a:pPr>
+          </a:p>
+          <a:p>
+            <a:pPr>
+              <a:spcAft>
+                <a:spcPts val="200"/>
+              </a:spcAft>
+              <a:defRPr sz="1400" b="1">
                 <a:solidFill>
                   <a:srgbClr val="0046A0"/>
                 </a:solidFill>
@@ -8065,9 +8065,9 @@
           <a:p>
             <a:pPr>
               <a:spcAft>
-                <a:spcPts val="300"/>
-              </a:spcAft>
-              <a:defRPr sz="1300">
+                <a:spcPts val="200"/>
+              </a:spcAft>
+              <a:defRPr sz="1200">
                 <a:solidFill>
                   <a:srgbClr val="008000"/>
                 </a:solidFill>
@@ -8084,9 +8084,9 @@
           <a:p>
             <a:pPr>
               <a:spcAft>
-                <a:spcPts val="300"/>
-              </a:spcAft>
-              <a:defRPr sz="1300">
+                <a:spcPts val="200"/>
+              </a:spcAft>
+              <a:defRPr sz="1200">
                 <a:solidFill>
                   <a:srgbClr val="008000"/>
                 </a:solidFill>
@@ -8103,9 +8103,9 @@
           <a:p>
             <a:pPr>
               <a:spcAft>
-                <a:spcPts val="300"/>
-              </a:spcAft>
-              <a:defRPr sz="1300">
+                <a:spcPts val="200"/>
+              </a:spcAft>
+              <a:defRPr sz="1200">
                 <a:solidFill>
                   <a:srgbClr val="008000"/>
                 </a:solidFill>
@@ -8122,9 +8122,9 @@
           <a:p>
             <a:pPr>
               <a:spcAft>
-                <a:spcPts val="300"/>
-              </a:spcAft>
-              <a:defRPr sz="1300">
+                <a:spcPts val="200"/>
+              </a:spcAft>
+              <a:defRPr sz="1200">
                 <a:solidFill>
                   <a:srgbClr val="008000"/>
                 </a:solidFill>
@@ -8141,9 +8141,9 @@
           <a:p>
             <a:pPr>
               <a:spcAft>
-                <a:spcPts val="300"/>
-              </a:spcAft>
-              <a:defRPr sz="1300">
+                <a:spcPts val="200"/>
+              </a:spcAft>
+              <a:defRPr sz="1200">
                 <a:solidFill>
                   <a:srgbClr val="008000"/>
                 </a:solidFill>
@@ -8160,19 +8160,19 @@
           <a:p>
             <a:pPr>
               <a:spcAft>
-                <a:spcPts val="300"/>
-              </a:spcAft>
-              <a:defRPr sz="1300">
-                <a:latin typeface="WenQuanYi Zen Hei"/>
-              </a:defRPr>
-            </a:pPr>
-          </a:p>
-          <a:p>
-            <a:pPr>
-              <a:spcAft>
-                <a:spcPts val="300"/>
-              </a:spcAft>
-              <a:defRPr sz="1500" b="1">
+                <a:spcPts val="200"/>
+              </a:spcAft>
+              <a:defRPr sz="1200">
+                <a:latin typeface="WenQuanYi Zen Hei"/>
+              </a:defRPr>
+            </a:pPr>
+          </a:p>
+          <a:p>
+            <a:pPr>
+              <a:spcAft>
+                <a:spcPts val="200"/>
+              </a:spcAft>
+              <a:defRPr sz="1400" b="1">
                 <a:solidFill>
                   <a:srgbClr val="0046A0"/>
                 </a:solidFill>
@@ -8189,9 +8189,9 @@
           <a:p>
             <a:pPr>
               <a:spcAft>
-                <a:spcPts val="300"/>
-              </a:spcAft>
-              <a:defRPr sz="1300">
+                <a:spcPts val="200"/>
+              </a:spcAft>
+              <a:defRPr sz="1200">
                 <a:solidFill>
                   <a:srgbClr val="008000"/>
                 </a:solidFill>
@@ -8208,9 +8208,9 @@
           <a:p>
             <a:pPr>
               <a:spcAft>
-                <a:spcPts val="300"/>
-              </a:spcAft>
-              <a:defRPr sz="1300">
+                <a:spcPts val="200"/>
+              </a:spcAft>
+              <a:defRPr sz="1200">
                 <a:solidFill>
                   <a:srgbClr val="008000"/>
                 </a:solidFill>
@@ -8227,9 +8227,9 @@
           <a:p>
             <a:pPr>
               <a:spcAft>
-                <a:spcPts val="300"/>
-              </a:spcAft>
-              <a:defRPr sz="1300">
+                <a:spcPts val="200"/>
+              </a:spcAft>
+              <a:defRPr sz="1200">
                 <a:solidFill>
                   <a:srgbClr val="008000"/>
                 </a:solidFill>
@@ -8311,7 +8311,7 @@
         <p:spPr>
           <a:xfrm>
             <a:off x="457200" y="1463040"/>
-            <a:ext cx="11274552" cy="4937760"/>
+            <a:ext cx="11274552" cy="4389120"/>
           </a:xfrm>
           <a:prstGeom prst="rect">
             <a:avLst/>
@@ -8326,9 +8326,9 @@
           <a:p>
             <a:pPr>
               <a:spcAft>
-                <a:spcPts val="300"/>
-              </a:spcAft>
-              <a:defRPr sz="1500" b="1">
+                <a:spcPts val="200"/>
+              </a:spcAft>
+              <a:defRPr sz="1400" b="1">
                 <a:solidFill>
                   <a:srgbClr val="0046A0"/>
                 </a:solidFill>
@@ -8345,19 +8345,19 @@
           <a:p>
             <a:pPr>
               <a:spcAft>
-                <a:spcPts val="300"/>
-              </a:spcAft>
-              <a:defRPr sz="1300">
-                <a:latin typeface="WenQuanYi Zen Hei"/>
-              </a:defRPr>
-            </a:pPr>
-          </a:p>
-          <a:p>
-            <a:pPr>
-              <a:spcAft>
-                <a:spcPts val="300"/>
-              </a:spcAft>
-              <a:defRPr sz="1500" b="1">
+                <a:spcPts val="200"/>
+              </a:spcAft>
+              <a:defRPr sz="1200">
+                <a:latin typeface="WenQuanYi Zen Hei"/>
+              </a:defRPr>
+            </a:pPr>
+          </a:p>
+          <a:p>
+            <a:pPr>
+              <a:spcAft>
+                <a:spcPts val="200"/>
+              </a:spcAft>
+              <a:defRPr sz="1400" b="1">
                 <a:solidFill>
                   <a:srgbClr val="0046A0"/>
                 </a:solidFill>
@@ -8374,9 +8374,9 @@
           <a:p>
             <a:pPr>
               <a:spcAft>
-                <a:spcPts val="300"/>
-              </a:spcAft>
-              <a:defRPr sz="1300">
+                <a:spcPts val="200"/>
+              </a:spcAft>
+              <a:defRPr sz="1200">
                 <a:solidFill>
                   <a:srgbClr val="008000"/>
                 </a:solidFill>
@@ -8393,9 +8393,9 @@
           <a:p>
             <a:pPr>
               <a:spcAft>
-                <a:spcPts val="300"/>
-              </a:spcAft>
-              <a:defRPr sz="1300">
+                <a:spcPts val="200"/>
+              </a:spcAft>
+              <a:defRPr sz="1200">
                 <a:solidFill>
                   <a:srgbClr val="008000"/>
                 </a:solidFill>
@@ -8412,9 +8412,9 @@
           <a:p>
             <a:pPr>
               <a:spcAft>
-                <a:spcPts val="300"/>
-              </a:spcAft>
-              <a:defRPr sz="1300">
+                <a:spcPts val="200"/>
+              </a:spcAft>
+              <a:defRPr sz="1200">
                 <a:solidFill>
                   <a:srgbClr val="008000"/>
                 </a:solidFill>
@@ -8431,19 +8431,19 @@
           <a:p>
             <a:pPr>
               <a:spcAft>
-                <a:spcPts val="300"/>
-              </a:spcAft>
-              <a:defRPr sz="1300">
-                <a:latin typeface="WenQuanYi Zen Hei"/>
-              </a:defRPr>
-            </a:pPr>
-          </a:p>
-          <a:p>
-            <a:pPr>
-              <a:spcAft>
-                <a:spcPts val="300"/>
-              </a:spcAft>
-              <a:defRPr sz="1500" b="1">
+                <a:spcPts val="200"/>
+              </a:spcAft>
+              <a:defRPr sz="1200">
+                <a:latin typeface="WenQuanYi Zen Hei"/>
+              </a:defRPr>
+            </a:pPr>
+          </a:p>
+          <a:p>
+            <a:pPr>
+              <a:spcAft>
+                <a:spcPts val="200"/>
+              </a:spcAft>
+              <a:defRPr sz="1400" b="1">
                 <a:solidFill>
                   <a:srgbClr val="0046A0"/>
                 </a:solidFill>
@@ -8460,9 +8460,9 @@
           <a:p>
             <a:pPr>
               <a:spcAft>
-                <a:spcPts val="300"/>
-              </a:spcAft>
-              <a:defRPr sz="1300">
+                <a:spcPts val="200"/>
+              </a:spcAft>
+              <a:defRPr sz="1200">
                 <a:solidFill>
                   <a:srgbClr val="008000"/>
                 </a:solidFill>
@@ -8479,9 +8479,9 @@
           <a:p>
             <a:pPr>
               <a:spcAft>
-                <a:spcPts val="300"/>
-              </a:spcAft>
-              <a:defRPr sz="1300">
+                <a:spcPts val="200"/>
+              </a:spcAft>
+              <a:defRPr sz="1200">
                 <a:solidFill>
                   <a:srgbClr val="008000"/>
                 </a:solidFill>
@@ -8498,9 +8498,9 @@
           <a:p>
             <a:pPr>
               <a:spcAft>
-                <a:spcPts val="300"/>
-              </a:spcAft>
-              <a:defRPr sz="1300">
+                <a:spcPts val="200"/>
+              </a:spcAft>
+              <a:defRPr sz="1200">
                 <a:solidFill>
                   <a:srgbClr val="008000"/>
                 </a:solidFill>
@@ -8517,19 +8517,19 @@
           <a:p>
             <a:pPr>
               <a:spcAft>
-                <a:spcPts val="300"/>
-              </a:spcAft>
-              <a:defRPr sz="1300">
-                <a:latin typeface="WenQuanYi Zen Hei"/>
-              </a:defRPr>
-            </a:pPr>
-          </a:p>
-          <a:p>
-            <a:pPr>
-              <a:spcAft>
-                <a:spcPts val="300"/>
-              </a:spcAft>
-              <a:defRPr sz="1500" b="1">
+                <a:spcPts val="200"/>
+              </a:spcAft>
+              <a:defRPr sz="1200">
+                <a:latin typeface="WenQuanYi Zen Hei"/>
+              </a:defRPr>
+            </a:pPr>
+          </a:p>
+          <a:p>
+            <a:pPr>
+              <a:spcAft>
+                <a:spcPts val="200"/>
+              </a:spcAft>
+              <a:defRPr sz="1400" b="1">
                 <a:solidFill>
                   <a:srgbClr val="0046A0"/>
                 </a:solidFill>
@@ -8546,9 +8546,9 @@
           <a:p>
             <a:pPr>
               <a:spcAft>
-                <a:spcPts val="300"/>
-              </a:spcAft>
-              <a:defRPr sz="1300">
+                <a:spcPts val="200"/>
+              </a:spcAft>
+              <a:defRPr sz="1200">
                 <a:solidFill>
                   <a:srgbClr val="008000"/>
                 </a:solidFill>
@@ -8565,9 +8565,9 @@
           <a:p>
             <a:pPr>
               <a:spcAft>
-                <a:spcPts val="300"/>
-              </a:spcAft>
-              <a:defRPr sz="1300">
+                <a:spcPts val="200"/>
+              </a:spcAft>
+              <a:defRPr sz="1200">
                 <a:solidFill>
                   <a:srgbClr val="008000"/>
                 </a:solidFill>
@@ -8584,9 +8584,9 @@
           <a:p>
             <a:pPr>
               <a:spcAft>
-                <a:spcPts val="300"/>
-              </a:spcAft>
-              <a:defRPr sz="1300">
+                <a:spcPts val="200"/>
+              </a:spcAft>
+              <a:defRPr sz="1200">
                 <a:solidFill>
                   <a:srgbClr val="008000"/>
                 </a:solidFill>
@@ -8603,9 +8603,9 @@
           <a:p>
             <a:pPr>
               <a:spcAft>
-                <a:spcPts val="300"/>
-              </a:spcAft>
-              <a:defRPr sz="1300">
+                <a:spcPts val="200"/>
+              </a:spcAft>
+              <a:defRPr sz="1200">
                 <a:solidFill>
                   <a:srgbClr val="008000"/>
                 </a:solidFill>
@@ -8622,9 +8622,9 @@
           <a:p>
             <a:pPr>
               <a:spcAft>
-                <a:spcPts val="300"/>
-              </a:spcAft>
-              <a:defRPr sz="1300">
+                <a:spcPts val="200"/>
+              </a:spcAft>
+              <a:defRPr sz="1200">
                 <a:solidFill>
                   <a:srgbClr val="008000"/>
                 </a:solidFill>
@@ -8641,19 +8641,19 @@
           <a:p>
             <a:pPr>
               <a:spcAft>
-                <a:spcPts val="300"/>
-              </a:spcAft>
-              <a:defRPr sz="1300">
-                <a:latin typeface="WenQuanYi Zen Hei"/>
-              </a:defRPr>
-            </a:pPr>
-          </a:p>
-          <a:p>
-            <a:pPr>
-              <a:spcAft>
-                <a:spcPts val="300"/>
-              </a:spcAft>
-              <a:defRPr sz="1500" b="1">
+                <a:spcPts val="200"/>
+              </a:spcAft>
+              <a:defRPr sz="1200">
+                <a:latin typeface="WenQuanYi Zen Hei"/>
+              </a:defRPr>
+            </a:pPr>
+          </a:p>
+          <a:p>
+            <a:pPr>
+              <a:spcAft>
+                <a:spcPts val="200"/>
+              </a:spcAft>
+              <a:defRPr sz="1400" b="1">
                 <a:solidFill>
                   <a:srgbClr val="0046A0"/>
                 </a:solidFill>
@@ -8670,9 +8670,9 @@
           <a:p>
             <a:pPr>
               <a:spcAft>
-                <a:spcPts val="300"/>
-              </a:spcAft>
-              <a:defRPr sz="1300">
+                <a:spcPts val="200"/>
+              </a:spcAft>
+              <a:defRPr sz="1200">
                 <a:solidFill>
                   <a:srgbClr val="008000"/>
                 </a:solidFill>
@@ -8689,9 +8689,9 @@
           <a:p>
             <a:pPr>
               <a:spcAft>
-                <a:spcPts val="300"/>
-              </a:spcAft>
-              <a:defRPr sz="1300">
+                <a:spcPts val="200"/>
+              </a:spcAft>
+              <a:defRPr sz="1200">
                 <a:solidFill>
                   <a:srgbClr val="008000"/>
                 </a:solidFill>
@@ -8708,9 +8708,9 @@
           <a:p>
             <a:pPr>
               <a:spcAft>
-                <a:spcPts val="300"/>
-              </a:spcAft>
-              <a:defRPr sz="1300">
+                <a:spcPts val="200"/>
+              </a:spcAft>
+              <a:defRPr sz="1200">
                 <a:solidFill>
                   <a:srgbClr val="008000"/>
                 </a:solidFill>
@@ -8727,9 +8727,9 @@
           <a:p>
             <a:pPr>
               <a:spcAft>
-                <a:spcPts val="300"/>
-              </a:spcAft>
-              <a:defRPr sz="1300">
+                <a:spcPts val="200"/>
+              </a:spcAft>
+              <a:defRPr sz="1200">
                 <a:solidFill>
                   <a:srgbClr val="008000"/>
                 </a:solidFill>
@@ -8746,9 +8746,9 @@
           <a:p>
             <a:pPr>
               <a:spcAft>
-                <a:spcPts val="300"/>
-              </a:spcAft>
-              <a:defRPr sz="1300">
+                <a:spcPts val="200"/>
+              </a:spcAft>
+              <a:defRPr sz="1200">
                 <a:solidFill>
                   <a:srgbClr val="008000"/>
                 </a:solidFill>
@@ -8830,7 +8830,7 @@
         <p:spPr>
           <a:xfrm>
             <a:off x="457200" y="1463040"/>
-            <a:ext cx="11274552" cy="4937760"/>
+            <a:ext cx="11274552" cy="4389120"/>
           </a:xfrm>
           <a:prstGeom prst="rect">
             <a:avLst/>
@@ -8845,7 +8845,7 @@
           <a:p>
             <a:pPr>
               <a:spcAft>
-                <a:spcPts val="300"/>
+                <a:spcPts val="200"/>
               </a:spcAft>
               <a:defRPr sz="1500" b="1">
                 <a:solidFill>
@@ -8864,17 +8864,17 @@
           <a:p>
             <a:pPr>
               <a:spcAft>
-                <a:spcPts val="300"/>
-              </a:spcAft>
-              <a:defRPr sz="1300">
-                <a:latin typeface="WenQuanYi Zen Hei"/>
-              </a:defRPr>
-            </a:pPr>
-          </a:p>
-          <a:p>
-            <a:pPr>
-              <a:spcAft>
-                <a:spcPts val="300"/>
+                <a:spcPts val="200"/>
+              </a:spcAft>
+              <a:defRPr sz="1300">
+                <a:latin typeface="WenQuanYi Zen Hei"/>
+              </a:defRPr>
+            </a:pPr>
+          </a:p>
+          <a:p>
+            <a:pPr>
+              <a:spcAft>
+                <a:spcPts val="200"/>
               </a:spcAft>
               <a:defRPr sz="1500" b="1">
                 <a:solidFill>
@@ -8893,7 +8893,7 @@
           <a:p>
             <a:pPr>
               <a:spcAft>
-                <a:spcPts val="300"/>
+                <a:spcPts val="200"/>
               </a:spcAft>
               <a:defRPr sz="1300">
                 <a:solidFill>
@@ -8912,7 +8912,7 @@
           <a:p>
             <a:pPr lvl="1">
               <a:spcAft>
-                <a:spcPts val="300"/>
+                <a:spcPts val="200"/>
               </a:spcAft>
               <a:defRPr sz="1200">
                 <a:latin typeface="WenQuanYi Zen Hei"/>
@@ -8928,17 +8928,17 @@
           <a:p>
             <a:pPr>
               <a:spcAft>
-                <a:spcPts val="300"/>
-              </a:spcAft>
-              <a:defRPr sz="1300">
-                <a:latin typeface="WenQuanYi Zen Hei"/>
-              </a:defRPr>
-            </a:pPr>
-          </a:p>
-          <a:p>
-            <a:pPr>
-              <a:spcAft>
-                <a:spcPts val="300"/>
+                <a:spcPts val="200"/>
+              </a:spcAft>
+              <a:defRPr sz="1300">
+                <a:latin typeface="WenQuanYi Zen Hei"/>
+              </a:defRPr>
+            </a:pPr>
+          </a:p>
+          <a:p>
+            <a:pPr>
+              <a:spcAft>
+                <a:spcPts val="200"/>
               </a:spcAft>
               <a:defRPr sz="1300">
                 <a:solidFill>
@@ -8957,7 +8957,7 @@
           <a:p>
             <a:pPr lvl="1">
               <a:spcAft>
-                <a:spcPts val="300"/>
+                <a:spcPts val="200"/>
               </a:spcAft>
               <a:defRPr sz="1200">
                 <a:latin typeface="WenQuanYi Zen Hei"/>
@@ -8973,17 +8973,17 @@
           <a:p>
             <a:pPr>
               <a:spcAft>
-                <a:spcPts val="300"/>
-              </a:spcAft>
-              <a:defRPr sz="1300">
-                <a:latin typeface="WenQuanYi Zen Hei"/>
-              </a:defRPr>
-            </a:pPr>
-          </a:p>
-          <a:p>
-            <a:pPr>
-              <a:spcAft>
-                <a:spcPts val="300"/>
+                <a:spcPts val="200"/>
+              </a:spcAft>
+              <a:defRPr sz="1300">
+                <a:latin typeface="WenQuanYi Zen Hei"/>
+              </a:defRPr>
+            </a:pPr>
+          </a:p>
+          <a:p>
+            <a:pPr>
+              <a:spcAft>
+                <a:spcPts val="200"/>
               </a:spcAft>
               <a:defRPr sz="1300">
                 <a:solidFill>
@@ -9002,7 +9002,7 @@
           <a:p>
             <a:pPr lvl="1">
               <a:spcAft>
-                <a:spcPts val="300"/>
+                <a:spcPts val="200"/>
               </a:spcAft>
               <a:defRPr sz="1200">
                 <a:latin typeface="WenQuanYi Zen Hei"/>
@@ -9018,17 +9018,17 @@
           <a:p>
             <a:pPr>
               <a:spcAft>
-                <a:spcPts val="300"/>
-              </a:spcAft>
-              <a:defRPr sz="1300">
-                <a:latin typeface="WenQuanYi Zen Hei"/>
-              </a:defRPr>
-            </a:pPr>
-          </a:p>
-          <a:p>
-            <a:pPr>
-              <a:spcAft>
-                <a:spcPts val="300"/>
+                <a:spcPts val="200"/>
+              </a:spcAft>
+              <a:defRPr sz="1300">
+                <a:latin typeface="WenQuanYi Zen Hei"/>
+              </a:defRPr>
+            </a:pPr>
+          </a:p>
+          <a:p>
+            <a:pPr>
+              <a:spcAft>
+                <a:spcPts val="200"/>
               </a:spcAft>
               <a:defRPr sz="1300">
                 <a:solidFill>
@@ -9047,7 +9047,7 @@
           <a:p>
             <a:pPr lvl="1">
               <a:spcAft>
-                <a:spcPts val="300"/>
+                <a:spcPts val="200"/>
               </a:spcAft>
               <a:defRPr sz="1200">
                 <a:latin typeface="WenQuanYi Zen Hei"/>
@@ -9063,17 +9063,17 @@
           <a:p>
             <a:pPr>
               <a:spcAft>
-                <a:spcPts val="300"/>
-              </a:spcAft>
-              <a:defRPr sz="1300">
-                <a:latin typeface="WenQuanYi Zen Hei"/>
-              </a:defRPr>
-            </a:pPr>
-          </a:p>
-          <a:p>
-            <a:pPr>
-              <a:spcAft>
-                <a:spcPts val="300"/>
+                <a:spcPts val="200"/>
+              </a:spcAft>
+              <a:defRPr sz="1300">
+                <a:latin typeface="WenQuanYi Zen Hei"/>
+              </a:defRPr>
+            </a:pPr>
+          </a:p>
+          <a:p>
+            <a:pPr>
+              <a:spcAft>
+                <a:spcPts val="200"/>
               </a:spcAft>
               <a:defRPr sz="1500" b="1">
                 <a:solidFill>
@@ -9092,7 +9092,7 @@
           <a:p>
             <a:pPr>
               <a:spcAft>
-                <a:spcPts val="300"/>
+                <a:spcPts val="200"/>
               </a:spcAft>
               <a:defRPr sz="1300">
                 <a:solidFill>
@@ -9111,7 +9111,7 @@
           <a:p>
             <a:pPr>
               <a:spcAft>
-                <a:spcPts val="300"/>
+                <a:spcPts val="200"/>
               </a:spcAft>
               <a:defRPr sz="1300">
                 <a:solidFill>
@@ -9130,7 +9130,7 @@
           <a:p>
             <a:pPr>
               <a:spcAft>
-                <a:spcPts val="300"/>
+                <a:spcPts val="200"/>
               </a:spcAft>
               <a:defRPr sz="1300">
                 <a:solidFill>
@@ -9149,7 +9149,7 @@
           <a:p>
             <a:pPr>
               <a:spcAft>
-                <a:spcPts val="300"/>
+                <a:spcPts val="200"/>
               </a:spcAft>
               <a:defRPr sz="1300">
                 <a:solidFill>
@@ -9168,7 +9168,7 @@
           <a:p>
             <a:pPr>
               <a:spcAft>
-                <a:spcPts val="300"/>
+                <a:spcPts val="200"/>
               </a:spcAft>
               <a:defRPr sz="1300">
                 <a:solidFill>
@@ -9187,7 +9187,7 @@
           <a:p>
             <a:pPr>
               <a:spcAft>
-                <a:spcPts val="300"/>
+                <a:spcPts val="200"/>
               </a:spcAft>
               <a:defRPr sz="1300">
                 <a:solidFill>
@@ -9271,7 +9271,7 @@
         <p:spPr>
           <a:xfrm>
             <a:off x="457200" y="1463040"/>
-            <a:ext cx="11274552" cy="4937760"/>
+            <a:ext cx="11274552" cy="4389120"/>
           </a:xfrm>
           <a:prstGeom prst="rect">
             <a:avLst/>
@@ -9286,7 +9286,7 @@
           <a:p>
             <a:pPr>
               <a:spcAft>
-                <a:spcPts val="300"/>
+                <a:spcPts val="200"/>
               </a:spcAft>
               <a:defRPr sz="1500" b="1">
                 <a:solidFill>
@@ -9305,7 +9305,7 @@
           <a:p>
             <a:pPr>
               <a:spcAft>
-                <a:spcPts val="300"/>
+                <a:spcPts val="200"/>
               </a:spcAft>
               <a:defRPr sz="1300">
                 <a:latin typeface="WenQuanYi Zen Hei"/>
@@ -9321,7 +9321,7 @@
           <a:p>
             <a:pPr>
               <a:spcAft>
-                <a:spcPts val="300"/>
+                <a:spcPts val="200"/>
               </a:spcAft>
               <a:defRPr sz="1300">
                 <a:latin typeface="WenQuanYi Zen Hei"/>
@@ -9337,7 +9337,7 @@
           <a:p>
             <a:pPr>
               <a:spcAft>
-                <a:spcPts val="300"/>
+                <a:spcPts val="200"/>
               </a:spcAft>
               <a:defRPr sz="1300">
                 <a:latin typeface="WenQuanYi Zen Hei"/>
@@ -9353,7 +9353,7 @@
           <a:p>
             <a:pPr>
               <a:spcAft>
-                <a:spcPts val="300"/>
+                <a:spcPts val="200"/>
               </a:spcAft>
               <a:defRPr sz="1300">
                 <a:latin typeface="WenQuanYi Zen Hei"/>
@@ -9369,17 +9369,17 @@
           <a:p>
             <a:pPr>
               <a:spcAft>
-                <a:spcPts val="300"/>
-              </a:spcAft>
-              <a:defRPr sz="1300">
-                <a:latin typeface="WenQuanYi Zen Hei"/>
-              </a:defRPr>
-            </a:pPr>
-          </a:p>
-          <a:p>
-            <a:pPr>
-              <a:spcAft>
-                <a:spcPts val="300"/>
+                <a:spcPts val="200"/>
+              </a:spcAft>
+              <a:defRPr sz="1300">
+                <a:latin typeface="WenQuanYi Zen Hei"/>
+              </a:defRPr>
+            </a:pPr>
+          </a:p>
+          <a:p>
+            <a:pPr>
+              <a:spcAft>
+                <a:spcPts val="200"/>
               </a:spcAft>
               <a:defRPr sz="1500" b="1">
                 <a:solidFill>
@@ -9398,7 +9398,7 @@
           <a:p>
             <a:pPr>
               <a:spcAft>
-                <a:spcPts val="300"/>
+                <a:spcPts val="200"/>
               </a:spcAft>
               <a:defRPr sz="1300">
                 <a:latin typeface="WenQuanYi Zen Hei"/>
@@ -9414,7 +9414,7 @@
           <a:p>
             <a:pPr>
               <a:spcAft>
-                <a:spcPts val="300"/>
+                <a:spcPts val="200"/>
               </a:spcAft>
               <a:defRPr sz="1300">
                 <a:latin typeface="WenQuanYi Zen Hei"/>
@@ -9430,7 +9430,7 @@
           <a:p>
             <a:pPr>
               <a:spcAft>
-                <a:spcPts val="300"/>
+                <a:spcPts val="200"/>
               </a:spcAft>
               <a:defRPr sz="1300">
                 <a:latin typeface="WenQuanYi Zen Hei"/>
@@ -9446,7 +9446,7 @@
           <a:p>
             <a:pPr>
               <a:spcAft>
-                <a:spcPts val="300"/>
+                <a:spcPts val="200"/>
               </a:spcAft>
               <a:defRPr sz="1300">
                 <a:latin typeface="WenQuanYi Zen Hei"/>
@@ -9462,17 +9462,17 @@
           <a:p>
             <a:pPr>
               <a:spcAft>
-                <a:spcPts val="300"/>
-              </a:spcAft>
-              <a:defRPr sz="1300">
-                <a:latin typeface="WenQuanYi Zen Hei"/>
-              </a:defRPr>
-            </a:pPr>
-          </a:p>
-          <a:p>
-            <a:pPr>
-              <a:spcAft>
-                <a:spcPts val="300"/>
+                <a:spcPts val="200"/>
+              </a:spcAft>
+              <a:defRPr sz="1300">
+                <a:latin typeface="WenQuanYi Zen Hei"/>
+              </a:defRPr>
+            </a:pPr>
+          </a:p>
+          <a:p>
+            <a:pPr>
+              <a:spcAft>
+                <a:spcPts val="200"/>
               </a:spcAft>
               <a:defRPr sz="1500" b="1">
                 <a:solidFill>
@@ -9491,7 +9491,7 @@
           <a:p>
             <a:pPr>
               <a:spcAft>
-                <a:spcPts val="300"/>
+                <a:spcPts val="200"/>
               </a:spcAft>
               <a:defRPr sz="1300">
                 <a:latin typeface="WenQuanYi Zen Hei"/>
@@ -9507,7 +9507,7 @@
           <a:p>
             <a:pPr>
               <a:spcAft>
-                <a:spcPts val="300"/>
+                <a:spcPts val="200"/>
               </a:spcAft>
               <a:defRPr sz="1300">
                 <a:latin typeface="WenQuanYi Zen Hei"/>
@@ -9523,7 +9523,7 @@
           <a:p>
             <a:pPr>
               <a:spcAft>
-                <a:spcPts val="300"/>
+                <a:spcPts val="200"/>
               </a:spcAft>
               <a:defRPr sz="1300">
                 <a:latin typeface="WenQuanYi Zen Hei"/>
@@ -9539,7 +9539,7 @@
           <a:p>
             <a:pPr>
               <a:spcAft>
-                <a:spcPts val="300"/>
+                <a:spcPts val="200"/>
               </a:spcAft>
               <a:defRPr sz="1300">
                 <a:latin typeface="WenQuanYi Zen Hei"/>
@@ -9555,7 +9555,7 @@
           <a:p>
             <a:pPr>
               <a:spcAft>
-                <a:spcPts val="300"/>
+                <a:spcPts val="200"/>
               </a:spcAft>
               <a:defRPr sz="1300">
                 <a:latin typeface="WenQuanYi Zen Hei"/>
@@ -9571,17 +9571,17 @@
           <a:p>
             <a:pPr>
               <a:spcAft>
-                <a:spcPts val="300"/>
-              </a:spcAft>
-              <a:defRPr sz="1300">
-                <a:latin typeface="WenQuanYi Zen Hei"/>
-              </a:defRPr>
-            </a:pPr>
-          </a:p>
-          <a:p>
-            <a:pPr>
-              <a:spcAft>
-                <a:spcPts val="300"/>
+                <a:spcPts val="200"/>
+              </a:spcAft>
+              <a:defRPr sz="1300">
+                <a:latin typeface="WenQuanYi Zen Hei"/>
+              </a:defRPr>
+            </a:pPr>
+          </a:p>
+          <a:p>
+            <a:pPr>
+              <a:spcAft>
+                <a:spcPts val="200"/>
               </a:spcAft>
               <a:defRPr sz="1500" b="1">
                 <a:solidFill>
@@ -9600,7 +9600,7 @@
           <a:p>
             <a:pPr>
               <a:spcAft>
-                <a:spcPts val="300"/>
+                <a:spcPts val="200"/>
               </a:spcAft>
               <a:defRPr sz="1300">
                 <a:latin typeface="WenQuanYi Zen Hei"/>
@@ -9616,7 +9616,7 @@
           <a:p>
             <a:pPr>
               <a:spcAft>
-                <a:spcPts val="300"/>
+                <a:spcPts val="200"/>
               </a:spcAft>
               <a:defRPr sz="1300">
                 <a:latin typeface="WenQuanYi Zen Hei"/>
@@ -9632,7 +9632,7 @@
           <a:p>
             <a:pPr>
               <a:spcAft>
-                <a:spcPts val="300"/>
+                <a:spcPts val="200"/>
               </a:spcAft>
               <a:defRPr sz="1300">
                 <a:latin typeface="WenQuanYi Zen Hei"/>
@@ -9796,7 +9796,7 @@
         <p:spPr>
           <a:xfrm>
             <a:off x="457200" y="1463040"/>
-            <a:ext cx="5943600" cy="4937760"/>
+            <a:ext cx="5943600" cy="4389120"/>
           </a:xfrm>
           <a:prstGeom prst="rect">
             <a:avLst/>
@@ -9811,7 +9811,7 @@
           <a:p>
             <a:pPr>
               <a:spcAft>
-                <a:spcPts val="300"/>
+                <a:spcPts val="200"/>
               </a:spcAft>
               <a:defRPr sz="1500" b="1">
                 <a:solidFill>
@@ -9830,7 +9830,7 @@
           <a:p>
             <a:pPr>
               <a:spcAft>
-                <a:spcPts val="300"/>
+                <a:spcPts val="200"/>
               </a:spcAft>
               <a:defRPr sz="1300">
                 <a:latin typeface="WenQuanYi Zen Hei"/>
@@ -9846,7 +9846,7 @@
           <a:p>
             <a:pPr>
               <a:spcAft>
-                <a:spcPts val="300"/>
+                <a:spcPts val="200"/>
               </a:spcAft>
               <a:defRPr sz="1300">
                 <a:latin typeface="WenQuanYi Zen Hei"/>
@@ -9862,7 +9862,7 @@
           <a:p>
             <a:pPr>
               <a:spcAft>
-                <a:spcPts val="300"/>
+                <a:spcPts val="200"/>
               </a:spcAft>
               <a:defRPr sz="1300">
                 <a:latin typeface="WenQuanYi Zen Hei"/>
@@ -9878,7 +9878,7 @@
           <a:p>
             <a:pPr>
               <a:spcAft>
-                <a:spcPts val="300"/>
+                <a:spcPts val="200"/>
               </a:spcAft>
               <a:defRPr sz="1300">
                 <a:latin typeface="WenQuanYi Zen Hei"/>
@@ -9894,17 +9894,17 @@
           <a:p>
             <a:pPr>
               <a:spcAft>
-                <a:spcPts val="300"/>
-              </a:spcAft>
-              <a:defRPr sz="1300">
-                <a:latin typeface="WenQuanYi Zen Hei"/>
-              </a:defRPr>
-            </a:pPr>
-          </a:p>
-          <a:p>
-            <a:pPr>
-              <a:spcAft>
-                <a:spcPts val="300"/>
+                <a:spcPts val="200"/>
+              </a:spcAft>
+              <a:defRPr sz="1300">
+                <a:latin typeface="WenQuanYi Zen Hei"/>
+              </a:defRPr>
+            </a:pPr>
+          </a:p>
+          <a:p>
+            <a:pPr>
+              <a:spcAft>
+                <a:spcPts val="200"/>
               </a:spcAft>
               <a:defRPr sz="1500" b="1">
                 <a:solidFill>
@@ -9923,7 +9923,7 @@
           <a:p>
             <a:pPr>
               <a:spcAft>
-                <a:spcPts val="300"/>
+                <a:spcPts val="200"/>
               </a:spcAft>
               <a:defRPr sz="1300">
                 <a:latin typeface="WenQuanYi Zen Hei"/>
@@ -9939,7 +9939,7 @@
           <a:p>
             <a:pPr>
               <a:spcAft>
-                <a:spcPts val="300"/>
+                <a:spcPts val="200"/>
               </a:spcAft>
               <a:defRPr sz="1300">
                 <a:latin typeface="WenQuanYi Zen Hei"/>
@@ -9955,7 +9955,7 @@
           <a:p>
             <a:pPr>
               <a:spcAft>
-                <a:spcPts val="300"/>
+                <a:spcPts val="200"/>
               </a:spcAft>
               <a:defRPr sz="1300">
                 <a:latin typeface="WenQuanYi Zen Hei"/>
@@ -9971,7 +9971,7 @@
           <a:p>
             <a:pPr>
               <a:spcAft>
-                <a:spcPts val="300"/>
+                <a:spcPts val="200"/>
               </a:spcAft>
               <a:defRPr sz="1300">
                 <a:latin typeface="WenQuanYi Zen Hei"/>
@@ -9987,7 +9987,7 @@
           <a:p>
             <a:pPr>
               <a:spcAft>
-                <a:spcPts val="300"/>
+                <a:spcPts val="200"/>
               </a:spcAft>
               <a:defRPr sz="1300">
                 <a:latin typeface="WenQuanYi Zen Hei"/>
@@ -10003,17 +10003,17 @@
           <a:p>
             <a:pPr>
               <a:spcAft>
-                <a:spcPts val="300"/>
-              </a:spcAft>
-              <a:defRPr sz="1300">
-                <a:latin typeface="WenQuanYi Zen Hei"/>
-              </a:defRPr>
-            </a:pPr>
-          </a:p>
-          <a:p>
-            <a:pPr>
-              <a:spcAft>
-                <a:spcPts val="300"/>
+                <a:spcPts val="200"/>
+              </a:spcAft>
+              <a:defRPr sz="1300">
+                <a:latin typeface="WenQuanYi Zen Hei"/>
+              </a:defRPr>
+            </a:pPr>
+          </a:p>
+          <a:p>
+            <a:pPr>
+              <a:spcAft>
+                <a:spcPts val="200"/>
               </a:spcAft>
               <a:defRPr sz="1500" b="1">
                 <a:solidFill>
@@ -10032,7 +10032,7 @@
           <a:p>
             <a:pPr>
               <a:spcAft>
-                <a:spcPts val="300"/>
+                <a:spcPts val="200"/>
               </a:spcAft>
               <a:defRPr sz="1300">
                 <a:latin typeface="WenQuanYi Zen Hei"/>
@@ -10048,7 +10048,7 @@
           <a:p>
             <a:pPr>
               <a:spcAft>
-                <a:spcPts val="300"/>
+                <a:spcPts val="200"/>
               </a:spcAft>
               <a:defRPr sz="1300">
                 <a:latin typeface="WenQuanYi Zen Hei"/>
@@ -10064,7 +10064,7 @@
           <a:p>
             <a:pPr>
               <a:spcAft>
-                <a:spcPts val="300"/>
+                <a:spcPts val="200"/>
               </a:spcAft>
               <a:defRPr sz="1300">
                 <a:latin typeface="WenQuanYi Zen Hei"/>
@@ -10500,7 +10500,7 @@
         <p:spPr>
           <a:xfrm>
             <a:off x="457200" y="1463040"/>
-            <a:ext cx="11274552" cy="4937760"/>
+            <a:ext cx="11274552" cy="4389120"/>
           </a:xfrm>
           <a:prstGeom prst="rect">
             <a:avLst/>
@@ -10515,7 +10515,7 @@
           <a:p>
             <a:pPr>
               <a:spcAft>
-                <a:spcPts val="300"/>
+                <a:spcPts val="200"/>
               </a:spcAft>
               <a:defRPr sz="1500" b="1">
                 <a:solidFill>
@@ -10534,17 +10534,17 @@
           <a:p>
             <a:pPr>
               <a:spcAft>
-                <a:spcPts val="300"/>
-              </a:spcAft>
-              <a:defRPr sz="1300">
-                <a:latin typeface="WenQuanYi Zen Hei"/>
-              </a:defRPr>
-            </a:pPr>
-          </a:p>
-          <a:p>
-            <a:pPr>
-              <a:spcAft>
-                <a:spcPts val="300"/>
+                <a:spcPts val="200"/>
+              </a:spcAft>
+              <a:defRPr sz="1300">
+                <a:latin typeface="WenQuanYi Zen Hei"/>
+              </a:defRPr>
+            </a:pPr>
+          </a:p>
+          <a:p>
+            <a:pPr>
+              <a:spcAft>
+                <a:spcPts val="200"/>
               </a:spcAft>
               <a:defRPr sz="1500" b="1">
                 <a:solidFill>
@@ -10563,7 +10563,7 @@
           <a:p>
             <a:pPr lvl="1">
               <a:spcAft>
-                <a:spcPts val="300"/>
+                <a:spcPts val="200"/>
               </a:spcAft>
               <a:defRPr sz="1200">
                 <a:latin typeface="WenQuanYi Zen Hei"/>
@@ -10579,7 +10579,7 @@
           <a:p>
             <a:pPr lvl="1">
               <a:spcAft>
-                <a:spcPts val="300"/>
+                <a:spcPts val="200"/>
               </a:spcAft>
               <a:defRPr sz="1200">
                 <a:latin typeface="WenQuanYi Zen Hei"/>
@@ -10595,7 +10595,7 @@
           <a:p>
             <a:pPr lvl="1">
               <a:spcAft>
-                <a:spcPts val="300"/>
+                <a:spcPts val="200"/>
               </a:spcAft>
               <a:defRPr sz="1200">
                 <a:latin typeface="WenQuanYi Zen Hei"/>
@@ -10611,7 +10611,7 @@
           <a:p>
             <a:pPr lvl="1">
               <a:spcAft>
-                <a:spcPts val="300"/>
+                <a:spcPts val="200"/>
               </a:spcAft>
               <a:defRPr sz="1200">
                 <a:latin typeface="WenQuanYi Zen Hei"/>
@@ -10627,17 +10627,17 @@
           <a:p>
             <a:pPr>
               <a:spcAft>
-                <a:spcPts val="300"/>
-              </a:spcAft>
-              <a:defRPr sz="1300">
-                <a:latin typeface="WenQuanYi Zen Hei"/>
-              </a:defRPr>
-            </a:pPr>
-          </a:p>
-          <a:p>
-            <a:pPr>
-              <a:spcAft>
-                <a:spcPts val="300"/>
+                <a:spcPts val="200"/>
+              </a:spcAft>
+              <a:defRPr sz="1300">
+                <a:latin typeface="WenQuanYi Zen Hei"/>
+              </a:defRPr>
+            </a:pPr>
+          </a:p>
+          <a:p>
+            <a:pPr>
+              <a:spcAft>
+                <a:spcPts val="200"/>
               </a:spcAft>
               <a:defRPr sz="1500" b="1">
                 <a:solidFill>
@@ -10656,7 +10656,7 @@
           <a:p>
             <a:pPr lvl="1">
               <a:spcAft>
-                <a:spcPts val="300"/>
+                <a:spcPts val="200"/>
               </a:spcAft>
               <a:defRPr sz="1200">
                 <a:latin typeface="WenQuanYi Zen Hei"/>
@@ -10672,7 +10672,7 @@
           <a:p>
             <a:pPr lvl="1">
               <a:spcAft>
-                <a:spcPts val="300"/>
+                <a:spcPts val="200"/>
               </a:spcAft>
               <a:defRPr sz="1200">
                 <a:latin typeface="WenQuanYi Zen Hei"/>
@@ -10688,7 +10688,7 @@
           <a:p>
             <a:pPr lvl="1">
               <a:spcAft>
-                <a:spcPts val="300"/>
+                <a:spcPts val="200"/>
               </a:spcAft>
               <a:defRPr sz="1200">
                 <a:latin typeface="WenQuanYi Zen Hei"/>
@@ -10704,7 +10704,7 @@
           <a:p>
             <a:pPr lvl="1">
               <a:spcAft>
-                <a:spcPts val="300"/>
+                <a:spcPts val="200"/>
               </a:spcAft>
               <a:defRPr sz="1200">
                 <a:latin typeface="WenQuanYi Zen Hei"/>
@@ -10720,17 +10720,17 @@
           <a:p>
             <a:pPr>
               <a:spcAft>
-                <a:spcPts val="300"/>
-              </a:spcAft>
-              <a:defRPr sz="1300">
-                <a:latin typeface="WenQuanYi Zen Hei"/>
-              </a:defRPr>
-            </a:pPr>
-          </a:p>
-          <a:p>
-            <a:pPr>
-              <a:spcAft>
-                <a:spcPts val="300"/>
+                <a:spcPts val="200"/>
+              </a:spcAft>
+              <a:defRPr sz="1300">
+                <a:latin typeface="WenQuanYi Zen Hei"/>
+              </a:defRPr>
+            </a:pPr>
+          </a:p>
+          <a:p>
+            <a:pPr>
+              <a:spcAft>
+                <a:spcPts val="200"/>
               </a:spcAft>
               <a:defRPr sz="1500" b="1">
                 <a:solidFill>
@@ -10749,7 +10749,7 @@
           <a:p>
             <a:pPr lvl="1">
               <a:spcAft>
-                <a:spcPts val="300"/>
+                <a:spcPts val="200"/>
               </a:spcAft>
               <a:defRPr sz="1200">
                 <a:latin typeface="WenQuanYi Zen Hei"/>
@@ -10765,7 +10765,7 @@
           <a:p>
             <a:pPr lvl="1">
               <a:spcAft>
-                <a:spcPts val="300"/>
+                <a:spcPts val="200"/>
               </a:spcAft>
               <a:defRPr sz="1200">
                 <a:latin typeface="WenQuanYi Zen Hei"/>
@@ -10781,7 +10781,7 @@
           <a:p>
             <a:pPr lvl="1">
               <a:spcAft>
-                <a:spcPts val="300"/>
+                <a:spcPts val="200"/>
               </a:spcAft>
               <a:defRPr sz="1200">
                 <a:latin typeface="WenQuanYi Zen Hei"/>
@@ -10797,7 +10797,7 @@
           <a:p>
             <a:pPr lvl="1">
               <a:spcAft>
-                <a:spcPts val="300"/>
+                <a:spcPts val="200"/>
               </a:spcAft>
               <a:defRPr sz="1200">
                 <a:latin typeface="WenQuanYi Zen Hei"/>
@@ -10878,7 +10878,7 @@
         <p:spPr>
           <a:xfrm>
             <a:off x="457200" y="1463040"/>
-            <a:ext cx="11274552" cy="4937760"/>
+            <a:ext cx="11274552" cy="4389120"/>
           </a:xfrm>
           <a:prstGeom prst="rect">
             <a:avLst/>
@@ -10893,7 +10893,7 @@
           <a:p>
             <a:pPr>
               <a:spcAft>
-                <a:spcPts val="300"/>
+                <a:spcPts val="200"/>
               </a:spcAft>
               <a:defRPr sz="1500" b="1">
                 <a:solidFill>
@@ -10912,7 +10912,7 @@
           <a:p>
             <a:pPr lvl="1">
               <a:spcAft>
-                <a:spcPts val="300"/>
+                <a:spcPts val="200"/>
               </a:spcAft>
               <a:defRPr sz="1200">
                 <a:latin typeface="WenQuanYi Zen Hei"/>
@@ -10928,7 +10928,7 @@
           <a:p>
             <a:pPr lvl="1">
               <a:spcAft>
-                <a:spcPts val="300"/>
+                <a:spcPts val="200"/>
               </a:spcAft>
               <a:defRPr sz="1200">
                 <a:latin typeface="WenQuanYi Zen Hei"/>
@@ -10944,7 +10944,7 @@
           <a:p>
             <a:pPr lvl="1">
               <a:spcAft>
-                <a:spcPts val="300"/>
+                <a:spcPts val="200"/>
               </a:spcAft>
               <a:defRPr sz="1200">
                 <a:latin typeface="WenQuanYi Zen Hei"/>
@@ -10960,7 +10960,7 @@
           <a:p>
             <a:pPr lvl="1">
               <a:spcAft>
-                <a:spcPts val="300"/>
+                <a:spcPts val="200"/>
               </a:spcAft>
               <a:defRPr sz="1200">
                 <a:latin typeface="WenQuanYi Zen Hei"/>
@@ -10976,17 +10976,17 @@
           <a:p>
             <a:pPr>
               <a:spcAft>
-                <a:spcPts val="300"/>
-              </a:spcAft>
-              <a:defRPr sz="1300">
-                <a:latin typeface="WenQuanYi Zen Hei"/>
-              </a:defRPr>
-            </a:pPr>
-          </a:p>
-          <a:p>
-            <a:pPr>
-              <a:spcAft>
-                <a:spcPts val="300"/>
+                <a:spcPts val="200"/>
+              </a:spcAft>
+              <a:defRPr sz="1300">
+                <a:latin typeface="WenQuanYi Zen Hei"/>
+              </a:defRPr>
+            </a:pPr>
+          </a:p>
+          <a:p>
+            <a:pPr>
+              <a:spcAft>
+                <a:spcPts val="200"/>
               </a:spcAft>
               <a:defRPr sz="1500" b="1">
                 <a:solidFill>
@@ -11005,7 +11005,7 @@
           <a:p>
             <a:pPr lvl="1">
               <a:spcAft>
-                <a:spcPts val="300"/>
+                <a:spcPts val="200"/>
               </a:spcAft>
               <a:defRPr sz="1200">
                 <a:latin typeface="WenQuanYi Zen Hei"/>
@@ -11021,7 +11021,7 @@
           <a:p>
             <a:pPr lvl="1">
               <a:spcAft>
-                <a:spcPts val="300"/>
+                <a:spcPts val="200"/>
               </a:spcAft>
               <a:defRPr sz="1200">
                 <a:latin typeface="WenQuanYi Zen Hei"/>
@@ -11037,7 +11037,7 @@
           <a:p>
             <a:pPr lvl="1">
               <a:spcAft>
-                <a:spcPts val="300"/>
+                <a:spcPts val="200"/>
               </a:spcAft>
               <a:defRPr sz="1200">
                 <a:latin typeface="WenQuanYi Zen Hei"/>
@@ -11053,7 +11053,7 @@
           <a:p>
             <a:pPr lvl="1">
               <a:spcAft>
-                <a:spcPts val="300"/>
+                <a:spcPts val="200"/>
               </a:spcAft>
               <a:defRPr sz="1200">
                 <a:latin typeface="WenQuanYi Zen Hei"/>
@@ -11069,17 +11069,17 @@
           <a:p>
             <a:pPr>
               <a:spcAft>
-                <a:spcPts val="300"/>
-              </a:spcAft>
-              <a:defRPr sz="1300">
-                <a:latin typeface="WenQuanYi Zen Hei"/>
-              </a:defRPr>
-            </a:pPr>
-          </a:p>
-          <a:p>
-            <a:pPr>
-              <a:spcAft>
-                <a:spcPts val="300"/>
+                <a:spcPts val="200"/>
+              </a:spcAft>
+              <a:defRPr sz="1300">
+                <a:latin typeface="WenQuanYi Zen Hei"/>
+              </a:defRPr>
+            </a:pPr>
+          </a:p>
+          <a:p>
+            <a:pPr>
+              <a:spcAft>
+                <a:spcPts val="200"/>
               </a:spcAft>
               <a:defRPr sz="1500" b="1">
                 <a:solidFill>
@@ -11098,7 +11098,7 @@
           <a:p>
             <a:pPr lvl="1">
               <a:spcAft>
-                <a:spcPts val="300"/>
+                <a:spcPts val="200"/>
               </a:spcAft>
               <a:defRPr sz="1200">
                 <a:latin typeface="WenQuanYi Zen Hei"/>
@@ -11114,7 +11114,7 @@
           <a:p>
             <a:pPr lvl="1">
               <a:spcAft>
-                <a:spcPts val="300"/>
+                <a:spcPts val="200"/>
               </a:spcAft>
               <a:defRPr sz="1200">
                 <a:latin typeface="WenQuanYi Zen Hei"/>
@@ -11130,7 +11130,7 @@
           <a:p>
             <a:pPr lvl="1">
               <a:spcAft>
-                <a:spcPts val="300"/>
+                <a:spcPts val="200"/>
               </a:spcAft>
               <a:defRPr sz="1200">
                 <a:latin typeface="WenQuanYi Zen Hei"/>
@@ -11146,7 +11146,7 @@
           <a:p>
             <a:pPr lvl="1">
               <a:spcAft>
-                <a:spcPts val="300"/>
+                <a:spcPts val="200"/>
               </a:spcAft>
               <a:defRPr sz="1200">
                 <a:latin typeface="WenQuanYi Zen Hei"/>
@@ -11227,7 +11227,7 @@
         <p:spPr>
           <a:xfrm>
             <a:off x="457200" y="1463040"/>
-            <a:ext cx="5486400" cy="4937760"/>
+            <a:ext cx="5486400" cy="4389120"/>
           </a:xfrm>
           <a:prstGeom prst="rect">
             <a:avLst/>
@@ -11242,7 +11242,7 @@
           <a:p>
             <a:pPr>
               <a:spcAft>
-                <a:spcPts val="300"/>
+                <a:spcPts val="200"/>
               </a:spcAft>
               <a:defRPr sz="1400" b="1">
                 <a:solidFill>
@@ -11261,7 +11261,7 @@
           <a:p>
             <a:pPr>
               <a:spcAft>
-                <a:spcPts val="300"/>
+                <a:spcPts val="200"/>
               </a:spcAft>
               <a:defRPr sz="1200">
                 <a:latin typeface="WenQuanYi Zen Hei"/>
@@ -11277,7 +11277,7 @@
           <a:p>
             <a:pPr>
               <a:spcAft>
-                <a:spcPts val="300"/>
+                <a:spcPts val="200"/>
               </a:spcAft>
               <a:defRPr sz="1200">
                 <a:latin typeface="WenQuanYi Zen Hei"/>
@@ -11293,7 +11293,7 @@
           <a:p>
             <a:pPr>
               <a:spcAft>
-                <a:spcPts val="300"/>
+                <a:spcPts val="200"/>
               </a:spcAft>
               <a:defRPr sz="1200">
                 <a:latin typeface="WenQuanYi Zen Hei"/>
@@ -11309,7 +11309,7 @@
           <a:p>
             <a:pPr>
               <a:spcAft>
-                <a:spcPts val="300"/>
+                <a:spcPts val="200"/>
               </a:spcAft>
               <a:defRPr sz="1200">
                 <a:latin typeface="WenQuanYi Zen Hei"/>
@@ -11325,7 +11325,7 @@
           <a:p>
             <a:pPr>
               <a:spcAft>
-                <a:spcPts val="300"/>
+                <a:spcPts val="200"/>
               </a:spcAft>
               <a:defRPr sz="1200">
                 <a:latin typeface="WenQuanYi Zen Hei"/>
@@ -11341,7 +11341,7 @@
           <a:p>
             <a:pPr>
               <a:spcAft>
-                <a:spcPts val="300"/>
+                <a:spcPts val="200"/>
               </a:spcAft>
               <a:defRPr sz="1200">
                 <a:latin typeface="WenQuanYi Zen Hei"/>
@@ -11351,7 +11351,7 @@
           <a:p>
             <a:pPr>
               <a:spcAft>
-                <a:spcPts val="300"/>
+                <a:spcPts val="200"/>
               </a:spcAft>
               <a:defRPr sz="1400" b="1">
                 <a:solidFill>
@@ -11370,7 +11370,7 @@
           <a:p>
             <a:pPr>
               <a:spcAft>
-                <a:spcPts val="300"/>
+                <a:spcPts val="200"/>
               </a:spcAft>
               <a:defRPr sz="1200">
                 <a:latin typeface="WenQuanYi Zen Hei"/>
@@ -11386,7 +11386,7 @@
           <a:p>
             <a:pPr>
               <a:spcAft>
-                <a:spcPts val="300"/>
+                <a:spcPts val="200"/>
               </a:spcAft>
               <a:defRPr sz="1200">
                 <a:latin typeface="WenQuanYi Zen Hei"/>
@@ -11402,7 +11402,7 @@
           <a:p>
             <a:pPr>
               <a:spcAft>
-                <a:spcPts val="300"/>
+                <a:spcPts val="200"/>
               </a:spcAft>
               <a:defRPr sz="1200">
                 <a:latin typeface="WenQuanYi Zen Hei"/>
@@ -11418,7 +11418,7 @@
           <a:p>
             <a:pPr>
               <a:spcAft>
-                <a:spcPts val="300"/>
+                <a:spcPts val="200"/>
               </a:spcAft>
               <a:defRPr sz="1200">
                 <a:latin typeface="WenQuanYi Zen Hei"/>
@@ -11434,7 +11434,7 @@
           <a:p>
             <a:pPr>
               <a:spcAft>
-                <a:spcPts val="300"/>
+                <a:spcPts val="200"/>
               </a:spcAft>
               <a:defRPr sz="1200">
                 <a:latin typeface="WenQuanYi Zen Hei"/>
@@ -11450,7 +11450,7 @@
           <a:p>
             <a:pPr>
               <a:spcAft>
-                <a:spcPts val="300"/>
+                <a:spcPts val="200"/>
               </a:spcAft>
               <a:defRPr sz="1200">
                 <a:latin typeface="WenQuanYi Zen Hei"/>
@@ -11460,7 +11460,7 @@
           <a:p>
             <a:pPr>
               <a:spcAft>
-                <a:spcPts val="300"/>
+                <a:spcPts val="200"/>
               </a:spcAft>
               <a:defRPr sz="1400" b="1">
                 <a:solidFill>
@@ -11479,7 +11479,7 @@
           <a:p>
             <a:pPr>
               <a:spcAft>
-                <a:spcPts val="300"/>
+                <a:spcPts val="200"/>
               </a:spcAft>
               <a:defRPr sz="1200">
                 <a:latin typeface="WenQuanYi Zen Hei"/>
@@ -11495,7 +11495,7 @@
           <a:p>
             <a:pPr>
               <a:spcAft>
-                <a:spcPts val="300"/>
+                <a:spcPts val="200"/>
               </a:spcAft>
               <a:defRPr sz="1200">
                 <a:latin typeface="WenQuanYi Zen Hei"/>
@@ -11511,7 +11511,7 @@
           <a:p>
             <a:pPr>
               <a:spcAft>
-                <a:spcPts val="300"/>
+                <a:spcPts val="200"/>
               </a:spcAft>
               <a:defRPr sz="1200">
                 <a:latin typeface="WenQuanYi Zen Hei"/>
@@ -11812,7 +11812,7 @@
         <p:spPr>
           <a:xfrm>
             <a:off x="457200" y="1463040"/>
-            <a:ext cx="11274552" cy="4937760"/>
+            <a:ext cx="11274552" cy="4389120"/>
           </a:xfrm>
           <a:prstGeom prst="rect">
             <a:avLst/>
@@ -11827,7 +11827,7 @@
           <a:p>
             <a:pPr>
               <a:spcAft>
-                <a:spcPts val="300"/>
+                <a:spcPts val="200"/>
               </a:spcAft>
               <a:defRPr sz="1500" b="1">
                 <a:solidFill>
@@ -11846,7 +11846,7 @@
           <a:p>
             <a:pPr>
               <a:spcAft>
-                <a:spcPts val="300"/>
+                <a:spcPts val="200"/>
               </a:spcAft>
               <a:defRPr sz="1300">
                 <a:latin typeface="WenQuanYi Zen Hei"/>
@@ -11862,7 +11862,7 @@
           <a:p>
             <a:pPr>
               <a:spcAft>
-                <a:spcPts val="300"/>
+                <a:spcPts val="200"/>
               </a:spcAft>
               <a:defRPr sz="1300">
                 <a:latin typeface="WenQuanYi Zen Hei"/>
@@ -11878,7 +11878,7 @@
           <a:p>
             <a:pPr>
               <a:spcAft>
-                <a:spcPts val="300"/>
+                <a:spcPts val="200"/>
               </a:spcAft>
               <a:defRPr sz="1300">
                 <a:latin typeface="WenQuanYi Zen Hei"/>
@@ -11894,7 +11894,7 @@
           <a:p>
             <a:pPr>
               <a:spcAft>
-                <a:spcPts val="300"/>
+                <a:spcPts val="200"/>
               </a:spcAft>
               <a:defRPr sz="1300">
                 <a:latin typeface="WenQuanYi Zen Hei"/>
@@ -11910,7 +11910,7 @@
           <a:p>
             <a:pPr>
               <a:spcAft>
-                <a:spcPts val="300"/>
+                <a:spcPts val="200"/>
               </a:spcAft>
               <a:defRPr sz="1300">
                 <a:latin typeface="WenQuanYi Zen Hei"/>
@@ -11926,17 +11926,17 @@
           <a:p>
             <a:pPr>
               <a:spcAft>
-                <a:spcPts val="300"/>
-              </a:spcAft>
-              <a:defRPr sz="1300">
-                <a:latin typeface="WenQuanYi Zen Hei"/>
-              </a:defRPr>
-            </a:pPr>
-          </a:p>
-          <a:p>
-            <a:pPr>
-              <a:spcAft>
-                <a:spcPts val="300"/>
+                <a:spcPts val="200"/>
+              </a:spcAft>
+              <a:defRPr sz="1300">
+                <a:latin typeface="WenQuanYi Zen Hei"/>
+              </a:defRPr>
+            </a:pPr>
+          </a:p>
+          <a:p>
+            <a:pPr>
+              <a:spcAft>
+                <a:spcPts val="200"/>
               </a:spcAft>
               <a:defRPr sz="1500" b="1">
                 <a:solidFill>
@@ -11955,7 +11955,7 @@
           <a:p>
             <a:pPr>
               <a:spcAft>
-                <a:spcPts val="300"/>
+                <a:spcPts val="200"/>
               </a:spcAft>
               <a:defRPr sz="1300">
                 <a:latin typeface="WenQuanYi Zen Hei"/>
@@ -11971,7 +11971,7 @@
           <a:p>
             <a:pPr>
               <a:spcAft>
-                <a:spcPts val="300"/>
+                <a:spcPts val="200"/>
               </a:spcAft>
               <a:defRPr sz="1300">
                 <a:latin typeface="WenQuanYi Zen Hei"/>
@@ -11987,7 +11987,7 @@
           <a:p>
             <a:pPr>
               <a:spcAft>
-                <a:spcPts val="300"/>
+                <a:spcPts val="200"/>
               </a:spcAft>
               <a:defRPr sz="1300">
                 <a:latin typeface="WenQuanYi Zen Hei"/>
@@ -12003,7 +12003,7 @@
           <a:p>
             <a:pPr>
               <a:spcAft>
-                <a:spcPts val="300"/>
+                <a:spcPts val="200"/>
               </a:spcAft>
               <a:defRPr sz="1300">
                 <a:latin typeface="WenQuanYi Zen Hei"/>
@@ -12019,7 +12019,7 @@
           <a:p>
             <a:pPr>
               <a:spcAft>
-                <a:spcPts val="300"/>
+                <a:spcPts val="200"/>
               </a:spcAft>
               <a:defRPr sz="1300">
                 <a:latin typeface="WenQuanYi Zen Hei"/>
@@ -12035,7 +12035,7 @@
           <a:p>
             <a:pPr>
               <a:spcAft>
-                <a:spcPts val="300"/>
+                <a:spcPts val="200"/>
               </a:spcAft>
               <a:defRPr sz="1300">
                 <a:latin typeface="WenQuanYi Zen Hei"/>
@@ -12051,17 +12051,17 @@
           <a:p>
             <a:pPr>
               <a:spcAft>
-                <a:spcPts val="300"/>
-              </a:spcAft>
-              <a:defRPr sz="1300">
-                <a:latin typeface="WenQuanYi Zen Hei"/>
-              </a:defRPr>
-            </a:pPr>
-          </a:p>
-          <a:p>
-            <a:pPr>
-              <a:spcAft>
-                <a:spcPts val="300"/>
+                <a:spcPts val="200"/>
+              </a:spcAft>
+              <a:defRPr sz="1300">
+                <a:latin typeface="WenQuanYi Zen Hei"/>
+              </a:defRPr>
+            </a:pPr>
+          </a:p>
+          <a:p>
+            <a:pPr>
+              <a:spcAft>
+                <a:spcPts val="200"/>
               </a:spcAft>
               <a:defRPr sz="1500" b="1">
                 <a:solidFill>
@@ -12080,7 +12080,7 @@
           <a:p>
             <a:pPr>
               <a:spcAft>
-                <a:spcPts val="300"/>
+                <a:spcPts val="200"/>
               </a:spcAft>
               <a:defRPr sz="1300">
                 <a:latin typeface="WenQuanYi Zen Hei"/>
@@ -12096,7 +12096,7 @@
           <a:p>
             <a:pPr>
               <a:spcAft>
-                <a:spcPts val="300"/>
+                <a:spcPts val="200"/>
               </a:spcAft>
               <a:defRPr sz="1300">
                 <a:latin typeface="WenQuanYi Zen Hei"/>
@@ -12112,7 +12112,7 @@
           <a:p>
             <a:pPr>
               <a:spcAft>
-                <a:spcPts val="300"/>
+                <a:spcPts val="200"/>
               </a:spcAft>
               <a:defRPr sz="1300">
                 <a:latin typeface="WenQuanYi Zen Hei"/>
@@ -12128,7 +12128,7 @@
           <a:p>
             <a:pPr>
               <a:spcAft>
-                <a:spcPts val="300"/>
+                <a:spcPts val="200"/>
               </a:spcAft>
               <a:defRPr sz="1300">
                 <a:latin typeface="WenQuanYi Zen Hei"/>
@@ -12209,7 +12209,7 @@
         <p:spPr>
           <a:xfrm>
             <a:off x="457200" y="1463040"/>
-            <a:ext cx="11274552" cy="4937760"/>
+            <a:ext cx="11274552" cy="4389120"/>
           </a:xfrm>
           <a:prstGeom prst="rect">
             <a:avLst/>
@@ -12224,7 +12224,7 @@
           <a:p>
             <a:pPr>
               <a:spcAft>
-                <a:spcPts val="300"/>
+                <a:spcPts val="200"/>
               </a:spcAft>
               <a:defRPr sz="1500" b="1">
                 <a:solidFill>
@@ -12243,17 +12243,17 @@
           <a:p>
             <a:pPr>
               <a:spcAft>
-                <a:spcPts val="300"/>
-              </a:spcAft>
-              <a:defRPr sz="1300">
-                <a:latin typeface="WenQuanYi Zen Hei"/>
-              </a:defRPr>
-            </a:pPr>
-          </a:p>
-          <a:p>
-            <a:pPr>
-              <a:spcAft>
-                <a:spcPts val="300"/>
+                <a:spcPts val="200"/>
+              </a:spcAft>
+              <a:defRPr sz="1300">
+                <a:latin typeface="WenQuanYi Zen Hei"/>
+              </a:defRPr>
+            </a:pPr>
+          </a:p>
+          <a:p>
+            <a:pPr>
+              <a:spcAft>
+                <a:spcPts val="200"/>
               </a:spcAft>
               <a:defRPr sz="1400" b="1">
                 <a:solidFill>
@@ -12272,7 +12272,7 @@
           <a:p>
             <a:pPr>
               <a:spcAft>
-                <a:spcPts val="300"/>
+                <a:spcPts val="200"/>
               </a:spcAft>
               <a:defRPr sz="1300">
                 <a:latin typeface="WenQuanYi Zen Hei"/>
@@ -12288,7 +12288,7 @@
           <a:p>
             <a:pPr>
               <a:spcAft>
-                <a:spcPts val="300"/>
+                <a:spcPts val="200"/>
               </a:spcAft>
               <a:defRPr sz="1300">
                 <a:latin typeface="WenQuanYi Zen Hei"/>
@@ -12304,7 +12304,7 @@
           <a:p>
             <a:pPr>
               <a:spcAft>
-                <a:spcPts val="300"/>
+                <a:spcPts val="200"/>
               </a:spcAft>
               <a:defRPr sz="1300">
                 <a:latin typeface="WenQuanYi Zen Hei"/>
@@ -12320,7 +12320,7 @@
           <a:p>
             <a:pPr>
               <a:spcAft>
-                <a:spcPts val="300"/>
+                <a:spcPts val="200"/>
               </a:spcAft>
               <a:defRPr sz="1400" b="1">
                 <a:solidFill>
@@ -12339,7 +12339,7 @@
           <a:p>
             <a:pPr>
               <a:spcAft>
-                <a:spcPts val="300"/>
+                <a:spcPts val="200"/>
               </a:spcAft>
               <a:defRPr sz="1300">
                 <a:latin typeface="WenQuanYi Zen Hei"/>
@@ -12355,17 +12355,17 @@
           <a:p>
             <a:pPr>
               <a:spcAft>
-                <a:spcPts val="300"/>
-              </a:spcAft>
-              <a:defRPr sz="1300">
-                <a:latin typeface="WenQuanYi Zen Hei"/>
-              </a:defRPr>
-            </a:pPr>
-          </a:p>
-          <a:p>
-            <a:pPr>
-              <a:spcAft>
-                <a:spcPts val="300"/>
+                <a:spcPts val="200"/>
+              </a:spcAft>
+              <a:defRPr sz="1300">
+                <a:latin typeface="WenQuanYi Zen Hei"/>
+              </a:defRPr>
+            </a:pPr>
+          </a:p>
+          <a:p>
+            <a:pPr>
+              <a:spcAft>
+                <a:spcPts val="200"/>
               </a:spcAft>
               <a:defRPr sz="1400" b="1">
                 <a:solidFill>
@@ -12384,7 +12384,7 @@
           <a:p>
             <a:pPr>
               <a:spcAft>
-                <a:spcPts val="300"/>
+                <a:spcPts val="200"/>
               </a:spcAft>
               <a:defRPr sz="1300">
                 <a:latin typeface="WenQuanYi Zen Hei"/>
@@ -12400,7 +12400,7 @@
           <a:p>
             <a:pPr>
               <a:spcAft>
-                <a:spcPts val="300"/>
+                <a:spcPts val="200"/>
               </a:spcAft>
               <a:defRPr sz="1300">
                 <a:latin typeface="WenQuanYi Zen Hei"/>
@@ -12416,7 +12416,7 @@
           <a:p>
             <a:pPr>
               <a:spcAft>
-                <a:spcPts val="300"/>
+                <a:spcPts val="200"/>
               </a:spcAft>
               <a:defRPr sz="1300">
                 <a:latin typeface="WenQuanYi Zen Hei"/>
@@ -12432,7 +12432,7 @@
           <a:p>
             <a:pPr>
               <a:spcAft>
-                <a:spcPts val="300"/>
+                <a:spcPts val="200"/>
               </a:spcAft>
               <a:defRPr sz="1300">
                 <a:latin typeface="WenQuanYi Zen Hei"/>
@@ -12448,17 +12448,17 @@
           <a:p>
             <a:pPr>
               <a:spcAft>
-                <a:spcPts val="300"/>
-              </a:spcAft>
-              <a:defRPr sz="1300">
-                <a:latin typeface="WenQuanYi Zen Hei"/>
-              </a:defRPr>
-            </a:pPr>
-          </a:p>
-          <a:p>
-            <a:pPr>
-              <a:spcAft>
-                <a:spcPts val="300"/>
+                <a:spcPts val="200"/>
+              </a:spcAft>
+              <a:defRPr sz="1300">
+                <a:latin typeface="WenQuanYi Zen Hei"/>
+              </a:defRPr>
+            </a:pPr>
+          </a:p>
+          <a:p>
+            <a:pPr>
+              <a:spcAft>
+                <a:spcPts val="200"/>
               </a:spcAft>
               <a:defRPr sz="1400" b="1">
                 <a:solidFill>
@@ -12477,7 +12477,7 @@
           <a:p>
             <a:pPr>
               <a:spcAft>
-                <a:spcPts val="300"/>
+                <a:spcPts val="200"/>
               </a:spcAft>
               <a:defRPr sz="1300">
                 <a:latin typeface="WenQuanYi Zen Hei"/>
@@ -12493,7 +12493,7 @@
           <a:p>
             <a:pPr>
               <a:spcAft>
-                <a:spcPts val="300"/>
+                <a:spcPts val="200"/>
               </a:spcAft>
               <a:defRPr sz="1300">
                 <a:latin typeface="WenQuanYi Zen Hei"/>
@@ -12509,7 +12509,7 @@
           <a:p>
             <a:pPr>
               <a:spcAft>
-                <a:spcPts val="300"/>
+                <a:spcPts val="200"/>
               </a:spcAft>
               <a:defRPr sz="1300">
                 <a:latin typeface="WenQuanYi Zen Hei"/>
@@ -12525,7 +12525,7 @@
           <a:p>
             <a:pPr>
               <a:spcAft>
-                <a:spcPts val="300"/>
+                <a:spcPts val="200"/>
               </a:spcAft>
               <a:defRPr sz="1300">
                 <a:latin typeface="WenQuanYi Zen Hei"/>
@@ -12606,7 +12606,7 @@
         <p:spPr>
           <a:xfrm>
             <a:off x="457200" y="1463040"/>
-            <a:ext cx="11274552" cy="4937760"/>
+            <a:ext cx="11274552" cy="4389120"/>
           </a:xfrm>
           <a:prstGeom prst="rect">
             <a:avLst/>
@@ -12621,7 +12621,7 @@
           <a:p>
             <a:pPr>
               <a:spcAft>
-                <a:spcPts val="300"/>
+                <a:spcPts val="200"/>
               </a:spcAft>
               <a:defRPr sz="1500" b="1">
                 <a:solidFill>
@@ -12640,17 +12640,17 @@
           <a:p>
             <a:pPr>
               <a:spcAft>
-                <a:spcPts val="300"/>
-              </a:spcAft>
-              <a:defRPr sz="1300">
-                <a:latin typeface="WenQuanYi Zen Hei"/>
-              </a:defRPr>
-            </a:pPr>
-          </a:p>
-          <a:p>
-            <a:pPr>
-              <a:spcAft>
-                <a:spcPts val="300"/>
+                <a:spcPts val="200"/>
+              </a:spcAft>
+              <a:defRPr sz="1300">
+                <a:latin typeface="WenQuanYi Zen Hei"/>
+              </a:defRPr>
+            </a:pPr>
+          </a:p>
+          <a:p>
+            <a:pPr>
+              <a:spcAft>
+                <a:spcPts val="200"/>
               </a:spcAft>
               <a:defRPr sz="1400" b="1">
                 <a:solidFill>
@@ -12669,7 +12669,7 @@
           <a:p>
             <a:pPr>
               <a:spcAft>
-                <a:spcPts val="300"/>
+                <a:spcPts val="200"/>
               </a:spcAft>
               <a:defRPr sz="1300">
                 <a:latin typeface="WenQuanYi Zen Hei"/>
@@ -12685,7 +12685,7 @@
           <a:p>
             <a:pPr>
               <a:spcAft>
-                <a:spcPts val="300"/>
+                <a:spcPts val="200"/>
               </a:spcAft>
               <a:defRPr sz="1300">
                 <a:latin typeface="WenQuanYi Zen Hei"/>
@@ -12701,7 +12701,7 @@
           <a:p>
             <a:pPr>
               <a:spcAft>
-                <a:spcPts val="300"/>
+                <a:spcPts val="200"/>
               </a:spcAft>
               <a:defRPr sz="1300">
                 <a:latin typeface="WenQuanYi Zen Hei"/>
@@ -12717,7 +12717,7 @@
           <a:p>
             <a:pPr>
               <a:spcAft>
-                <a:spcPts val="300"/>
+                <a:spcPts val="200"/>
               </a:spcAft>
               <a:defRPr sz="1300">
                 <a:latin typeface="WenQuanYi Zen Hei"/>
@@ -12733,7 +12733,7 @@
           <a:p>
             <a:pPr>
               <a:spcAft>
-                <a:spcPts val="300"/>
+                <a:spcPts val="200"/>
               </a:spcAft>
               <a:defRPr sz="1300">
                 <a:latin typeface="WenQuanYi Zen Hei"/>
@@ -12749,17 +12749,17 @@
           <a:p>
             <a:pPr>
               <a:spcAft>
-                <a:spcPts val="300"/>
-              </a:spcAft>
-              <a:defRPr sz="1300">
-                <a:latin typeface="WenQuanYi Zen Hei"/>
-              </a:defRPr>
-            </a:pPr>
-          </a:p>
-          <a:p>
-            <a:pPr>
-              <a:spcAft>
-                <a:spcPts val="300"/>
+                <a:spcPts val="200"/>
+              </a:spcAft>
+              <a:defRPr sz="1300">
+                <a:latin typeface="WenQuanYi Zen Hei"/>
+              </a:defRPr>
+            </a:pPr>
+          </a:p>
+          <a:p>
+            <a:pPr>
+              <a:spcAft>
+                <a:spcPts val="200"/>
               </a:spcAft>
               <a:defRPr sz="1400" b="1">
                 <a:solidFill>
@@ -12778,7 +12778,7 @@
           <a:p>
             <a:pPr>
               <a:spcAft>
-                <a:spcPts val="300"/>
+                <a:spcPts val="200"/>
               </a:spcAft>
               <a:defRPr sz="1300">
                 <a:latin typeface="WenQuanYi Zen Hei"/>
@@ -12794,7 +12794,7 @@
           <a:p>
             <a:pPr>
               <a:spcAft>
-                <a:spcPts val="300"/>
+                <a:spcPts val="200"/>
               </a:spcAft>
               <a:defRPr sz="1300">
                 <a:latin typeface="WenQuanYi Zen Hei"/>
@@ -12810,7 +12810,7 @@
           <a:p>
             <a:pPr>
               <a:spcAft>
-                <a:spcPts val="300"/>
+                <a:spcPts val="200"/>
               </a:spcAft>
               <a:defRPr sz="1300">
                 <a:latin typeface="WenQuanYi Zen Hei"/>
@@ -12826,7 +12826,7 @@
           <a:p>
             <a:pPr>
               <a:spcAft>
-                <a:spcPts val="300"/>
+                <a:spcPts val="200"/>
               </a:spcAft>
               <a:defRPr sz="1300">
                 <a:latin typeface="WenQuanYi Zen Hei"/>
@@ -12842,7 +12842,7 @@
           <a:p>
             <a:pPr>
               <a:spcAft>
-                <a:spcPts val="300"/>
+                <a:spcPts val="200"/>
               </a:spcAft>
               <a:defRPr sz="1300">
                 <a:latin typeface="WenQuanYi Zen Hei"/>
@@ -12858,17 +12858,17 @@
           <a:p>
             <a:pPr>
               <a:spcAft>
-                <a:spcPts val="300"/>
-              </a:spcAft>
-              <a:defRPr sz="1300">
-                <a:latin typeface="WenQuanYi Zen Hei"/>
-              </a:defRPr>
-            </a:pPr>
-          </a:p>
-          <a:p>
-            <a:pPr>
-              <a:spcAft>
-                <a:spcPts val="300"/>
+                <a:spcPts val="200"/>
+              </a:spcAft>
+              <a:defRPr sz="1300">
+                <a:latin typeface="WenQuanYi Zen Hei"/>
+              </a:defRPr>
+            </a:pPr>
+          </a:p>
+          <a:p>
+            <a:pPr>
+              <a:spcAft>
+                <a:spcPts val="200"/>
               </a:spcAft>
               <a:defRPr sz="1400" b="1">
                 <a:solidFill>
@@ -12887,7 +12887,7 @@
           <a:p>
             <a:pPr>
               <a:spcAft>
-                <a:spcPts val="300"/>
+                <a:spcPts val="200"/>
               </a:spcAft>
               <a:defRPr sz="1300">
                 <a:latin typeface="WenQuanYi Zen Hei"/>
@@ -12903,7 +12903,7 @@
           <a:p>
             <a:pPr>
               <a:spcAft>
-                <a:spcPts val="300"/>
+                <a:spcPts val="200"/>
               </a:spcAft>
               <a:defRPr sz="1300">
                 <a:latin typeface="WenQuanYi Zen Hei"/>
@@ -12919,7 +12919,7 @@
           <a:p>
             <a:pPr>
               <a:spcAft>
-                <a:spcPts val="300"/>
+                <a:spcPts val="200"/>
               </a:spcAft>
               <a:defRPr sz="1300">
                 <a:latin typeface="WenQuanYi Zen Hei"/>
@@ -12935,7 +12935,7 @@
           <a:p>
             <a:pPr>
               <a:spcAft>
-                <a:spcPts val="300"/>
+                <a:spcPts val="200"/>
               </a:spcAft>
               <a:defRPr sz="1300">
                 <a:latin typeface="WenQuanYi Zen Hei"/>
@@ -13016,7 +13016,7 @@
         <p:spPr>
           <a:xfrm>
             <a:off x="457200" y="1463040"/>
-            <a:ext cx="11274552" cy="4937760"/>
+            <a:ext cx="11274552" cy="4389120"/>
           </a:xfrm>
           <a:prstGeom prst="rect">
             <a:avLst/>
@@ -13031,7 +13031,7 @@
           <a:p>
             <a:pPr>
               <a:spcAft>
-                <a:spcPts val="300"/>
+                <a:spcPts val="200"/>
               </a:spcAft>
               <a:defRPr sz="1500" b="1">
                 <a:solidFill>
@@ -13050,7 +13050,7 @@
           <a:p>
             <a:pPr>
               <a:spcAft>
-                <a:spcPts val="300"/>
+                <a:spcPts val="200"/>
               </a:spcAft>
               <a:defRPr sz="1300">
                 <a:latin typeface="WenQuanYi Zen Hei"/>
@@ -13066,7 +13066,7 @@
           <a:p>
             <a:pPr>
               <a:spcAft>
-                <a:spcPts val="300"/>
+                <a:spcPts val="200"/>
               </a:spcAft>
               <a:defRPr sz="1300">
                 <a:latin typeface="WenQuanYi Zen Hei"/>
@@ -13082,7 +13082,7 @@
           <a:p>
             <a:pPr>
               <a:spcAft>
-                <a:spcPts val="300"/>
+                <a:spcPts val="200"/>
               </a:spcAft>
               <a:defRPr sz="1300">
                 <a:latin typeface="WenQuanYi Zen Hei"/>
@@ -13098,7 +13098,7 @@
           <a:p>
             <a:pPr>
               <a:spcAft>
-                <a:spcPts val="300"/>
+                <a:spcPts val="200"/>
               </a:spcAft>
               <a:defRPr sz="1300">
                 <a:latin typeface="WenQuanYi Zen Hei"/>
@@ -13114,7 +13114,7 @@
           <a:p>
             <a:pPr>
               <a:spcAft>
-                <a:spcPts val="300"/>
+                <a:spcPts val="200"/>
               </a:spcAft>
               <a:defRPr sz="1300">
                 <a:latin typeface="WenQuanYi Zen Hei"/>
@@ -13130,17 +13130,17 @@
           <a:p>
             <a:pPr>
               <a:spcAft>
-                <a:spcPts val="300"/>
-              </a:spcAft>
-              <a:defRPr sz="1300">
-                <a:latin typeface="WenQuanYi Zen Hei"/>
-              </a:defRPr>
-            </a:pPr>
-          </a:p>
-          <a:p>
-            <a:pPr>
-              <a:spcAft>
-                <a:spcPts val="300"/>
+                <a:spcPts val="200"/>
+              </a:spcAft>
+              <a:defRPr sz="1300">
+                <a:latin typeface="WenQuanYi Zen Hei"/>
+              </a:defRPr>
+            </a:pPr>
+          </a:p>
+          <a:p>
+            <a:pPr>
+              <a:spcAft>
+                <a:spcPts val="200"/>
               </a:spcAft>
               <a:defRPr sz="1500" b="1">
                 <a:solidFill>
@@ -13159,7 +13159,7 @@
           <a:p>
             <a:pPr>
               <a:spcAft>
-                <a:spcPts val="300"/>
+                <a:spcPts val="200"/>
               </a:spcAft>
               <a:defRPr sz="1300">
                 <a:latin typeface="WenQuanYi Zen Hei"/>
@@ -13175,7 +13175,7 @@
           <a:p>
             <a:pPr>
               <a:spcAft>
-                <a:spcPts val="300"/>
+                <a:spcPts val="200"/>
               </a:spcAft>
               <a:defRPr sz="1300">
                 <a:latin typeface="WenQuanYi Zen Hei"/>
@@ -13191,7 +13191,7 @@
           <a:p>
             <a:pPr>
               <a:spcAft>
-                <a:spcPts val="300"/>
+                <a:spcPts val="200"/>
               </a:spcAft>
               <a:defRPr sz="1300">
                 <a:latin typeface="WenQuanYi Zen Hei"/>
@@ -13207,7 +13207,7 @@
           <a:p>
             <a:pPr>
               <a:spcAft>
-                <a:spcPts val="300"/>
+                <a:spcPts val="200"/>
               </a:spcAft>
               <a:defRPr sz="1300">
                 <a:latin typeface="WenQuanYi Zen Hei"/>
@@ -13223,7 +13223,7 @@
           <a:p>
             <a:pPr>
               <a:spcAft>
-                <a:spcPts val="300"/>
+                <a:spcPts val="200"/>
               </a:spcAft>
               <a:defRPr sz="1300">
                 <a:latin typeface="WenQuanYi Zen Hei"/>
@@ -13239,7 +13239,7 @@
           <a:p>
             <a:pPr>
               <a:spcAft>
-                <a:spcPts val="300"/>
+                <a:spcPts val="200"/>
               </a:spcAft>
               <a:defRPr sz="1300">
                 <a:latin typeface="WenQuanYi Zen Hei"/>
@@ -13255,7 +13255,7 @@
           <a:p>
             <a:pPr>
               <a:spcAft>
-                <a:spcPts val="300"/>
+                <a:spcPts val="200"/>
               </a:spcAft>
               <a:defRPr sz="1300">
                 <a:latin typeface="WenQuanYi Zen Hei"/>
@@ -13271,17 +13271,17 @@
           <a:p>
             <a:pPr>
               <a:spcAft>
-                <a:spcPts val="300"/>
-              </a:spcAft>
-              <a:defRPr sz="1300">
-                <a:latin typeface="WenQuanYi Zen Hei"/>
-              </a:defRPr>
-            </a:pPr>
-          </a:p>
-          <a:p>
-            <a:pPr>
-              <a:spcAft>
-                <a:spcPts val="300"/>
+                <a:spcPts val="200"/>
+              </a:spcAft>
+              <a:defRPr sz="1300">
+                <a:latin typeface="WenQuanYi Zen Hei"/>
+              </a:defRPr>
+            </a:pPr>
+          </a:p>
+          <a:p>
+            <a:pPr>
+              <a:spcAft>
+                <a:spcPts val="200"/>
               </a:spcAft>
               <a:defRPr sz="1500" b="1">
                 <a:solidFill>
@@ -13300,7 +13300,7 @@
           <a:p>
             <a:pPr>
               <a:spcAft>
-                <a:spcPts val="300"/>
+                <a:spcPts val="200"/>
               </a:spcAft>
               <a:defRPr sz="1300">
                 <a:latin typeface="WenQuanYi Zen Hei"/>
@@ -13316,7 +13316,7 @@
           <a:p>
             <a:pPr>
               <a:spcAft>
-                <a:spcPts val="300"/>
+                <a:spcPts val="200"/>
               </a:spcAft>
               <a:defRPr sz="1300">
                 <a:latin typeface="WenQuanYi Zen Hei"/>
@@ -13332,7 +13332,7 @@
           <a:p>
             <a:pPr>
               <a:spcAft>
-                <a:spcPts val="300"/>
+                <a:spcPts val="200"/>
               </a:spcAft>
               <a:defRPr sz="1300">
                 <a:latin typeface="WenQuanYi Zen Hei"/>
@@ -13348,7 +13348,7 @@
           <a:p>
             <a:pPr>
               <a:spcAft>
-                <a:spcPts val="300"/>
+                <a:spcPts val="200"/>
               </a:spcAft>
               <a:defRPr sz="1300">
                 <a:latin typeface="WenQuanYi Zen Hei"/>
